--- a/ppt草稿.pptx
+++ b/ppt草稿.pptx
@@ -5,7 +5,7 @@
     <p:sldMasterId id="2147483648" r:id="rId1"/>
   </p:sldMasterIdLst>
   <p:notesMasterIdLst>
-    <p:notesMasterId r:id="rId24"/>
+    <p:notesMasterId r:id="rId27"/>
   </p:notesMasterIdLst>
   <p:sldIdLst>
     <p:sldId id="256" r:id="rId2"/>
@@ -23,13 +23,16 @@
     <p:sldId id="272" r:id="rId14"/>
     <p:sldId id="273" r:id="rId15"/>
     <p:sldId id="280" r:id="rId16"/>
-    <p:sldId id="274" r:id="rId17"/>
-    <p:sldId id="275" r:id="rId18"/>
-    <p:sldId id="281" r:id="rId19"/>
-    <p:sldId id="282" r:id="rId20"/>
-    <p:sldId id="277" r:id="rId21"/>
-    <p:sldId id="278" r:id="rId22"/>
-    <p:sldId id="279" r:id="rId23"/>
+    <p:sldId id="284" r:id="rId17"/>
+    <p:sldId id="283" r:id="rId18"/>
+    <p:sldId id="274" r:id="rId19"/>
+    <p:sldId id="285" r:id="rId20"/>
+    <p:sldId id="275" r:id="rId21"/>
+    <p:sldId id="281" r:id="rId22"/>
+    <p:sldId id="282" r:id="rId23"/>
+    <p:sldId id="277" r:id="rId24"/>
+    <p:sldId id="278" r:id="rId25"/>
+    <p:sldId id="279" r:id="rId26"/>
   </p:sldIdLst>
   <p:sldSz cx="12192000" cy="6858000"/>
   <p:notesSz cx="6858000" cy="9144000"/>
@@ -1927,7 +1930,7 @@
           <a:p>
             <a:fld id="{FF500D88-00B6-4D23-9F76-E56AC0843044}" type="datetimeFigureOut">
               <a:rPr lang="zh-TW" altLang="en-US" smtClean="0"/>
-              <a:t>2023/9/21</a:t>
+              <a:t>2023/9/22</a:t>
             </a:fld>
             <a:endParaRPr lang="zh-TW" altLang="en-US"/>
           </a:p>
@@ -2593,7 +2596,7 @@
           <a:p>
             <a:fld id="{CDEC31BE-CBC5-4C39-9A39-D03EE8E43158}" type="datetimeFigureOut">
               <a:rPr lang="zh-TW" altLang="en-US" smtClean="0"/>
-              <a:t>2023/9/21</a:t>
+              <a:t>2023/9/22</a:t>
             </a:fld>
             <a:endParaRPr lang="zh-TW" altLang="en-US"/>
           </a:p>
@@ -2791,7 +2794,7 @@
           <a:p>
             <a:fld id="{CDEC31BE-CBC5-4C39-9A39-D03EE8E43158}" type="datetimeFigureOut">
               <a:rPr lang="zh-TW" altLang="en-US" smtClean="0"/>
-              <a:t>2023/9/21</a:t>
+              <a:t>2023/9/22</a:t>
             </a:fld>
             <a:endParaRPr lang="zh-TW" altLang="en-US"/>
           </a:p>
@@ -2999,7 +3002,7 @@
           <a:p>
             <a:fld id="{CDEC31BE-CBC5-4C39-9A39-D03EE8E43158}" type="datetimeFigureOut">
               <a:rPr lang="zh-TW" altLang="en-US" smtClean="0"/>
-              <a:t>2023/9/21</a:t>
+              <a:t>2023/9/22</a:t>
             </a:fld>
             <a:endParaRPr lang="zh-TW" altLang="en-US"/>
           </a:p>
@@ -3197,7 +3200,7 @@
           <a:p>
             <a:fld id="{CDEC31BE-CBC5-4C39-9A39-D03EE8E43158}" type="datetimeFigureOut">
               <a:rPr lang="zh-TW" altLang="en-US" smtClean="0"/>
-              <a:t>2023/9/21</a:t>
+              <a:t>2023/9/22</a:t>
             </a:fld>
             <a:endParaRPr lang="zh-TW" altLang="en-US"/>
           </a:p>
@@ -3472,7 +3475,7 @@
           <a:p>
             <a:fld id="{CDEC31BE-CBC5-4C39-9A39-D03EE8E43158}" type="datetimeFigureOut">
               <a:rPr lang="zh-TW" altLang="en-US" smtClean="0"/>
-              <a:t>2023/9/21</a:t>
+              <a:t>2023/9/22</a:t>
             </a:fld>
             <a:endParaRPr lang="zh-TW" altLang="en-US"/>
           </a:p>
@@ -3737,7 +3740,7 @@
           <a:p>
             <a:fld id="{CDEC31BE-CBC5-4C39-9A39-D03EE8E43158}" type="datetimeFigureOut">
               <a:rPr lang="zh-TW" altLang="en-US" smtClean="0"/>
-              <a:t>2023/9/21</a:t>
+              <a:t>2023/9/22</a:t>
             </a:fld>
             <a:endParaRPr lang="zh-TW" altLang="en-US"/>
           </a:p>
@@ -4149,7 +4152,7 @@
           <a:p>
             <a:fld id="{CDEC31BE-CBC5-4C39-9A39-D03EE8E43158}" type="datetimeFigureOut">
               <a:rPr lang="zh-TW" altLang="en-US" smtClean="0"/>
-              <a:t>2023/9/21</a:t>
+              <a:t>2023/9/22</a:t>
             </a:fld>
             <a:endParaRPr lang="zh-TW" altLang="en-US"/>
           </a:p>
@@ -4290,7 +4293,7 @@
           <a:p>
             <a:fld id="{CDEC31BE-CBC5-4C39-9A39-D03EE8E43158}" type="datetimeFigureOut">
               <a:rPr lang="zh-TW" altLang="en-US" smtClean="0"/>
-              <a:t>2023/9/21</a:t>
+              <a:t>2023/9/22</a:t>
             </a:fld>
             <a:endParaRPr lang="zh-TW" altLang="en-US"/>
           </a:p>
@@ -4403,7 +4406,7 @@
           <a:p>
             <a:fld id="{CDEC31BE-CBC5-4C39-9A39-D03EE8E43158}" type="datetimeFigureOut">
               <a:rPr lang="zh-TW" altLang="en-US" smtClean="0"/>
-              <a:t>2023/9/21</a:t>
+              <a:t>2023/9/22</a:t>
             </a:fld>
             <a:endParaRPr lang="zh-TW" altLang="en-US"/>
           </a:p>
@@ -4714,7 +4717,7 @@
           <a:p>
             <a:fld id="{CDEC31BE-CBC5-4C39-9A39-D03EE8E43158}" type="datetimeFigureOut">
               <a:rPr lang="zh-TW" altLang="en-US" smtClean="0"/>
-              <a:t>2023/9/21</a:t>
+              <a:t>2023/9/22</a:t>
             </a:fld>
             <a:endParaRPr lang="zh-TW" altLang="en-US"/>
           </a:p>
@@ -5002,7 +5005,7 @@
           <a:p>
             <a:fld id="{CDEC31BE-CBC5-4C39-9A39-D03EE8E43158}" type="datetimeFigureOut">
               <a:rPr lang="zh-TW" altLang="en-US" smtClean="0"/>
-              <a:t>2023/9/21</a:t>
+              <a:t>2023/9/22</a:t>
             </a:fld>
             <a:endParaRPr lang="zh-TW" altLang="en-US"/>
           </a:p>
@@ -5243,7 +5246,7 @@
           <a:p>
             <a:fld id="{CDEC31BE-CBC5-4C39-9A39-D03EE8E43158}" type="datetimeFigureOut">
               <a:rPr lang="zh-TW" altLang="en-US" smtClean="0"/>
-              <a:t>2023/9/21</a:t>
+              <a:t>2023/9/22</a:t>
             </a:fld>
             <a:endParaRPr lang="zh-TW" altLang="en-US"/>
           </a:p>
@@ -8006,39 +8009,33 @@
           <a:lstStyle/>
           <a:p>
             <a:r>
-              <a:rPr lang="en-US" altLang="zh-TW" dirty="0" err="1"/>
-              <a:t>VoxScript</a:t>
-            </a:r>
-            <a:r>
-              <a:rPr lang="zh-TW" altLang="en-US" dirty="0"/>
-              <a:t>！一鍵擷取</a:t>
+              <a:rPr lang="zh-TW" altLang="en-US" dirty="0"/>
+              <a:t>使用</a:t>
             </a:r>
             <a:r>
               <a:rPr lang="en-US" altLang="zh-TW" dirty="0"/>
-              <a:t>YouTube</a:t>
-            </a:r>
-            <a:r>
-              <a:rPr lang="zh-TW" altLang="en-US" dirty="0"/>
-              <a:t>影片重點</a:t>
+              <a:t>Bing</a:t>
+            </a:r>
+            <a:r>
+              <a:rPr lang="zh-TW" altLang="en-US" dirty="0"/>
+              <a:t>，掌握旅遊資訊</a:t>
             </a:r>
           </a:p>
         </p:txBody>
       </p:sp>
       <p:pic>
         <p:nvPicPr>
-          <p:cNvPr id="5" name="內容版面配置區 4">
-            <a:extLst>
-              <a:ext uri="{FF2B5EF4-FFF2-40B4-BE49-F238E27FC236}">
-                <a16:creationId xmlns:a16="http://schemas.microsoft.com/office/drawing/2014/main" id="{D6CCAC7C-3954-155A-802B-D9A958467FE2}"/>
+          <p:cNvPr id="8" name="圖片 7">
+            <a:extLst>
+              <a:ext uri="{FF2B5EF4-FFF2-40B4-BE49-F238E27FC236}">
+                <a16:creationId xmlns:a16="http://schemas.microsoft.com/office/drawing/2014/main" id="{C72C5BA6-7EA6-C1E0-4614-0402CA9E912C}"/>
               </a:ext>
             </a:extLst>
           </p:cNvPr>
           <p:cNvPicPr>
-            <a:picLocks noGrp="1" noChangeAspect="1"/>
+            <a:picLocks noChangeAspect="1"/>
           </p:cNvPicPr>
-          <p:nvPr>
-            <p:ph idx="1"/>
-          </p:nvPr>
+          <p:nvPr/>
         </p:nvPicPr>
         <p:blipFill>
           <a:blip r:embed="rId2">
@@ -8054,17 +8051,20 @@
         </p:blipFill>
         <p:spPr>
           <a:xfrm>
-            <a:off x="838200" y="1952625"/>
-            <a:ext cx="5572125" cy="1476375"/>
+            <a:off x="4996281" y="4132972"/>
+            <a:ext cx="6455504" cy="2190959"/>
           </a:xfrm>
+          <a:prstGeom prst="rect">
+            <a:avLst/>
+          </a:prstGeom>
         </p:spPr>
       </p:pic>
       <p:pic>
         <p:nvPicPr>
-          <p:cNvPr id="7" name="圖片 6">
-            <a:extLst>
-              <a:ext uri="{FF2B5EF4-FFF2-40B4-BE49-F238E27FC236}">
-                <a16:creationId xmlns:a16="http://schemas.microsoft.com/office/drawing/2014/main" id="{0C896C13-1680-0C6A-69D4-2AF58983E3D2}"/>
+          <p:cNvPr id="10" name="圖片 9">
+            <a:extLst>
+              <a:ext uri="{FF2B5EF4-FFF2-40B4-BE49-F238E27FC236}">
+                <a16:creationId xmlns:a16="http://schemas.microsoft.com/office/drawing/2014/main" id="{938B542F-B9A0-AF3E-55C9-9C40F24BCFBB}"/>
               </a:ext>
             </a:extLst>
           </p:cNvPr>
@@ -8087,8 +8087,8 @@
         </p:blipFill>
         <p:spPr>
           <a:xfrm>
-            <a:off x="6410325" y="2930349"/>
-            <a:ext cx="4574250" cy="3292929"/>
+            <a:off x="838200" y="1517473"/>
+            <a:ext cx="6085114" cy="2558631"/>
           </a:xfrm>
           <a:prstGeom prst="rect">
             <a:avLst/>
@@ -8130,7 +8130,7 @@
           <p:cNvPr id="2" name="標題 1">
             <a:extLst>
               <a:ext uri="{FF2B5EF4-FFF2-40B4-BE49-F238E27FC236}">
-                <a16:creationId xmlns:a16="http://schemas.microsoft.com/office/drawing/2014/main" id="{1F56C77D-2B7D-4936-844C-23CAC4034F55}"/>
+                <a16:creationId xmlns:a16="http://schemas.microsoft.com/office/drawing/2014/main" id="{E8F70146-6E5A-4EB9-EA28-4558BF2A80E1}"/>
               </a:ext>
             </a:extLst>
           </p:cNvPr>
@@ -8141,22 +8141,107 @@
             <p:ph type="title"/>
           </p:nvPr>
         </p:nvSpPr>
+        <p:spPr/>
+        <p:txBody>
+          <a:bodyPr/>
+          <a:lstStyle/>
+          <a:p>
+            <a:r>
+              <a:rPr lang="en-US" altLang="zh-TW" dirty="0"/>
+              <a:t>GPT</a:t>
+            </a:r>
+            <a:r>
+              <a:rPr lang="zh-TW" altLang="en-US" dirty="0"/>
+              <a:t>旅行翻譯神器</a:t>
+            </a:r>
+          </a:p>
+        </p:txBody>
+      </p:sp>
+      <p:pic>
+        <p:nvPicPr>
+          <p:cNvPr id="5" name="圖片 4">
+            <a:extLst>
+              <a:ext uri="{FF2B5EF4-FFF2-40B4-BE49-F238E27FC236}">
+                <a16:creationId xmlns:a16="http://schemas.microsoft.com/office/drawing/2014/main" id="{5CFE0D65-77D8-C4B6-F932-95CC7316E85E}"/>
+              </a:ext>
+            </a:extLst>
+          </p:cNvPr>
+          <p:cNvPicPr>
+            <a:picLocks noChangeAspect="1"/>
+          </p:cNvPicPr>
+          <p:nvPr/>
+        </p:nvPicPr>
+        <p:blipFill>
+          <a:blip r:embed="rId2">
+            <a:extLst>
+              <a:ext uri="{28A0092B-C50C-407E-A947-70E740481C1C}">
+                <a14:useLocalDpi xmlns:a14="http://schemas.microsoft.com/office/drawing/2010/main" val="0"/>
+              </a:ext>
+            </a:extLst>
+          </a:blip>
+          <a:stretch>
+            <a:fillRect/>
+          </a:stretch>
+        </p:blipFill>
         <p:spPr>
           <a:xfrm>
-            <a:off x="838200" y="2766218"/>
-            <a:ext cx="10515600" cy="1325563"/>
+            <a:off x="6219929" y="547365"/>
+            <a:ext cx="4903949" cy="5763270"/>
           </a:xfrm>
+          <a:prstGeom prst="rect">
+            <a:avLst/>
+          </a:prstGeom>
+        </p:spPr>
+      </p:pic>
+      <p:sp>
+        <p:nvSpPr>
+          <p:cNvPr id="6" name="文字方塊 5">
+            <a:extLst>
+              <a:ext uri="{FF2B5EF4-FFF2-40B4-BE49-F238E27FC236}">
+                <a16:creationId xmlns:a16="http://schemas.microsoft.com/office/drawing/2014/main" id="{CF9EE72B-6242-B6C7-296D-52C183F337AE}"/>
+              </a:ext>
+            </a:extLst>
+          </p:cNvPr>
+          <p:cNvSpPr txBox="1"/>
+          <p:nvPr/>
+        </p:nvSpPr>
+        <p:spPr>
+          <a:xfrm>
+            <a:off x="1068121" y="2160395"/>
+            <a:ext cx="4167069" cy="1200329"/>
+          </a:xfrm>
+          <a:prstGeom prst="rect">
+            <a:avLst/>
+          </a:prstGeom>
+          <a:noFill/>
         </p:spPr>
         <p:txBody>
-          <a:bodyPr>
-            <a:normAutofit/>
+          <a:bodyPr wrap="square" rtlCol="0">
+            <a:spAutoFit/>
           </a:bodyPr>
           <a:lstStyle/>
           <a:p>
-            <a:pPr algn="ctr"/>
-            <a:r>
-              <a:rPr lang="zh-TW" altLang="en-US" sz="7200" dirty="0"/>
-              <a:t>職場應用</a:t>
+            <a:r>
+              <a:rPr lang="en-US" altLang="zh-TW" dirty="0"/>
+              <a:t>1.</a:t>
+            </a:r>
+            <a:r>
+              <a:rPr lang="zh-TW" altLang="en-US" dirty="0"/>
+              <a:t>可直接上網搜尋就可以用，不必下載</a:t>
+            </a:r>
+            <a:endParaRPr lang="en-US" altLang="zh-TW" dirty="0"/>
+          </a:p>
+          <a:p>
+            <a:endParaRPr lang="en-US" altLang="zh-TW" dirty="0"/>
+          </a:p>
+          <a:p>
+            <a:r>
+              <a:rPr lang="en-US" altLang="zh-TW" dirty="0"/>
+              <a:t>2.</a:t>
+            </a:r>
+            <a:r>
+              <a:rPr lang="zh-TW" altLang="en-US" dirty="0"/>
+              <a:t>使用手機可以直接說話，翻譯後拿給對方看不必將手機翻轉</a:t>
             </a:r>
           </a:p>
         </p:txBody>
@@ -8164,7 +8249,7 @@
     </p:spTree>
     <p:extLst>
       <p:ext uri="{BB962C8B-B14F-4D97-AF65-F5344CB8AC3E}">
-        <p14:creationId xmlns:p14="http://schemas.microsoft.com/office/powerpoint/2010/main" val="3860965003"/>
+        <p14:creationId xmlns:p14="http://schemas.microsoft.com/office/powerpoint/2010/main" val="1621330586"/>
       </p:ext>
     </p:extLst>
   </p:cSld>
@@ -8196,7 +8281,7 @@
           <p:cNvPr id="2" name="標題 1">
             <a:extLst>
               <a:ext uri="{FF2B5EF4-FFF2-40B4-BE49-F238E27FC236}">
-                <a16:creationId xmlns:a16="http://schemas.microsoft.com/office/drawing/2014/main" id="{1F56C77D-2B7D-4936-844C-23CAC4034F55}"/>
+                <a16:creationId xmlns:a16="http://schemas.microsoft.com/office/drawing/2014/main" id="{6CE1D83F-BFD9-1B74-DA30-8331684B2F27}"/>
               </a:ext>
             </a:extLst>
           </p:cNvPr>
@@ -8207,30 +8292,105 @@
             <p:ph type="title"/>
           </p:nvPr>
         </p:nvSpPr>
+        <p:spPr/>
+        <p:txBody>
+          <a:bodyPr/>
+          <a:lstStyle/>
+          <a:p>
+            <a:r>
+              <a:rPr lang="en-US" altLang="zh-TW" dirty="0" err="1"/>
+              <a:t>VoxScript</a:t>
+            </a:r>
+            <a:r>
+              <a:rPr lang="zh-TW" altLang="en-US" dirty="0"/>
+              <a:t>！一鍵擷取</a:t>
+            </a:r>
+            <a:r>
+              <a:rPr lang="en-US" altLang="zh-TW" dirty="0"/>
+              <a:t>YouTube</a:t>
+            </a:r>
+            <a:r>
+              <a:rPr lang="zh-TW" altLang="en-US" dirty="0"/>
+              <a:t>影片重點</a:t>
+            </a:r>
+          </a:p>
+        </p:txBody>
+      </p:sp>
+      <p:pic>
+        <p:nvPicPr>
+          <p:cNvPr id="5" name="內容版面配置區 4">
+            <a:extLst>
+              <a:ext uri="{FF2B5EF4-FFF2-40B4-BE49-F238E27FC236}">
+                <a16:creationId xmlns:a16="http://schemas.microsoft.com/office/drawing/2014/main" id="{D6CCAC7C-3954-155A-802B-D9A958467FE2}"/>
+              </a:ext>
+            </a:extLst>
+          </p:cNvPr>
+          <p:cNvPicPr>
+            <a:picLocks noGrp="1" noChangeAspect="1"/>
+          </p:cNvPicPr>
+          <p:nvPr>
+            <p:ph idx="1"/>
+          </p:nvPr>
+        </p:nvPicPr>
+        <p:blipFill>
+          <a:blip r:embed="rId2">
+            <a:extLst>
+              <a:ext uri="{28A0092B-C50C-407E-A947-70E740481C1C}">
+                <a14:useLocalDpi xmlns:a14="http://schemas.microsoft.com/office/drawing/2010/main" val="0"/>
+              </a:ext>
+            </a:extLst>
+          </a:blip>
+          <a:stretch>
+            <a:fillRect/>
+          </a:stretch>
+        </p:blipFill>
         <p:spPr>
           <a:xfrm>
-            <a:off x="838200" y="2766218"/>
-            <a:ext cx="10515600" cy="1325563"/>
+            <a:off x="838200" y="1952625"/>
+            <a:ext cx="5572125" cy="1476375"/>
           </a:xfrm>
         </p:spPr>
-        <p:txBody>
-          <a:bodyPr>
-            <a:normAutofit/>
-          </a:bodyPr>
-          <a:lstStyle/>
-          <a:p>
-            <a:pPr algn="ctr"/>
-            <a:r>
-              <a:rPr lang="zh-TW" altLang="en-US" sz="7200" dirty="0"/>
-              <a:t>論文應用</a:t>
-            </a:r>
-          </a:p>
-        </p:txBody>
-      </p:sp>
+      </p:pic>
+      <p:pic>
+        <p:nvPicPr>
+          <p:cNvPr id="7" name="圖片 6">
+            <a:extLst>
+              <a:ext uri="{FF2B5EF4-FFF2-40B4-BE49-F238E27FC236}">
+                <a16:creationId xmlns:a16="http://schemas.microsoft.com/office/drawing/2014/main" id="{0C896C13-1680-0C6A-69D4-2AF58983E3D2}"/>
+              </a:ext>
+            </a:extLst>
+          </p:cNvPr>
+          <p:cNvPicPr>
+            <a:picLocks noChangeAspect="1"/>
+          </p:cNvPicPr>
+          <p:nvPr/>
+        </p:nvPicPr>
+        <p:blipFill>
+          <a:blip r:embed="rId3">
+            <a:extLst>
+              <a:ext uri="{28A0092B-C50C-407E-A947-70E740481C1C}">
+                <a14:useLocalDpi xmlns:a14="http://schemas.microsoft.com/office/drawing/2010/main" val="0"/>
+              </a:ext>
+            </a:extLst>
+          </a:blip>
+          <a:stretch>
+            <a:fillRect/>
+          </a:stretch>
+        </p:blipFill>
+        <p:spPr>
+          <a:xfrm>
+            <a:off x="6410325" y="2930349"/>
+            <a:ext cx="4574250" cy="3292929"/>
+          </a:xfrm>
+          <a:prstGeom prst="rect">
+            <a:avLst/>
+          </a:prstGeom>
+        </p:spPr>
+      </p:pic>
     </p:spTree>
     <p:extLst>
       <p:ext uri="{BB962C8B-B14F-4D97-AF65-F5344CB8AC3E}">
-        <p14:creationId xmlns:p14="http://schemas.microsoft.com/office/powerpoint/2010/main" val="230514715"/>
+        <p14:creationId xmlns:p14="http://schemas.microsoft.com/office/powerpoint/2010/main" val="3154691576"/>
       </p:ext>
     </p:extLst>
   </p:cSld>
@@ -8262,7 +8422,7 @@
           <p:cNvPr id="2" name="標題 1">
             <a:extLst>
               <a:ext uri="{FF2B5EF4-FFF2-40B4-BE49-F238E27FC236}">
-                <a16:creationId xmlns:a16="http://schemas.microsoft.com/office/drawing/2014/main" id="{BE626630-0A4F-0435-BDE6-DAD55A6DDDE0}"/>
+                <a16:creationId xmlns:a16="http://schemas.microsoft.com/office/drawing/2014/main" id="{1F56C77D-2B7D-4936-844C-23CAC4034F55}"/>
               </a:ext>
             </a:extLst>
           </p:cNvPr>
@@ -8273,144 +8433,30 @@
             <p:ph type="title"/>
           </p:nvPr>
         </p:nvSpPr>
-        <p:spPr/>
-        <p:txBody>
-          <a:bodyPr/>
-          <a:lstStyle/>
-          <a:p>
-            <a:r>
-              <a:rPr lang="en-US" altLang="zh-TW" dirty="0" err="1"/>
-              <a:t>ChatPDF</a:t>
-            </a:r>
-            <a:r>
-              <a:rPr lang="zh-TW" altLang="en-US" dirty="0"/>
-              <a:t>，叫</a:t>
-            </a:r>
-            <a:r>
-              <a:rPr lang="en-US" altLang="zh-TW" dirty="0"/>
-              <a:t>AI</a:t>
-            </a:r>
-            <a:r>
-              <a:rPr lang="zh-TW" altLang="en-US" dirty="0"/>
-              <a:t>幫你看論文</a:t>
-            </a:r>
-          </a:p>
-        </p:txBody>
-      </p:sp>
-      <p:pic>
-        <p:nvPicPr>
-          <p:cNvPr id="11" name="圖片 10">
-            <a:extLst>
-              <a:ext uri="{FF2B5EF4-FFF2-40B4-BE49-F238E27FC236}">
-                <a16:creationId xmlns:a16="http://schemas.microsoft.com/office/drawing/2014/main" id="{44D2A00B-8511-A9E9-3493-25E2FE64E826}"/>
-              </a:ext>
-            </a:extLst>
-          </p:cNvPr>
-          <p:cNvPicPr>
-            <a:picLocks noChangeAspect="1"/>
-          </p:cNvPicPr>
-          <p:nvPr/>
-        </p:nvPicPr>
-        <p:blipFill>
-          <a:blip r:embed="rId2">
-            <a:extLst>
-              <a:ext uri="{28A0092B-C50C-407E-A947-70E740481C1C}">
-                <a14:useLocalDpi xmlns:a14="http://schemas.microsoft.com/office/drawing/2010/main" val="0"/>
-              </a:ext>
-            </a:extLst>
-          </a:blip>
-          <a:stretch>
-            <a:fillRect/>
-          </a:stretch>
-        </p:blipFill>
         <p:spPr>
           <a:xfrm>
-            <a:off x="723900" y="2431753"/>
-            <a:ext cx="5372100" cy="1190625"/>
+            <a:off x="838200" y="2766218"/>
+            <a:ext cx="10515600" cy="1325563"/>
           </a:xfrm>
-          <a:prstGeom prst="rect">
-            <a:avLst/>
-          </a:prstGeom>
-        </p:spPr>
-      </p:pic>
-      <p:pic>
-        <p:nvPicPr>
-          <p:cNvPr id="13" name="圖片 12">
-            <a:extLst>
-              <a:ext uri="{FF2B5EF4-FFF2-40B4-BE49-F238E27FC236}">
-                <a16:creationId xmlns:a16="http://schemas.microsoft.com/office/drawing/2014/main" id="{50D809EF-6764-9B53-93D6-9E5A1B2B6DD3}"/>
-              </a:ext>
-            </a:extLst>
-          </p:cNvPr>
-          <p:cNvPicPr>
-            <a:picLocks noChangeAspect="1"/>
-          </p:cNvPicPr>
-          <p:nvPr/>
-        </p:nvPicPr>
-        <p:blipFill>
-          <a:blip r:embed="rId3">
-            <a:extLst>
-              <a:ext uri="{28A0092B-C50C-407E-A947-70E740481C1C}">
-                <a14:useLocalDpi xmlns:a14="http://schemas.microsoft.com/office/drawing/2010/main" val="0"/>
-              </a:ext>
-            </a:extLst>
-          </a:blip>
-          <a:stretch>
-            <a:fillRect/>
-          </a:stretch>
-        </p:blipFill>
-        <p:spPr>
-          <a:xfrm>
-            <a:off x="6096000" y="3846077"/>
-            <a:ext cx="5438775" cy="2486025"/>
-          </a:xfrm>
-          <a:prstGeom prst="rect">
-            <a:avLst/>
-          </a:prstGeom>
-        </p:spPr>
-      </p:pic>
-      <p:sp>
-        <p:nvSpPr>
-          <p:cNvPr id="14" name="文字方塊 13">
-            <a:extLst>
-              <a:ext uri="{FF2B5EF4-FFF2-40B4-BE49-F238E27FC236}">
-                <a16:creationId xmlns:a16="http://schemas.microsoft.com/office/drawing/2014/main" id="{3D9C3E0A-3AFD-A7DA-6EFA-5556C95796E3}"/>
-              </a:ext>
-            </a:extLst>
-          </p:cNvPr>
-          <p:cNvSpPr txBox="1"/>
-          <p:nvPr/>
-        </p:nvSpPr>
-        <p:spPr>
-          <a:xfrm>
-            <a:off x="838200" y="3994111"/>
-            <a:ext cx="2700996" cy="369332"/>
-          </a:xfrm>
-          <a:prstGeom prst="rect">
-            <a:avLst/>
-          </a:prstGeom>
-          <a:noFill/>
         </p:spPr>
         <p:txBody>
-          <a:bodyPr wrap="none" rtlCol="0">
-            <a:spAutoFit/>
+          <a:bodyPr>
+            <a:normAutofit/>
           </a:bodyPr>
           <a:lstStyle/>
           <a:p>
-            <a:r>
-              <a:rPr lang="en-US" altLang="zh-TW" dirty="0">
-                <a:hlinkClick r:id="rId4"/>
-              </a:rPr>
-              <a:t>https://www.chatpdf.com/</a:t>
-            </a:r>
-            <a:endParaRPr lang="zh-TW" altLang="en-US" dirty="0"/>
+            <a:pPr algn="ctr"/>
+            <a:r>
+              <a:rPr lang="zh-TW" altLang="en-US" sz="7200" dirty="0"/>
+              <a:t>職場應用</a:t>
+            </a:r>
           </a:p>
         </p:txBody>
       </p:sp>
     </p:spTree>
     <p:extLst>
       <p:ext uri="{BB962C8B-B14F-4D97-AF65-F5344CB8AC3E}">
-        <p14:creationId xmlns:p14="http://schemas.microsoft.com/office/powerpoint/2010/main" val="2011681175"/>
+        <p14:creationId xmlns:p14="http://schemas.microsoft.com/office/powerpoint/2010/main" val="3860965003"/>
       </p:ext>
     </p:extLst>
   </p:cSld>
@@ -8442,7 +8488,7 @@
           <p:cNvPr id="2" name="標題 1">
             <a:extLst>
               <a:ext uri="{FF2B5EF4-FFF2-40B4-BE49-F238E27FC236}">
-                <a16:creationId xmlns:a16="http://schemas.microsoft.com/office/drawing/2014/main" id="{BE626630-0A4F-0435-BDE6-DAD55A6DDDE0}"/>
+                <a16:creationId xmlns:a16="http://schemas.microsoft.com/office/drawing/2014/main" id="{E8F70146-6E5A-4EB9-EA28-4558BF2A80E1}"/>
               </a:ext>
             </a:extLst>
           </p:cNvPr>
@@ -8460,138 +8506,15 @@
           <a:p>
             <a:r>
               <a:rPr lang="zh-TW" altLang="en-US" dirty="0"/>
-              <a:t>解析</a:t>
-            </a:r>
-            <a:r>
-              <a:rPr lang="en-US" altLang="zh-TW" dirty="0"/>
-              <a:t>PDF</a:t>
-            </a:r>
-            <a:r>
-              <a:rPr lang="zh-TW" altLang="en-US" dirty="0"/>
-              <a:t>，叫</a:t>
-            </a:r>
-            <a:r>
-              <a:rPr lang="en-US" altLang="zh-TW" dirty="0"/>
-              <a:t>ChatGPT</a:t>
-            </a:r>
-            <a:r>
-              <a:rPr lang="zh-TW" altLang="en-US" dirty="0"/>
-              <a:t>幫你寫論文！</a:t>
+              <a:t>模擬面試現場</a:t>
             </a:r>
           </a:p>
         </p:txBody>
       </p:sp>
-      <p:pic>
-        <p:nvPicPr>
-          <p:cNvPr id="5" name="內容版面配置區 4">
-            <a:extLst>
-              <a:ext uri="{FF2B5EF4-FFF2-40B4-BE49-F238E27FC236}">
-                <a16:creationId xmlns:a16="http://schemas.microsoft.com/office/drawing/2014/main" id="{7C7E7514-AD69-A1DE-5CF4-F09387AEA23E}"/>
-              </a:ext>
-            </a:extLst>
-          </p:cNvPr>
-          <p:cNvPicPr>
-            <a:picLocks noGrp="1" noChangeAspect="1"/>
-          </p:cNvPicPr>
-          <p:nvPr>
-            <p:ph idx="1"/>
-          </p:nvPr>
-        </p:nvPicPr>
-        <p:blipFill>
-          <a:blip r:embed="rId2">
-            <a:extLst>
-              <a:ext uri="{28A0092B-C50C-407E-A947-70E740481C1C}">
-                <a14:useLocalDpi xmlns:a14="http://schemas.microsoft.com/office/drawing/2010/main" val="0"/>
-              </a:ext>
-            </a:extLst>
-          </a:blip>
-          <a:stretch>
-            <a:fillRect/>
-          </a:stretch>
-        </p:blipFill>
-        <p:spPr>
-          <a:xfrm>
-            <a:off x="838200" y="1690688"/>
-            <a:ext cx="4547716" cy="1589493"/>
-          </a:xfrm>
-        </p:spPr>
-      </p:pic>
-      <p:pic>
-        <p:nvPicPr>
-          <p:cNvPr id="7" name="圖片 6">
-            <a:extLst>
-              <a:ext uri="{FF2B5EF4-FFF2-40B4-BE49-F238E27FC236}">
-                <a16:creationId xmlns:a16="http://schemas.microsoft.com/office/drawing/2014/main" id="{9899FEE4-3E15-2952-02B6-DC566D7FA246}"/>
-              </a:ext>
-            </a:extLst>
-          </p:cNvPr>
-          <p:cNvPicPr>
-            <a:picLocks noChangeAspect="1"/>
-          </p:cNvPicPr>
-          <p:nvPr/>
-        </p:nvPicPr>
-        <p:blipFill>
-          <a:blip r:embed="rId3">
-            <a:extLst>
-              <a:ext uri="{28A0092B-C50C-407E-A947-70E740481C1C}">
-                <a14:useLocalDpi xmlns:a14="http://schemas.microsoft.com/office/drawing/2010/main" val="0"/>
-              </a:ext>
-            </a:extLst>
-          </a:blip>
-          <a:stretch>
-            <a:fillRect/>
-          </a:stretch>
-        </p:blipFill>
-        <p:spPr>
-          <a:xfrm>
-            <a:off x="514842" y="3109648"/>
-            <a:ext cx="5601254" cy="3302840"/>
-          </a:xfrm>
-          <a:prstGeom prst="rect">
-            <a:avLst/>
-          </a:prstGeom>
-        </p:spPr>
-      </p:pic>
-      <p:pic>
-        <p:nvPicPr>
-          <p:cNvPr id="8" name="圖片 7">
-            <a:extLst>
-              <a:ext uri="{FF2B5EF4-FFF2-40B4-BE49-F238E27FC236}">
-                <a16:creationId xmlns:a16="http://schemas.microsoft.com/office/drawing/2014/main" id="{7D768BD4-3D1E-EF2B-7C88-DE4C2ED1D1C5}"/>
-              </a:ext>
-            </a:extLst>
-          </p:cNvPr>
-          <p:cNvPicPr>
-            <a:picLocks noChangeAspect="1"/>
-          </p:cNvPicPr>
-          <p:nvPr/>
-        </p:nvPicPr>
-        <p:blipFill>
-          <a:blip r:embed="rId4">
-            <a:extLst>
-              <a:ext uri="{28A0092B-C50C-407E-A947-70E740481C1C}">
-                <a14:useLocalDpi xmlns:a14="http://schemas.microsoft.com/office/drawing/2010/main" val="0"/>
-              </a:ext>
-            </a:extLst>
-          </a:blip>
-          <a:stretch>
-            <a:fillRect/>
-          </a:stretch>
-        </p:blipFill>
-        <p:spPr>
-          <a:xfrm>
-            <a:off x="6223389" y="2018077"/>
-            <a:ext cx="5130411" cy="3302840"/>
-          </a:xfrm>
-          <a:prstGeom prst="rect">
-            <a:avLst/>
-          </a:prstGeom>
-        </p:spPr>
-      </p:pic>
     </p:spTree>
     <p:extLst>
       <p:ext uri="{BB962C8B-B14F-4D97-AF65-F5344CB8AC3E}">
-        <p14:creationId xmlns:p14="http://schemas.microsoft.com/office/powerpoint/2010/main" val="2612191107"/>
+        <p14:creationId xmlns:p14="http://schemas.microsoft.com/office/powerpoint/2010/main" val="4162544728"/>
       </p:ext>
     </p:extLst>
   </p:cSld>
@@ -8782,7 +8705,7 @@
             <a:pPr algn="ctr"/>
             <a:r>
               <a:rPr lang="zh-TW" altLang="en-US" sz="7200" dirty="0"/>
-              <a:t>實際應用案例</a:t>
+              <a:t>論文應用</a:t>
             </a:r>
           </a:p>
         </p:txBody>
@@ -8790,7 +8713,7 @@
     </p:spTree>
     <p:extLst>
       <p:ext uri="{BB962C8B-B14F-4D97-AF65-F5344CB8AC3E}">
-        <p14:creationId xmlns:p14="http://schemas.microsoft.com/office/powerpoint/2010/main" val="3611898860"/>
+        <p14:creationId xmlns:p14="http://schemas.microsoft.com/office/powerpoint/2010/main" val="230514715"/>
       </p:ext>
     </p:extLst>
   </p:cSld>
@@ -8822,6 +8745,433 @@
           <p:cNvPr id="2" name="標題 1">
             <a:extLst>
               <a:ext uri="{FF2B5EF4-FFF2-40B4-BE49-F238E27FC236}">
+                <a16:creationId xmlns:a16="http://schemas.microsoft.com/office/drawing/2014/main" id="{BE626630-0A4F-0435-BDE6-DAD55A6DDDE0}"/>
+              </a:ext>
+            </a:extLst>
+          </p:cNvPr>
+          <p:cNvSpPr>
+            <a:spLocks noGrp="1"/>
+          </p:cNvSpPr>
+          <p:nvPr>
+            <p:ph type="title"/>
+          </p:nvPr>
+        </p:nvSpPr>
+        <p:spPr/>
+        <p:txBody>
+          <a:bodyPr/>
+          <a:lstStyle/>
+          <a:p>
+            <a:r>
+              <a:rPr lang="en-US" altLang="zh-TW" dirty="0" err="1"/>
+              <a:t>ChatPDF</a:t>
+            </a:r>
+            <a:r>
+              <a:rPr lang="zh-TW" altLang="en-US" dirty="0"/>
+              <a:t>，叫</a:t>
+            </a:r>
+            <a:r>
+              <a:rPr lang="en-US" altLang="zh-TW" dirty="0"/>
+              <a:t>AI</a:t>
+            </a:r>
+            <a:r>
+              <a:rPr lang="zh-TW" altLang="en-US" dirty="0"/>
+              <a:t>幫你看論文</a:t>
+            </a:r>
+          </a:p>
+        </p:txBody>
+      </p:sp>
+      <p:pic>
+        <p:nvPicPr>
+          <p:cNvPr id="11" name="圖片 10">
+            <a:extLst>
+              <a:ext uri="{FF2B5EF4-FFF2-40B4-BE49-F238E27FC236}">
+                <a16:creationId xmlns:a16="http://schemas.microsoft.com/office/drawing/2014/main" id="{44D2A00B-8511-A9E9-3493-25E2FE64E826}"/>
+              </a:ext>
+            </a:extLst>
+          </p:cNvPr>
+          <p:cNvPicPr>
+            <a:picLocks noChangeAspect="1"/>
+          </p:cNvPicPr>
+          <p:nvPr/>
+        </p:nvPicPr>
+        <p:blipFill>
+          <a:blip r:embed="rId2">
+            <a:extLst>
+              <a:ext uri="{28A0092B-C50C-407E-A947-70E740481C1C}">
+                <a14:useLocalDpi xmlns:a14="http://schemas.microsoft.com/office/drawing/2010/main" val="0"/>
+              </a:ext>
+            </a:extLst>
+          </a:blip>
+          <a:stretch>
+            <a:fillRect/>
+          </a:stretch>
+        </p:blipFill>
+        <p:spPr>
+          <a:xfrm>
+            <a:off x="723900" y="2431753"/>
+            <a:ext cx="5372100" cy="1190625"/>
+          </a:xfrm>
+          <a:prstGeom prst="rect">
+            <a:avLst/>
+          </a:prstGeom>
+        </p:spPr>
+      </p:pic>
+      <p:pic>
+        <p:nvPicPr>
+          <p:cNvPr id="13" name="圖片 12">
+            <a:extLst>
+              <a:ext uri="{FF2B5EF4-FFF2-40B4-BE49-F238E27FC236}">
+                <a16:creationId xmlns:a16="http://schemas.microsoft.com/office/drawing/2014/main" id="{50D809EF-6764-9B53-93D6-9E5A1B2B6DD3}"/>
+              </a:ext>
+            </a:extLst>
+          </p:cNvPr>
+          <p:cNvPicPr>
+            <a:picLocks noChangeAspect="1"/>
+          </p:cNvPicPr>
+          <p:nvPr/>
+        </p:nvPicPr>
+        <p:blipFill>
+          <a:blip r:embed="rId3">
+            <a:extLst>
+              <a:ext uri="{28A0092B-C50C-407E-A947-70E740481C1C}">
+                <a14:useLocalDpi xmlns:a14="http://schemas.microsoft.com/office/drawing/2010/main" val="0"/>
+              </a:ext>
+            </a:extLst>
+          </a:blip>
+          <a:stretch>
+            <a:fillRect/>
+          </a:stretch>
+        </p:blipFill>
+        <p:spPr>
+          <a:xfrm>
+            <a:off x="6096000" y="3846077"/>
+            <a:ext cx="5438775" cy="2486025"/>
+          </a:xfrm>
+          <a:prstGeom prst="rect">
+            <a:avLst/>
+          </a:prstGeom>
+        </p:spPr>
+      </p:pic>
+      <p:sp>
+        <p:nvSpPr>
+          <p:cNvPr id="14" name="文字方塊 13">
+            <a:extLst>
+              <a:ext uri="{FF2B5EF4-FFF2-40B4-BE49-F238E27FC236}">
+                <a16:creationId xmlns:a16="http://schemas.microsoft.com/office/drawing/2014/main" id="{3D9C3E0A-3AFD-A7DA-6EFA-5556C95796E3}"/>
+              </a:ext>
+            </a:extLst>
+          </p:cNvPr>
+          <p:cNvSpPr txBox="1"/>
+          <p:nvPr/>
+        </p:nvSpPr>
+        <p:spPr>
+          <a:xfrm>
+            <a:off x="838200" y="3994111"/>
+            <a:ext cx="2700996" cy="369332"/>
+          </a:xfrm>
+          <a:prstGeom prst="rect">
+            <a:avLst/>
+          </a:prstGeom>
+          <a:noFill/>
+        </p:spPr>
+        <p:txBody>
+          <a:bodyPr wrap="none" rtlCol="0">
+            <a:spAutoFit/>
+          </a:bodyPr>
+          <a:lstStyle/>
+          <a:p>
+            <a:r>
+              <a:rPr lang="en-US" altLang="zh-TW" dirty="0">
+                <a:hlinkClick r:id="rId4"/>
+              </a:rPr>
+              <a:t>https://www.chatpdf.com/</a:t>
+            </a:r>
+            <a:endParaRPr lang="zh-TW" altLang="en-US" dirty="0"/>
+          </a:p>
+        </p:txBody>
+      </p:sp>
+    </p:spTree>
+    <p:extLst>
+      <p:ext uri="{BB962C8B-B14F-4D97-AF65-F5344CB8AC3E}">
+        <p14:creationId xmlns:p14="http://schemas.microsoft.com/office/powerpoint/2010/main" val="2011681175"/>
+      </p:ext>
+    </p:extLst>
+  </p:cSld>
+  <p:clrMapOvr>
+    <a:masterClrMapping/>
+  </p:clrMapOvr>
+</p:sld>
+</file>
+
+<file path=ppt/slides/slide22.xml><?xml version="1.0" encoding="utf-8"?>
+<p:sld xmlns:a="http://schemas.openxmlformats.org/drawingml/2006/main" xmlns:r="http://schemas.openxmlformats.org/officeDocument/2006/relationships" xmlns:p="http://schemas.openxmlformats.org/presentationml/2006/main">
+  <p:cSld>
+    <p:spTree>
+      <p:nvGrpSpPr>
+        <p:cNvPr id="1" name=""/>
+        <p:cNvGrpSpPr/>
+        <p:nvPr/>
+      </p:nvGrpSpPr>
+      <p:grpSpPr>
+        <a:xfrm>
+          <a:off x="0" y="0"/>
+          <a:ext cx="0" cy="0"/>
+          <a:chOff x="0" y="0"/>
+          <a:chExt cx="0" cy="0"/>
+        </a:xfrm>
+      </p:grpSpPr>
+      <p:sp>
+        <p:nvSpPr>
+          <p:cNvPr id="2" name="標題 1">
+            <a:extLst>
+              <a:ext uri="{FF2B5EF4-FFF2-40B4-BE49-F238E27FC236}">
+                <a16:creationId xmlns:a16="http://schemas.microsoft.com/office/drawing/2014/main" id="{BE626630-0A4F-0435-BDE6-DAD55A6DDDE0}"/>
+              </a:ext>
+            </a:extLst>
+          </p:cNvPr>
+          <p:cNvSpPr>
+            <a:spLocks noGrp="1"/>
+          </p:cNvSpPr>
+          <p:nvPr>
+            <p:ph type="title"/>
+          </p:nvPr>
+        </p:nvSpPr>
+        <p:spPr/>
+        <p:txBody>
+          <a:bodyPr/>
+          <a:lstStyle/>
+          <a:p>
+            <a:r>
+              <a:rPr lang="zh-TW" altLang="en-US" dirty="0"/>
+              <a:t>解析</a:t>
+            </a:r>
+            <a:r>
+              <a:rPr lang="en-US" altLang="zh-TW" dirty="0"/>
+              <a:t>PDF</a:t>
+            </a:r>
+            <a:r>
+              <a:rPr lang="zh-TW" altLang="en-US" dirty="0"/>
+              <a:t>，叫</a:t>
+            </a:r>
+            <a:r>
+              <a:rPr lang="en-US" altLang="zh-TW" dirty="0"/>
+              <a:t>ChatGPT</a:t>
+            </a:r>
+            <a:r>
+              <a:rPr lang="zh-TW" altLang="en-US" dirty="0"/>
+              <a:t>幫你寫論文！</a:t>
+            </a:r>
+          </a:p>
+        </p:txBody>
+      </p:sp>
+      <p:pic>
+        <p:nvPicPr>
+          <p:cNvPr id="5" name="內容版面配置區 4">
+            <a:extLst>
+              <a:ext uri="{FF2B5EF4-FFF2-40B4-BE49-F238E27FC236}">
+                <a16:creationId xmlns:a16="http://schemas.microsoft.com/office/drawing/2014/main" id="{7C7E7514-AD69-A1DE-5CF4-F09387AEA23E}"/>
+              </a:ext>
+            </a:extLst>
+          </p:cNvPr>
+          <p:cNvPicPr>
+            <a:picLocks noGrp="1" noChangeAspect="1"/>
+          </p:cNvPicPr>
+          <p:nvPr>
+            <p:ph idx="1"/>
+          </p:nvPr>
+        </p:nvPicPr>
+        <p:blipFill>
+          <a:blip r:embed="rId2">
+            <a:extLst>
+              <a:ext uri="{28A0092B-C50C-407E-A947-70E740481C1C}">
+                <a14:useLocalDpi xmlns:a14="http://schemas.microsoft.com/office/drawing/2010/main" val="0"/>
+              </a:ext>
+            </a:extLst>
+          </a:blip>
+          <a:stretch>
+            <a:fillRect/>
+          </a:stretch>
+        </p:blipFill>
+        <p:spPr>
+          <a:xfrm>
+            <a:off x="838200" y="1690688"/>
+            <a:ext cx="4547716" cy="1589493"/>
+          </a:xfrm>
+        </p:spPr>
+      </p:pic>
+      <p:pic>
+        <p:nvPicPr>
+          <p:cNvPr id="7" name="圖片 6">
+            <a:extLst>
+              <a:ext uri="{FF2B5EF4-FFF2-40B4-BE49-F238E27FC236}">
+                <a16:creationId xmlns:a16="http://schemas.microsoft.com/office/drawing/2014/main" id="{9899FEE4-3E15-2952-02B6-DC566D7FA246}"/>
+              </a:ext>
+            </a:extLst>
+          </p:cNvPr>
+          <p:cNvPicPr>
+            <a:picLocks noChangeAspect="1"/>
+          </p:cNvPicPr>
+          <p:nvPr/>
+        </p:nvPicPr>
+        <p:blipFill>
+          <a:blip r:embed="rId3">
+            <a:extLst>
+              <a:ext uri="{28A0092B-C50C-407E-A947-70E740481C1C}">
+                <a14:useLocalDpi xmlns:a14="http://schemas.microsoft.com/office/drawing/2010/main" val="0"/>
+              </a:ext>
+            </a:extLst>
+          </a:blip>
+          <a:stretch>
+            <a:fillRect/>
+          </a:stretch>
+        </p:blipFill>
+        <p:spPr>
+          <a:xfrm>
+            <a:off x="514842" y="3109648"/>
+            <a:ext cx="5601254" cy="3302840"/>
+          </a:xfrm>
+          <a:prstGeom prst="rect">
+            <a:avLst/>
+          </a:prstGeom>
+        </p:spPr>
+      </p:pic>
+      <p:pic>
+        <p:nvPicPr>
+          <p:cNvPr id="8" name="圖片 7">
+            <a:extLst>
+              <a:ext uri="{FF2B5EF4-FFF2-40B4-BE49-F238E27FC236}">
+                <a16:creationId xmlns:a16="http://schemas.microsoft.com/office/drawing/2014/main" id="{7D768BD4-3D1E-EF2B-7C88-DE4C2ED1D1C5}"/>
+              </a:ext>
+            </a:extLst>
+          </p:cNvPr>
+          <p:cNvPicPr>
+            <a:picLocks noChangeAspect="1"/>
+          </p:cNvPicPr>
+          <p:nvPr/>
+        </p:nvPicPr>
+        <p:blipFill>
+          <a:blip r:embed="rId4">
+            <a:extLst>
+              <a:ext uri="{28A0092B-C50C-407E-A947-70E740481C1C}">
+                <a14:useLocalDpi xmlns:a14="http://schemas.microsoft.com/office/drawing/2010/main" val="0"/>
+              </a:ext>
+            </a:extLst>
+          </a:blip>
+          <a:stretch>
+            <a:fillRect/>
+          </a:stretch>
+        </p:blipFill>
+        <p:spPr>
+          <a:xfrm>
+            <a:off x="6223389" y="2018077"/>
+            <a:ext cx="5130411" cy="3302840"/>
+          </a:xfrm>
+          <a:prstGeom prst="rect">
+            <a:avLst/>
+          </a:prstGeom>
+        </p:spPr>
+      </p:pic>
+    </p:spTree>
+    <p:extLst>
+      <p:ext uri="{BB962C8B-B14F-4D97-AF65-F5344CB8AC3E}">
+        <p14:creationId xmlns:p14="http://schemas.microsoft.com/office/powerpoint/2010/main" val="2612191107"/>
+      </p:ext>
+    </p:extLst>
+  </p:cSld>
+  <p:clrMapOvr>
+    <a:masterClrMapping/>
+  </p:clrMapOvr>
+</p:sld>
+</file>
+
+<file path=ppt/slides/slide23.xml><?xml version="1.0" encoding="utf-8"?>
+<p:sld xmlns:a="http://schemas.openxmlformats.org/drawingml/2006/main" xmlns:r="http://schemas.openxmlformats.org/officeDocument/2006/relationships" xmlns:p="http://schemas.openxmlformats.org/presentationml/2006/main">
+  <p:cSld>
+    <p:spTree>
+      <p:nvGrpSpPr>
+        <p:cNvPr id="1" name=""/>
+        <p:cNvGrpSpPr/>
+        <p:nvPr/>
+      </p:nvGrpSpPr>
+      <p:grpSpPr>
+        <a:xfrm>
+          <a:off x="0" y="0"/>
+          <a:ext cx="0" cy="0"/>
+          <a:chOff x="0" y="0"/>
+          <a:chExt cx="0" cy="0"/>
+        </a:xfrm>
+      </p:grpSpPr>
+      <p:sp>
+        <p:nvSpPr>
+          <p:cNvPr id="2" name="標題 1">
+            <a:extLst>
+              <a:ext uri="{FF2B5EF4-FFF2-40B4-BE49-F238E27FC236}">
+                <a16:creationId xmlns:a16="http://schemas.microsoft.com/office/drawing/2014/main" id="{1F56C77D-2B7D-4936-844C-23CAC4034F55}"/>
+              </a:ext>
+            </a:extLst>
+          </p:cNvPr>
+          <p:cNvSpPr>
+            <a:spLocks noGrp="1"/>
+          </p:cNvSpPr>
+          <p:nvPr>
+            <p:ph type="title"/>
+          </p:nvPr>
+        </p:nvSpPr>
+        <p:spPr>
+          <a:xfrm>
+            <a:off x="838200" y="2766218"/>
+            <a:ext cx="10515600" cy="1325563"/>
+          </a:xfrm>
+        </p:spPr>
+        <p:txBody>
+          <a:bodyPr>
+            <a:normAutofit/>
+          </a:bodyPr>
+          <a:lstStyle/>
+          <a:p>
+            <a:pPr algn="ctr"/>
+            <a:r>
+              <a:rPr lang="zh-TW" altLang="en-US" sz="7200" dirty="0"/>
+              <a:t>實際應用案例</a:t>
+            </a:r>
+          </a:p>
+        </p:txBody>
+      </p:sp>
+    </p:spTree>
+    <p:extLst>
+      <p:ext uri="{BB962C8B-B14F-4D97-AF65-F5344CB8AC3E}">
+        <p14:creationId xmlns:p14="http://schemas.microsoft.com/office/powerpoint/2010/main" val="3611898860"/>
+      </p:ext>
+    </p:extLst>
+  </p:cSld>
+  <p:clrMapOvr>
+    <a:masterClrMapping/>
+  </p:clrMapOvr>
+</p:sld>
+</file>
+
+<file path=ppt/slides/slide24.xml><?xml version="1.0" encoding="utf-8"?>
+<p:sld xmlns:a="http://schemas.openxmlformats.org/drawingml/2006/main" xmlns:r="http://schemas.openxmlformats.org/officeDocument/2006/relationships" xmlns:p="http://schemas.openxmlformats.org/presentationml/2006/main">
+  <p:cSld>
+    <p:spTree>
+      <p:nvGrpSpPr>
+        <p:cNvPr id="1" name=""/>
+        <p:cNvGrpSpPr/>
+        <p:nvPr/>
+      </p:nvGrpSpPr>
+      <p:grpSpPr>
+        <a:xfrm>
+          <a:off x="0" y="0"/>
+          <a:ext cx="0" cy="0"/>
+          <a:chOff x="0" y="0"/>
+          <a:chExt cx="0" cy="0"/>
+        </a:xfrm>
+      </p:grpSpPr>
+      <p:sp>
+        <p:nvSpPr>
+          <p:cNvPr id="2" name="標題 1">
+            <a:extLst>
+              <a:ext uri="{FF2B5EF4-FFF2-40B4-BE49-F238E27FC236}">
                 <a16:creationId xmlns:a16="http://schemas.microsoft.com/office/drawing/2014/main" id="{1F56C77D-2B7D-4936-844C-23CAC4034F55}"/>
               </a:ext>
             </a:extLst>
@@ -8866,7 +9216,7 @@
 </p:sld>
 </file>
 
-<file path=ppt/slides/slide22.xml><?xml version="1.0" encoding="utf-8"?>
+<file path=ppt/slides/slide25.xml><?xml version="1.0" encoding="utf-8"?>
 <p:sld xmlns:a="http://schemas.openxmlformats.org/drawingml/2006/main" xmlns:r="http://schemas.openxmlformats.org/officeDocument/2006/relationships" xmlns:p="http://schemas.openxmlformats.org/presentationml/2006/main">
   <p:cSld>
     <p:spTree>

--- a/ppt草稿.pptx
+++ b/ppt草稿.pptx
@@ -5,34 +5,50 @@
     <p:sldMasterId id="2147483648" r:id="rId1"/>
   </p:sldMasterIdLst>
   <p:notesMasterIdLst>
-    <p:notesMasterId r:id="rId27"/>
+    <p:notesMasterId r:id="rId43"/>
   </p:notesMasterIdLst>
   <p:sldIdLst>
     <p:sldId id="256" r:id="rId2"/>
     <p:sldId id="257" r:id="rId3"/>
-    <p:sldId id="258" r:id="rId4"/>
-    <p:sldId id="270" r:id="rId5"/>
-    <p:sldId id="262" r:id="rId6"/>
-    <p:sldId id="263" r:id="rId7"/>
-    <p:sldId id="264" r:id="rId8"/>
-    <p:sldId id="265" r:id="rId9"/>
-    <p:sldId id="266" r:id="rId10"/>
-    <p:sldId id="267" r:id="rId11"/>
-    <p:sldId id="269" r:id="rId12"/>
-    <p:sldId id="271" r:id="rId13"/>
-    <p:sldId id="272" r:id="rId14"/>
-    <p:sldId id="273" r:id="rId15"/>
-    <p:sldId id="280" r:id="rId16"/>
-    <p:sldId id="284" r:id="rId17"/>
-    <p:sldId id="283" r:id="rId18"/>
-    <p:sldId id="274" r:id="rId19"/>
-    <p:sldId id="285" r:id="rId20"/>
-    <p:sldId id="275" r:id="rId21"/>
-    <p:sldId id="281" r:id="rId22"/>
-    <p:sldId id="282" r:id="rId23"/>
-    <p:sldId id="277" r:id="rId24"/>
-    <p:sldId id="278" r:id="rId25"/>
-    <p:sldId id="279" r:id="rId26"/>
+    <p:sldId id="302" r:id="rId4"/>
+    <p:sldId id="258" r:id="rId5"/>
+    <p:sldId id="303" r:id="rId6"/>
+    <p:sldId id="270" r:id="rId7"/>
+    <p:sldId id="286" r:id="rId8"/>
+    <p:sldId id="264" r:id="rId9"/>
+    <p:sldId id="262" r:id="rId10"/>
+    <p:sldId id="263" r:id="rId11"/>
+    <p:sldId id="265" r:id="rId12"/>
+    <p:sldId id="266" r:id="rId13"/>
+    <p:sldId id="267" r:id="rId14"/>
+    <p:sldId id="269" r:id="rId15"/>
+    <p:sldId id="271" r:id="rId16"/>
+    <p:sldId id="272" r:id="rId17"/>
+    <p:sldId id="273" r:id="rId18"/>
+    <p:sldId id="280" r:id="rId19"/>
+    <p:sldId id="284" r:id="rId20"/>
+    <p:sldId id="287" r:id="rId21"/>
+    <p:sldId id="283" r:id="rId22"/>
+    <p:sldId id="274" r:id="rId23"/>
+    <p:sldId id="285" r:id="rId24"/>
+    <p:sldId id="288" r:id="rId25"/>
+    <p:sldId id="289" r:id="rId26"/>
+    <p:sldId id="290" r:id="rId27"/>
+    <p:sldId id="291" r:id="rId28"/>
+    <p:sldId id="275" r:id="rId29"/>
+    <p:sldId id="281" r:id="rId30"/>
+    <p:sldId id="294" r:id="rId31"/>
+    <p:sldId id="295" r:id="rId32"/>
+    <p:sldId id="296" r:id="rId33"/>
+    <p:sldId id="292" r:id="rId34"/>
+    <p:sldId id="293" r:id="rId35"/>
+    <p:sldId id="282" r:id="rId36"/>
+    <p:sldId id="277" r:id="rId37"/>
+    <p:sldId id="300" r:id="rId38"/>
+    <p:sldId id="301" r:id="rId39"/>
+    <p:sldId id="298" r:id="rId40"/>
+    <p:sldId id="278" r:id="rId41"/>
+    <p:sldId id="279" r:id="rId42"/>
   </p:sldIdLst>
   <p:sldSz cx="12192000" cy="6858000"/>
   <p:notesSz cx="6858000" cy="9144000"/>
@@ -1930,7 +1946,7 @@
           <a:p>
             <a:fld id="{FF500D88-00B6-4D23-9F76-E56AC0843044}" type="datetimeFigureOut">
               <a:rPr lang="zh-TW" altLang="en-US" smtClean="0"/>
-              <a:t>2023/9/22</a:t>
+              <a:t>2023/9/26</a:t>
             </a:fld>
             <a:endParaRPr lang="zh-TW" altLang="en-US"/>
           </a:p>
@@ -2346,7 +2362,7 @@
           <a:p>
             <a:fld id="{AC879226-3E63-4467-9B06-A801ACD11516}" type="slidenum">
               <a:rPr lang="zh-TW" altLang="en-US" smtClean="0"/>
-              <a:t>6</a:t>
+              <a:t>10</a:t>
             </a:fld>
             <a:endParaRPr lang="zh-TW" altLang="en-US"/>
           </a:p>
@@ -2430,7 +2446,7 @@
           <a:p>
             <a:fld id="{AC879226-3E63-4467-9B06-A801ACD11516}" type="slidenum">
               <a:rPr lang="zh-TW" altLang="en-US" smtClean="0"/>
-              <a:t>8</a:t>
+              <a:t>11</a:t>
             </a:fld>
             <a:endParaRPr lang="zh-TW" altLang="en-US"/>
           </a:p>
@@ -2596,7 +2612,7 @@
           <a:p>
             <a:fld id="{CDEC31BE-CBC5-4C39-9A39-D03EE8E43158}" type="datetimeFigureOut">
               <a:rPr lang="zh-TW" altLang="en-US" smtClean="0"/>
-              <a:t>2023/9/22</a:t>
+              <a:t>2023/9/26</a:t>
             </a:fld>
             <a:endParaRPr lang="zh-TW" altLang="en-US"/>
           </a:p>
@@ -2794,7 +2810,7 @@
           <a:p>
             <a:fld id="{CDEC31BE-CBC5-4C39-9A39-D03EE8E43158}" type="datetimeFigureOut">
               <a:rPr lang="zh-TW" altLang="en-US" smtClean="0"/>
-              <a:t>2023/9/22</a:t>
+              <a:t>2023/9/26</a:t>
             </a:fld>
             <a:endParaRPr lang="zh-TW" altLang="en-US"/>
           </a:p>
@@ -3002,7 +3018,7 @@
           <a:p>
             <a:fld id="{CDEC31BE-CBC5-4C39-9A39-D03EE8E43158}" type="datetimeFigureOut">
               <a:rPr lang="zh-TW" altLang="en-US" smtClean="0"/>
-              <a:t>2023/9/22</a:t>
+              <a:t>2023/9/26</a:t>
             </a:fld>
             <a:endParaRPr lang="zh-TW" altLang="en-US"/>
           </a:p>
@@ -3200,7 +3216,7 @@
           <a:p>
             <a:fld id="{CDEC31BE-CBC5-4C39-9A39-D03EE8E43158}" type="datetimeFigureOut">
               <a:rPr lang="zh-TW" altLang="en-US" smtClean="0"/>
-              <a:t>2023/9/22</a:t>
+              <a:t>2023/9/26</a:t>
             </a:fld>
             <a:endParaRPr lang="zh-TW" altLang="en-US"/>
           </a:p>
@@ -3475,7 +3491,7 @@
           <a:p>
             <a:fld id="{CDEC31BE-CBC5-4C39-9A39-D03EE8E43158}" type="datetimeFigureOut">
               <a:rPr lang="zh-TW" altLang="en-US" smtClean="0"/>
-              <a:t>2023/9/22</a:t>
+              <a:t>2023/9/26</a:t>
             </a:fld>
             <a:endParaRPr lang="zh-TW" altLang="en-US"/>
           </a:p>
@@ -3740,7 +3756,7 @@
           <a:p>
             <a:fld id="{CDEC31BE-CBC5-4C39-9A39-D03EE8E43158}" type="datetimeFigureOut">
               <a:rPr lang="zh-TW" altLang="en-US" smtClean="0"/>
-              <a:t>2023/9/22</a:t>
+              <a:t>2023/9/26</a:t>
             </a:fld>
             <a:endParaRPr lang="zh-TW" altLang="en-US"/>
           </a:p>
@@ -4152,7 +4168,7 @@
           <a:p>
             <a:fld id="{CDEC31BE-CBC5-4C39-9A39-D03EE8E43158}" type="datetimeFigureOut">
               <a:rPr lang="zh-TW" altLang="en-US" smtClean="0"/>
-              <a:t>2023/9/22</a:t>
+              <a:t>2023/9/26</a:t>
             </a:fld>
             <a:endParaRPr lang="zh-TW" altLang="en-US"/>
           </a:p>
@@ -4293,7 +4309,7 @@
           <a:p>
             <a:fld id="{CDEC31BE-CBC5-4C39-9A39-D03EE8E43158}" type="datetimeFigureOut">
               <a:rPr lang="zh-TW" altLang="en-US" smtClean="0"/>
-              <a:t>2023/9/22</a:t>
+              <a:t>2023/9/26</a:t>
             </a:fld>
             <a:endParaRPr lang="zh-TW" altLang="en-US"/>
           </a:p>
@@ -4406,7 +4422,7 @@
           <a:p>
             <a:fld id="{CDEC31BE-CBC5-4C39-9A39-D03EE8E43158}" type="datetimeFigureOut">
               <a:rPr lang="zh-TW" altLang="en-US" smtClean="0"/>
-              <a:t>2023/9/22</a:t>
+              <a:t>2023/9/26</a:t>
             </a:fld>
             <a:endParaRPr lang="zh-TW" altLang="en-US"/>
           </a:p>
@@ -4717,7 +4733,7 @@
           <a:p>
             <a:fld id="{CDEC31BE-CBC5-4C39-9A39-D03EE8E43158}" type="datetimeFigureOut">
               <a:rPr lang="zh-TW" altLang="en-US" smtClean="0"/>
-              <a:t>2023/9/22</a:t>
+              <a:t>2023/9/26</a:t>
             </a:fld>
             <a:endParaRPr lang="zh-TW" altLang="en-US"/>
           </a:p>
@@ -5005,7 +5021,7 @@
           <a:p>
             <a:fld id="{CDEC31BE-CBC5-4C39-9A39-D03EE8E43158}" type="datetimeFigureOut">
               <a:rPr lang="zh-TW" altLang="en-US" smtClean="0"/>
-              <a:t>2023/9/22</a:t>
+              <a:t>2023/9/26</a:t>
             </a:fld>
             <a:endParaRPr lang="zh-TW" altLang="en-US"/>
           </a:p>
@@ -5246,7 +5262,7 @@
           <a:p>
             <a:fld id="{CDEC31BE-CBC5-4C39-9A39-D03EE8E43158}" type="datetimeFigureOut">
               <a:rPr lang="zh-TW" altLang="en-US" smtClean="0"/>
-              <a:t>2023/9/22</a:t>
+              <a:t>2023/9/26</a:t>
             </a:fld>
             <a:endParaRPr lang="zh-TW" altLang="en-US"/>
           </a:p>
@@ -5766,7 +5782,7 @@
           <p:cNvPr id="2" name="標題 1">
             <a:extLst>
               <a:ext uri="{FF2B5EF4-FFF2-40B4-BE49-F238E27FC236}">
-                <a16:creationId xmlns:a16="http://schemas.microsoft.com/office/drawing/2014/main" id="{ECE40E33-A3B9-CD93-0612-E5BC6AF4A37E}"/>
+                <a16:creationId xmlns:a16="http://schemas.microsoft.com/office/drawing/2014/main" id="{A4A71B43-4DE5-FF69-EBE6-C4D34056024D}"/>
               </a:ext>
             </a:extLst>
           </p:cNvPr>
@@ -5784,12 +5800,20 @@
           <a:p>
             <a:r>
               <a:rPr lang="zh-TW" altLang="en-US" dirty="0"/>
-              <a:t>聰明使用</a:t>
+              <a:t>為何</a:t>
             </a:r>
             <a:r>
               <a:rPr lang="en-US" altLang="zh-TW" dirty="0"/>
               <a:t>ChatGPT</a:t>
             </a:r>
+            <a:r>
+              <a:rPr lang="zh-TW" altLang="en-US" dirty="0"/>
+              <a:t>會崛起</a:t>
+            </a:r>
+            <a:r>
+              <a:rPr lang="en-US" altLang="zh-TW" dirty="0"/>
+              <a:t>?</a:t>
+            </a:r>
             <a:endParaRPr lang="zh-TW" altLang="en-US" dirty="0"/>
           </a:p>
         </p:txBody>
@@ -5799,7 +5823,7 @@
           <p:cNvPr id="3" name="內容版面配置區 2">
             <a:extLst>
               <a:ext uri="{FF2B5EF4-FFF2-40B4-BE49-F238E27FC236}">
-                <a16:creationId xmlns:a16="http://schemas.microsoft.com/office/drawing/2014/main" id="{8C8A1313-EFAE-096C-6E8D-816B492AD22D}"/>
+                <a16:creationId xmlns:a16="http://schemas.microsoft.com/office/drawing/2014/main" id="{9D2EAE65-81C0-07FC-6957-6516E2080C24}"/>
               </a:ext>
             </a:extLst>
           </p:cNvPr>
@@ -5810,50 +5834,145 @@
             <p:ph idx="1"/>
           </p:nvPr>
         </p:nvSpPr>
-        <p:spPr/>
+        <p:spPr>
+          <a:xfrm>
+            <a:off x="838200" y="1825625"/>
+            <a:ext cx="6814040" cy="4351338"/>
+          </a:xfrm>
+        </p:spPr>
         <p:txBody>
           <a:bodyPr/>
           <a:lstStyle/>
           <a:p>
             <a:r>
               <a:rPr lang="zh-TW" altLang="en-US" dirty="0"/>
-              <a:t>基本三點</a:t>
+              <a:t>相似於</a:t>
+            </a:r>
+            <a:r>
+              <a:rPr lang="en-US" altLang="zh-TW" dirty="0"/>
+              <a:t>15</a:t>
+            </a:r>
+            <a:r>
+              <a:rPr lang="zh-TW" altLang="en-US" dirty="0"/>
+              <a:t>世紀印刷術的發明，使能夠接觸到書籍的人變得更多</a:t>
+            </a:r>
+            <a:endParaRPr lang="en-US" altLang="zh-TW" dirty="0"/>
+          </a:p>
+          <a:p>
+            <a:r>
+              <a:rPr lang="zh-TW" altLang="en-US" dirty="0"/>
+              <a:t>過去</a:t>
+            </a:r>
+            <a:r>
+              <a:rPr lang="en-US" altLang="zh-TW" dirty="0"/>
+              <a:t>AI“</a:t>
+            </a:r>
+            <a:r>
+              <a:rPr lang="zh-TW" altLang="en-US" dirty="0"/>
+              <a:t>可遠觀而不可褻完焉</a:t>
+            </a:r>
+            <a:r>
+              <a:rPr lang="en-US" altLang="zh-TW" dirty="0"/>
+              <a:t>”</a:t>
+            </a:r>
+            <a:r>
+              <a:rPr lang="zh-TW" altLang="en-US" dirty="0"/>
+              <a:t>，如今</a:t>
+            </a:r>
+            <a:r>
+              <a:rPr lang="en-US" altLang="zh-TW" b="1" dirty="0">
+                <a:solidFill>
+                  <a:srgbClr val="FF0000"/>
+                </a:solidFill>
+              </a:rPr>
+              <a:t>AI</a:t>
+            </a:r>
+            <a:r>
+              <a:rPr lang="zh-TW" altLang="en-US" b="1" dirty="0">
+                <a:solidFill>
+                  <a:srgbClr val="FF0000"/>
+                </a:solidFill>
+              </a:rPr>
+              <a:t>的力量賦權給每一個人</a:t>
+            </a:r>
+          </a:p>
+        </p:txBody>
+      </p:sp>
+      <p:pic>
+        <p:nvPicPr>
+          <p:cNvPr id="5" name="圖片 4">
+            <a:extLst>
+              <a:ext uri="{FF2B5EF4-FFF2-40B4-BE49-F238E27FC236}">
+                <a16:creationId xmlns:a16="http://schemas.microsoft.com/office/drawing/2014/main" id="{4B0BEA19-6CE1-0BA0-2A52-809DE46BD944}"/>
+              </a:ext>
+            </a:extLst>
+          </p:cNvPr>
+          <p:cNvPicPr>
+            <a:picLocks noChangeAspect="1"/>
+          </p:cNvPicPr>
+          <p:nvPr/>
+        </p:nvPicPr>
+        <p:blipFill>
+          <a:blip r:embed="rId3">
+            <a:extLst>
+              <a:ext uri="{28A0092B-C50C-407E-A947-70E740481C1C}">
+                <a14:useLocalDpi xmlns:a14="http://schemas.microsoft.com/office/drawing/2010/main" val="0"/>
+              </a:ext>
+            </a:extLst>
+          </a:blip>
+          <a:stretch>
+            <a:fillRect/>
+          </a:stretch>
+        </p:blipFill>
+        <p:spPr>
+          <a:xfrm>
+            <a:off x="8269405" y="681037"/>
+            <a:ext cx="2573600" cy="3585882"/>
+          </a:xfrm>
+          <a:prstGeom prst="rect">
+            <a:avLst/>
+          </a:prstGeom>
+        </p:spPr>
+      </p:pic>
+      <p:sp>
+        <p:nvSpPr>
+          <p:cNvPr id="6" name="文字方塊 5">
+            <a:extLst>
+              <a:ext uri="{FF2B5EF4-FFF2-40B4-BE49-F238E27FC236}">
+                <a16:creationId xmlns:a16="http://schemas.microsoft.com/office/drawing/2014/main" id="{DADBEAFE-D2AB-37EC-60D7-B5410C3BD377}"/>
+              </a:ext>
+            </a:extLst>
+          </p:cNvPr>
+          <p:cNvSpPr txBox="1"/>
+          <p:nvPr/>
+        </p:nvSpPr>
+        <p:spPr>
+          <a:xfrm>
+            <a:off x="8163035" y="4401856"/>
+            <a:ext cx="2786340" cy="369332"/>
+          </a:xfrm>
+          <a:prstGeom prst="rect">
+            <a:avLst/>
+          </a:prstGeom>
+          <a:noFill/>
+        </p:spPr>
+        <p:txBody>
+          <a:bodyPr wrap="none" rtlCol="0">
+            <a:spAutoFit/>
+          </a:bodyPr>
+          <a:lstStyle/>
+          <a:p>
+            <a:r>
+              <a:rPr lang="zh-TW" altLang="en-US" dirty="0"/>
+              <a:t>第一本印刷書</a:t>
             </a:r>
             <a:r>
               <a:rPr lang="en-US" altLang="zh-TW" dirty="0"/>
               <a:t>:</a:t>
             </a:r>
-          </a:p>
-          <a:p>
-            <a:r>
-              <a:rPr lang="en-US" altLang="zh-TW" dirty="0"/>
-              <a:t>1.</a:t>
-            </a:r>
-            <a:r>
-              <a:rPr lang="zh-TW" altLang="en-US" dirty="0"/>
-              <a:t>清晰</a:t>
-            </a:r>
-            <a:endParaRPr lang="en-US" altLang="zh-TW" dirty="0"/>
-          </a:p>
-          <a:p>
-            <a:r>
-              <a:rPr lang="en-US" altLang="zh-TW" dirty="0"/>
-              <a:t>2.</a:t>
-            </a:r>
-            <a:r>
-              <a:rPr lang="zh-TW" altLang="en-US" dirty="0"/>
-              <a:t>重點</a:t>
-            </a:r>
-            <a:endParaRPr lang="en-US" altLang="zh-TW" dirty="0"/>
-          </a:p>
-          <a:p>
-            <a:r>
-              <a:rPr lang="en-US" altLang="zh-TW" dirty="0"/>
-              <a:t>3.</a:t>
-            </a:r>
-            <a:r>
-              <a:rPr lang="zh-TW" altLang="en-US" dirty="0"/>
-              <a:t>相關性</a:t>
+            <a:r>
+              <a:rPr lang="zh-TW" altLang="en-US" dirty="0"/>
+              <a:t>古德堡聖經</a:t>
             </a:r>
           </a:p>
         </p:txBody>
@@ -5861,7 +5980,7 @@
     </p:spTree>
     <p:extLst>
       <p:ext uri="{BB962C8B-B14F-4D97-AF65-F5344CB8AC3E}">
-        <p14:creationId xmlns:p14="http://schemas.microsoft.com/office/powerpoint/2010/main" val="2969800352"/>
+        <p14:creationId xmlns:p14="http://schemas.microsoft.com/office/powerpoint/2010/main" val="983943627"/>
       </p:ext>
     </p:extLst>
   </p:cSld>
@@ -5893,7 +6012,7 @@
           <p:cNvPr id="2" name="標題 1">
             <a:extLst>
               <a:ext uri="{FF2B5EF4-FFF2-40B4-BE49-F238E27FC236}">
-                <a16:creationId xmlns:a16="http://schemas.microsoft.com/office/drawing/2014/main" id="{ECE40E33-A3B9-CD93-0612-E5BC6AF4A37E}"/>
+                <a16:creationId xmlns:a16="http://schemas.microsoft.com/office/drawing/2014/main" id="{66FEB8FF-494B-AD61-5BD6-091289349A84}"/>
               </a:ext>
             </a:extLst>
           </p:cNvPr>
@@ -5911,11 +6030,11 @@
           <a:p>
             <a:r>
               <a:rPr lang="zh-TW" altLang="en-US" dirty="0"/>
-              <a:t>聰明使用</a:t>
+              <a:t>人工智慧是敵是友</a:t>
             </a:r>
             <a:r>
               <a:rPr lang="en-US" altLang="zh-TW" dirty="0"/>
-              <a:t>ChatGPT</a:t>
+              <a:t>?</a:t>
             </a:r>
             <a:endParaRPr lang="zh-TW" altLang="en-US" dirty="0"/>
           </a:p>
@@ -5926,7 +6045,7 @@
           <p:cNvPr id="3" name="內容版面配置區 2">
             <a:extLst>
               <a:ext uri="{FF2B5EF4-FFF2-40B4-BE49-F238E27FC236}">
-                <a16:creationId xmlns:a16="http://schemas.microsoft.com/office/drawing/2014/main" id="{8C8A1313-EFAE-096C-6E8D-816B492AD22D}"/>
+                <a16:creationId xmlns:a16="http://schemas.microsoft.com/office/drawing/2014/main" id="{F66B07DD-9DB6-68FA-3773-1731FD99EA78}"/>
               </a:ext>
             </a:extLst>
           </p:cNvPr>
@@ -5943,60 +6062,84 @@
           <a:lstStyle/>
           <a:p>
             <a:r>
-              <a:rPr lang="zh-TW" altLang="en-US" dirty="0"/>
-              <a:t>進階三大原則</a:t>
-            </a:r>
-            <a:r>
               <a:rPr lang="en-US" altLang="zh-TW" dirty="0"/>
-              <a:t>:</a:t>
-            </a:r>
-          </a:p>
-          <a:p>
+              <a:t>2023</a:t>
+            </a:r>
+            <a:r>
+              <a:rPr lang="zh-TW" altLang="en-US" dirty="0"/>
+              <a:t>年「工作趨勢指數」</a:t>
+            </a:r>
             <a:r>
               <a:rPr lang="en-US" altLang="zh-TW" dirty="0"/>
-              <a:t>1.</a:t>
-            </a:r>
-            <a:r>
-              <a:rPr lang="zh-TW" altLang="en-US" dirty="0"/>
-              <a:t>與</a:t>
-            </a:r>
-            <a:r>
-              <a:rPr lang="en-US" altLang="zh-TW" dirty="0"/>
-              <a:t>ChatGPT</a:t>
-            </a:r>
-            <a:r>
-              <a:rPr lang="zh-TW" altLang="en-US" dirty="0"/>
-              <a:t>玩角色扮演</a:t>
-            </a:r>
-            <a:endParaRPr lang="en-US" altLang="zh-TW" dirty="0"/>
-          </a:p>
-          <a:p>
-            <a:r>
-              <a:rPr lang="en-US" altLang="zh-TW" dirty="0"/>
-              <a:t>2.</a:t>
-            </a:r>
-            <a:r>
-              <a:rPr lang="zh-TW" altLang="en-US" dirty="0"/>
-              <a:t>給它完整的背景資訊</a:t>
-            </a:r>
-            <a:endParaRPr lang="en-US" altLang="zh-TW" dirty="0"/>
-          </a:p>
-          <a:p>
-            <a:r>
-              <a:rPr lang="en-US" altLang="zh-TW" dirty="0"/>
-              <a:t>3.</a:t>
-            </a:r>
-            <a:r>
-              <a:rPr lang="zh-TW" altLang="en-US" dirty="0"/>
-              <a:t>說明輸出內容及格式</a:t>
-            </a:r>
-          </a:p>
-        </p:txBody>
-      </p:sp>
+              <a:t>(Work Trend Index)</a:t>
+            </a:r>
+            <a:r>
+              <a:rPr lang="zh-TW" altLang="en-US" dirty="0"/>
+              <a:t>調查</a:t>
+            </a:r>
+          </a:p>
+        </p:txBody>
+      </p:sp>
+      <p:graphicFrame>
+        <p:nvGraphicFramePr>
+          <p:cNvPr id="6" name="圖表 5">
+            <a:extLst>
+              <a:ext uri="{FF2B5EF4-FFF2-40B4-BE49-F238E27FC236}">
+                <a16:creationId xmlns:a16="http://schemas.microsoft.com/office/drawing/2014/main" id="{7243FEA1-243A-CF5C-784A-13876E64E97B}"/>
+              </a:ext>
+            </a:extLst>
+          </p:cNvPr>
+          <p:cNvGraphicFramePr/>
+          <p:nvPr>
+            <p:extLst>
+              <p:ext uri="{D42A27DB-BD31-4B8C-83A1-F6EECF244321}">
+                <p14:modId xmlns:p14="http://schemas.microsoft.com/office/powerpoint/2010/main" val="3082127388"/>
+              </p:ext>
+            </p:extLst>
+          </p:nvPr>
+        </p:nvGraphicFramePr>
+        <p:xfrm>
+          <a:off x="2032000" y="2471895"/>
+          <a:ext cx="4720492" cy="3666438"/>
+        </p:xfrm>
+        <a:graphic>
+          <a:graphicData uri="http://schemas.openxmlformats.org/drawingml/2006/chart">
+            <c:chart xmlns:c="http://schemas.openxmlformats.org/drawingml/2006/chart" xmlns:r="http://schemas.openxmlformats.org/officeDocument/2006/relationships" r:id="rId3"/>
+          </a:graphicData>
+        </a:graphic>
+      </p:graphicFrame>
+      <p:graphicFrame>
+        <p:nvGraphicFramePr>
+          <p:cNvPr id="7" name="圖表 6">
+            <a:extLst>
+              <a:ext uri="{FF2B5EF4-FFF2-40B4-BE49-F238E27FC236}">
+                <a16:creationId xmlns:a16="http://schemas.microsoft.com/office/drawing/2014/main" id="{B69F1A6A-34AF-F769-700C-C17A201986B5}"/>
+              </a:ext>
+            </a:extLst>
+          </p:cNvPr>
+          <p:cNvGraphicFramePr/>
+          <p:nvPr>
+            <p:extLst>
+              <p:ext uri="{D42A27DB-BD31-4B8C-83A1-F6EECF244321}">
+                <p14:modId xmlns:p14="http://schemas.microsoft.com/office/powerpoint/2010/main" val="2117441753"/>
+              </p:ext>
+            </p:extLst>
+          </p:nvPr>
+        </p:nvGraphicFramePr>
+        <p:xfrm>
+          <a:off x="6096000" y="2471895"/>
+          <a:ext cx="4720492" cy="3666438"/>
+        </p:xfrm>
+        <a:graphic>
+          <a:graphicData uri="http://schemas.openxmlformats.org/drawingml/2006/chart">
+            <c:chart xmlns:c="http://schemas.openxmlformats.org/drawingml/2006/chart" xmlns:r="http://schemas.openxmlformats.org/officeDocument/2006/relationships" r:id="rId4"/>
+          </a:graphicData>
+        </a:graphic>
+      </p:graphicFrame>
     </p:spTree>
     <p:extLst>
       <p:ext uri="{BB962C8B-B14F-4D97-AF65-F5344CB8AC3E}">
-        <p14:creationId xmlns:p14="http://schemas.microsoft.com/office/powerpoint/2010/main" val="3776279406"/>
+        <p14:creationId xmlns:p14="http://schemas.microsoft.com/office/powerpoint/2010/main" val="3314153208"/>
       </p:ext>
     </p:extLst>
   </p:cSld>
@@ -6028,7 +6171,7 @@
           <p:cNvPr id="2" name="標題 1">
             <a:extLst>
               <a:ext uri="{FF2B5EF4-FFF2-40B4-BE49-F238E27FC236}">
-                <a16:creationId xmlns:a16="http://schemas.microsoft.com/office/drawing/2014/main" id="{40EDB416-F685-C12A-3B1E-DCBF54A0703C}"/>
+                <a16:creationId xmlns:a16="http://schemas.microsoft.com/office/drawing/2014/main" id="{D4F0BB34-5407-7E6A-025D-086295305DA3}"/>
               </a:ext>
             </a:extLst>
           </p:cNvPr>
@@ -6045,13 +6188,14 @@
           <a:lstStyle/>
           <a:p>
             <a:r>
+              <a:rPr lang="zh-TW" altLang="en-US" dirty="0"/>
+              <a:t>如何與人工智慧共存</a:t>
+            </a:r>
+            <a:r>
               <a:rPr lang="en-US" altLang="zh-TW" dirty="0"/>
-              <a:t>ChatGPT</a:t>
-            </a:r>
-            <a:r>
-              <a:rPr lang="zh-TW" altLang="en-US" dirty="0"/>
-              <a:t>的限制</a:t>
-            </a:r>
+              <a:t>?</a:t>
+            </a:r>
+            <a:endParaRPr lang="zh-TW" altLang="en-US" dirty="0"/>
           </a:p>
         </p:txBody>
       </p:sp>
@@ -6060,7 +6204,7 @@
           <p:cNvPr id="3" name="內容版面配置區 2">
             <a:extLst>
               <a:ext uri="{FF2B5EF4-FFF2-40B4-BE49-F238E27FC236}">
-                <a16:creationId xmlns:a16="http://schemas.microsoft.com/office/drawing/2014/main" id="{1E6E4891-C200-58A0-38C6-BEF96970E097}"/>
+                <a16:creationId xmlns:a16="http://schemas.microsoft.com/office/drawing/2014/main" id="{8003042B-6ECA-BE56-881E-9F3C2DFDEC68}"/>
               </a:ext>
             </a:extLst>
           </p:cNvPr>
@@ -6078,55 +6222,75 @@
           <a:p>
             <a:r>
               <a:rPr lang="zh-TW" altLang="en-US" dirty="0"/>
-              <a:t>不懂也會裝懂！多方查核確保資料正確</a:t>
+              <a:t>不要與</a:t>
+            </a:r>
+            <a:r>
+              <a:rPr lang="en-US" altLang="zh-TW" dirty="0"/>
+              <a:t>AI</a:t>
+            </a:r>
+            <a:r>
+              <a:rPr lang="zh-TW" altLang="en-US" dirty="0"/>
+              <a:t>產生競爭心理</a:t>
             </a:r>
             <a:endParaRPr lang="en-US" altLang="zh-TW" dirty="0"/>
           </a:p>
           <a:p>
             <a:r>
               <a:rPr lang="zh-TW" altLang="en-US" dirty="0"/>
-              <a:t>訓練資料只到</a:t>
+              <a:t>與</a:t>
             </a:r>
             <a:r>
               <a:rPr lang="en-US" altLang="zh-TW" dirty="0"/>
-              <a:t>2021</a:t>
-            </a:r>
-            <a:r>
-              <a:rPr lang="zh-TW" altLang="en-US" dirty="0"/>
-              <a:t>年，別問太新鮮的事</a:t>
+              <a:t>AI</a:t>
+            </a:r>
+            <a:r>
+              <a:rPr lang="zh-TW" altLang="en-US" dirty="0"/>
+              <a:t>結盟，轉換成「協作者心態」</a:t>
             </a:r>
             <a:endParaRPr lang="en-US" altLang="zh-TW" dirty="0"/>
           </a:p>
           <a:p>
             <a:r>
               <a:rPr lang="zh-TW" altLang="en-US" dirty="0"/>
-              <a:t>回答可能中斷，須靠提示讓它把話講完</a:t>
+              <a:t>適當地與</a:t>
+            </a:r>
+            <a:r>
+              <a:rPr lang="en-US" altLang="zh-TW" dirty="0"/>
+              <a:t>AI</a:t>
+            </a:r>
+            <a:r>
+              <a:rPr lang="zh-TW" altLang="en-US" dirty="0"/>
+              <a:t>分配任務</a:t>
             </a:r>
             <a:endParaRPr lang="en-US" altLang="zh-TW" dirty="0"/>
           </a:p>
           <a:p>
             <a:r>
               <a:rPr lang="zh-TW" altLang="en-US" dirty="0"/>
-              <a:t>對符號理解有限，無法處理複雜數學問題</a:t>
+              <a:t>「不能它給什麼，你就相信什麼」</a:t>
             </a:r>
             <a:endParaRPr lang="en-US" altLang="zh-TW" dirty="0"/>
           </a:p>
           <a:p>
             <a:r>
               <a:rPr lang="zh-TW" altLang="en-US" dirty="0"/>
-              <a:t>使用它請重視資料安全，避免透漏機密資訊及隱私</a:t>
-            </a:r>
-            <a:endParaRPr lang="en-US" altLang="zh-TW" dirty="0"/>
-          </a:p>
-          <a:p>
-            <a:endParaRPr lang="zh-TW" altLang="en-US" dirty="0"/>
+              <a:t>找出</a:t>
+            </a:r>
+            <a:r>
+              <a:rPr lang="en-US" altLang="zh-TW" dirty="0"/>
+              <a:t>AI</a:t>
+            </a:r>
+            <a:r>
+              <a:rPr lang="zh-TW" altLang="en-US" dirty="0"/>
+              <a:t>的極限</a:t>
+            </a:r>
           </a:p>
         </p:txBody>
       </p:sp>
     </p:spTree>
     <p:extLst>
       <p:ext uri="{BB962C8B-B14F-4D97-AF65-F5344CB8AC3E}">
-        <p14:creationId xmlns:p14="http://schemas.microsoft.com/office/powerpoint/2010/main" val="2436312958"/>
+        <p14:creationId xmlns:p14="http://schemas.microsoft.com/office/powerpoint/2010/main" val="300465418"/>
       </p:ext>
     </p:extLst>
   </p:cSld>
@@ -6158,6 +6322,398 @@
           <p:cNvPr id="2" name="標題 1">
             <a:extLst>
               <a:ext uri="{FF2B5EF4-FFF2-40B4-BE49-F238E27FC236}">
+                <a16:creationId xmlns:a16="http://schemas.microsoft.com/office/drawing/2014/main" id="{ECE40E33-A3B9-CD93-0612-E5BC6AF4A37E}"/>
+              </a:ext>
+            </a:extLst>
+          </p:cNvPr>
+          <p:cNvSpPr>
+            <a:spLocks noGrp="1"/>
+          </p:cNvSpPr>
+          <p:nvPr>
+            <p:ph type="title"/>
+          </p:nvPr>
+        </p:nvSpPr>
+        <p:spPr/>
+        <p:txBody>
+          <a:bodyPr/>
+          <a:lstStyle/>
+          <a:p>
+            <a:r>
+              <a:rPr lang="zh-TW" altLang="en-US" dirty="0"/>
+              <a:t>聰明使用</a:t>
+            </a:r>
+            <a:r>
+              <a:rPr lang="en-US" altLang="zh-TW" dirty="0"/>
+              <a:t>ChatGPT</a:t>
+            </a:r>
+            <a:endParaRPr lang="zh-TW" altLang="en-US" dirty="0"/>
+          </a:p>
+        </p:txBody>
+      </p:sp>
+      <p:sp>
+        <p:nvSpPr>
+          <p:cNvPr id="3" name="內容版面配置區 2">
+            <a:extLst>
+              <a:ext uri="{FF2B5EF4-FFF2-40B4-BE49-F238E27FC236}">
+                <a16:creationId xmlns:a16="http://schemas.microsoft.com/office/drawing/2014/main" id="{8C8A1313-EFAE-096C-6E8D-816B492AD22D}"/>
+              </a:ext>
+            </a:extLst>
+          </p:cNvPr>
+          <p:cNvSpPr>
+            <a:spLocks noGrp="1"/>
+          </p:cNvSpPr>
+          <p:nvPr>
+            <p:ph idx="1"/>
+          </p:nvPr>
+        </p:nvSpPr>
+        <p:spPr/>
+        <p:txBody>
+          <a:bodyPr/>
+          <a:lstStyle/>
+          <a:p>
+            <a:r>
+              <a:rPr lang="zh-TW" altLang="en-US" dirty="0"/>
+              <a:t>基本三點</a:t>
+            </a:r>
+            <a:r>
+              <a:rPr lang="en-US" altLang="zh-TW" dirty="0"/>
+              <a:t>:</a:t>
+            </a:r>
+          </a:p>
+          <a:p>
+            <a:r>
+              <a:rPr lang="en-US" altLang="zh-TW" dirty="0"/>
+              <a:t>1.</a:t>
+            </a:r>
+            <a:r>
+              <a:rPr lang="zh-TW" altLang="en-US" dirty="0"/>
+              <a:t>清晰</a:t>
+            </a:r>
+            <a:endParaRPr lang="en-US" altLang="zh-TW" dirty="0"/>
+          </a:p>
+          <a:p>
+            <a:r>
+              <a:rPr lang="en-US" altLang="zh-TW" dirty="0"/>
+              <a:t>2.</a:t>
+            </a:r>
+            <a:r>
+              <a:rPr lang="zh-TW" altLang="en-US" dirty="0"/>
+              <a:t>重點</a:t>
+            </a:r>
+            <a:endParaRPr lang="en-US" altLang="zh-TW" dirty="0"/>
+          </a:p>
+          <a:p>
+            <a:r>
+              <a:rPr lang="en-US" altLang="zh-TW" dirty="0"/>
+              <a:t>3.</a:t>
+            </a:r>
+            <a:r>
+              <a:rPr lang="zh-TW" altLang="en-US" dirty="0"/>
+              <a:t>相關性</a:t>
+            </a:r>
+          </a:p>
+        </p:txBody>
+      </p:sp>
+    </p:spTree>
+    <p:extLst>
+      <p:ext uri="{BB962C8B-B14F-4D97-AF65-F5344CB8AC3E}">
+        <p14:creationId xmlns:p14="http://schemas.microsoft.com/office/powerpoint/2010/main" val="2969800352"/>
+      </p:ext>
+    </p:extLst>
+  </p:cSld>
+  <p:clrMapOvr>
+    <a:masterClrMapping/>
+  </p:clrMapOvr>
+</p:sld>
+</file>
+
+<file path=ppt/slides/slide14.xml><?xml version="1.0" encoding="utf-8"?>
+<p:sld xmlns:a="http://schemas.openxmlformats.org/drawingml/2006/main" xmlns:r="http://schemas.openxmlformats.org/officeDocument/2006/relationships" xmlns:p="http://schemas.openxmlformats.org/presentationml/2006/main">
+  <p:cSld>
+    <p:spTree>
+      <p:nvGrpSpPr>
+        <p:cNvPr id="1" name=""/>
+        <p:cNvGrpSpPr/>
+        <p:nvPr/>
+      </p:nvGrpSpPr>
+      <p:grpSpPr>
+        <a:xfrm>
+          <a:off x="0" y="0"/>
+          <a:ext cx="0" cy="0"/>
+          <a:chOff x="0" y="0"/>
+          <a:chExt cx="0" cy="0"/>
+        </a:xfrm>
+      </p:grpSpPr>
+      <p:sp>
+        <p:nvSpPr>
+          <p:cNvPr id="2" name="標題 1">
+            <a:extLst>
+              <a:ext uri="{FF2B5EF4-FFF2-40B4-BE49-F238E27FC236}">
+                <a16:creationId xmlns:a16="http://schemas.microsoft.com/office/drawing/2014/main" id="{ECE40E33-A3B9-CD93-0612-E5BC6AF4A37E}"/>
+              </a:ext>
+            </a:extLst>
+          </p:cNvPr>
+          <p:cNvSpPr>
+            <a:spLocks noGrp="1"/>
+          </p:cNvSpPr>
+          <p:nvPr>
+            <p:ph type="title"/>
+          </p:nvPr>
+        </p:nvSpPr>
+        <p:spPr/>
+        <p:txBody>
+          <a:bodyPr/>
+          <a:lstStyle/>
+          <a:p>
+            <a:r>
+              <a:rPr lang="zh-TW" altLang="en-US" dirty="0"/>
+              <a:t>聰明使用</a:t>
+            </a:r>
+            <a:r>
+              <a:rPr lang="en-US" altLang="zh-TW" dirty="0"/>
+              <a:t>ChatGPT</a:t>
+            </a:r>
+            <a:endParaRPr lang="zh-TW" altLang="en-US" dirty="0"/>
+          </a:p>
+        </p:txBody>
+      </p:sp>
+      <p:sp>
+        <p:nvSpPr>
+          <p:cNvPr id="3" name="內容版面配置區 2">
+            <a:extLst>
+              <a:ext uri="{FF2B5EF4-FFF2-40B4-BE49-F238E27FC236}">
+                <a16:creationId xmlns:a16="http://schemas.microsoft.com/office/drawing/2014/main" id="{8C8A1313-EFAE-096C-6E8D-816B492AD22D}"/>
+              </a:ext>
+            </a:extLst>
+          </p:cNvPr>
+          <p:cNvSpPr>
+            <a:spLocks noGrp="1"/>
+          </p:cNvSpPr>
+          <p:nvPr>
+            <p:ph idx="1"/>
+          </p:nvPr>
+        </p:nvSpPr>
+        <p:spPr/>
+        <p:txBody>
+          <a:bodyPr/>
+          <a:lstStyle/>
+          <a:p>
+            <a:r>
+              <a:rPr lang="zh-TW" altLang="en-US" dirty="0"/>
+              <a:t>進階三大原則</a:t>
+            </a:r>
+            <a:r>
+              <a:rPr lang="en-US" altLang="zh-TW" dirty="0"/>
+              <a:t>:</a:t>
+            </a:r>
+          </a:p>
+          <a:p>
+            <a:r>
+              <a:rPr lang="en-US" altLang="zh-TW" dirty="0"/>
+              <a:t>1.</a:t>
+            </a:r>
+            <a:r>
+              <a:rPr lang="zh-TW" altLang="en-US" dirty="0"/>
+              <a:t>與</a:t>
+            </a:r>
+            <a:r>
+              <a:rPr lang="en-US" altLang="zh-TW" dirty="0"/>
+              <a:t>ChatGPT</a:t>
+            </a:r>
+            <a:r>
+              <a:rPr lang="zh-TW" altLang="en-US" dirty="0"/>
+              <a:t>玩角色扮演</a:t>
+            </a:r>
+            <a:endParaRPr lang="en-US" altLang="zh-TW" dirty="0"/>
+          </a:p>
+          <a:p>
+            <a:r>
+              <a:rPr lang="en-US" altLang="zh-TW" dirty="0"/>
+              <a:t>2.</a:t>
+            </a:r>
+            <a:r>
+              <a:rPr lang="zh-TW" altLang="en-US" dirty="0"/>
+              <a:t>給它完整的背景資訊</a:t>
+            </a:r>
+            <a:endParaRPr lang="en-US" altLang="zh-TW" dirty="0"/>
+          </a:p>
+          <a:p>
+            <a:r>
+              <a:rPr lang="en-US" altLang="zh-TW" dirty="0"/>
+              <a:t>3.</a:t>
+            </a:r>
+            <a:r>
+              <a:rPr lang="zh-TW" altLang="en-US" dirty="0"/>
+              <a:t>說明輸出內容及格式</a:t>
+            </a:r>
+          </a:p>
+        </p:txBody>
+      </p:sp>
+    </p:spTree>
+    <p:extLst>
+      <p:ext uri="{BB962C8B-B14F-4D97-AF65-F5344CB8AC3E}">
+        <p14:creationId xmlns:p14="http://schemas.microsoft.com/office/powerpoint/2010/main" val="3776279406"/>
+      </p:ext>
+    </p:extLst>
+  </p:cSld>
+  <p:clrMapOvr>
+    <a:masterClrMapping/>
+  </p:clrMapOvr>
+</p:sld>
+</file>
+
+<file path=ppt/slides/slide15.xml><?xml version="1.0" encoding="utf-8"?>
+<p:sld xmlns:a="http://schemas.openxmlformats.org/drawingml/2006/main" xmlns:r="http://schemas.openxmlformats.org/officeDocument/2006/relationships" xmlns:p="http://schemas.openxmlformats.org/presentationml/2006/main">
+  <p:cSld>
+    <p:spTree>
+      <p:nvGrpSpPr>
+        <p:cNvPr id="1" name=""/>
+        <p:cNvGrpSpPr/>
+        <p:nvPr/>
+      </p:nvGrpSpPr>
+      <p:grpSpPr>
+        <a:xfrm>
+          <a:off x="0" y="0"/>
+          <a:ext cx="0" cy="0"/>
+          <a:chOff x="0" y="0"/>
+          <a:chExt cx="0" cy="0"/>
+        </a:xfrm>
+      </p:grpSpPr>
+      <p:sp>
+        <p:nvSpPr>
+          <p:cNvPr id="2" name="標題 1">
+            <a:extLst>
+              <a:ext uri="{FF2B5EF4-FFF2-40B4-BE49-F238E27FC236}">
+                <a16:creationId xmlns:a16="http://schemas.microsoft.com/office/drawing/2014/main" id="{40EDB416-F685-C12A-3B1E-DCBF54A0703C}"/>
+              </a:ext>
+            </a:extLst>
+          </p:cNvPr>
+          <p:cNvSpPr>
+            <a:spLocks noGrp="1"/>
+          </p:cNvSpPr>
+          <p:nvPr>
+            <p:ph type="title"/>
+          </p:nvPr>
+        </p:nvSpPr>
+        <p:spPr/>
+        <p:txBody>
+          <a:bodyPr/>
+          <a:lstStyle/>
+          <a:p>
+            <a:r>
+              <a:rPr lang="en-US" altLang="zh-TW" dirty="0"/>
+              <a:t>ChatGPT</a:t>
+            </a:r>
+            <a:r>
+              <a:rPr lang="zh-TW" altLang="en-US" dirty="0"/>
+              <a:t>的限制</a:t>
+            </a:r>
+          </a:p>
+        </p:txBody>
+      </p:sp>
+      <p:sp>
+        <p:nvSpPr>
+          <p:cNvPr id="3" name="內容版面配置區 2">
+            <a:extLst>
+              <a:ext uri="{FF2B5EF4-FFF2-40B4-BE49-F238E27FC236}">
+                <a16:creationId xmlns:a16="http://schemas.microsoft.com/office/drawing/2014/main" id="{1E6E4891-C200-58A0-38C6-BEF96970E097}"/>
+              </a:ext>
+            </a:extLst>
+          </p:cNvPr>
+          <p:cNvSpPr>
+            <a:spLocks noGrp="1"/>
+          </p:cNvSpPr>
+          <p:nvPr>
+            <p:ph idx="1"/>
+          </p:nvPr>
+        </p:nvSpPr>
+        <p:spPr/>
+        <p:txBody>
+          <a:bodyPr/>
+          <a:lstStyle/>
+          <a:p>
+            <a:r>
+              <a:rPr lang="zh-TW" altLang="en-US" dirty="0"/>
+              <a:t>不懂也會裝懂！多方查核確保資料正確</a:t>
+            </a:r>
+            <a:endParaRPr lang="en-US" altLang="zh-TW" dirty="0"/>
+          </a:p>
+          <a:p>
+            <a:r>
+              <a:rPr lang="zh-TW" altLang="en-US" dirty="0"/>
+              <a:t>訓練資料只到</a:t>
+            </a:r>
+            <a:r>
+              <a:rPr lang="en-US" altLang="zh-TW" dirty="0"/>
+              <a:t>2021</a:t>
+            </a:r>
+            <a:r>
+              <a:rPr lang="zh-TW" altLang="en-US" dirty="0"/>
+              <a:t>年，別問太新鮮的事</a:t>
+            </a:r>
+            <a:endParaRPr lang="en-US" altLang="zh-TW" dirty="0"/>
+          </a:p>
+          <a:p>
+            <a:r>
+              <a:rPr lang="zh-TW" altLang="en-US" dirty="0"/>
+              <a:t>回答可能中斷，須靠提示讓它把話講完</a:t>
+            </a:r>
+            <a:endParaRPr lang="en-US" altLang="zh-TW" dirty="0"/>
+          </a:p>
+          <a:p>
+            <a:r>
+              <a:rPr lang="zh-TW" altLang="en-US" dirty="0"/>
+              <a:t>對符號理解有限，無法處理複雜數學問題</a:t>
+            </a:r>
+            <a:endParaRPr lang="en-US" altLang="zh-TW" dirty="0"/>
+          </a:p>
+          <a:p>
+            <a:r>
+              <a:rPr lang="zh-TW" altLang="en-US" dirty="0"/>
+              <a:t>使用它請重視資料安全，避免透漏機密資訊及隱私</a:t>
+            </a:r>
+            <a:endParaRPr lang="en-US" altLang="zh-TW" dirty="0"/>
+          </a:p>
+          <a:p>
+            <a:endParaRPr lang="zh-TW" altLang="en-US" dirty="0"/>
+          </a:p>
+        </p:txBody>
+      </p:sp>
+    </p:spTree>
+    <p:extLst>
+      <p:ext uri="{BB962C8B-B14F-4D97-AF65-F5344CB8AC3E}">
+        <p14:creationId xmlns:p14="http://schemas.microsoft.com/office/powerpoint/2010/main" val="2436312958"/>
+      </p:ext>
+    </p:extLst>
+  </p:cSld>
+  <p:clrMapOvr>
+    <a:masterClrMapping/>
+  </p:clrMapOvr>
+</p:sld>
+</file>
+
+<file path=ppt/slides/slide16.xml><?xml version="1.0" encoding="utf-8"?>
+<p:sld xmlns:a="http://schemas.openxmlformats.org/drawingml/2006/main" xmlns:r="http://schemas.openxmlformats.org/officeDocument/2006/relationships" xmlns:p="http://schemas.openxmlformats.org/presentationml/2006/main">
+  <p:cSld>
+    <p:spTree>
+      <p:nvGrpSpPr>
+        <p:cNvPr id="1" name=""/>
+        <p:cNvGrpSpPr/>
+        <p:nvPr/>
+      </p:nvGrpSpPr>
+      <p:grpSpPr>
+        <a:xfrm>
+          <a:off x="0" y="0"/>
+          <a:ext cx="0" cy="0"/>
+          <a:chOff x="0" y="0"/>
+          <a:chExt cx="0" cy="0"/>
+        </a:xfrm>
+      </p:grpSpPr>
+      <p:sp>
+        <p:nvSpPr>
+          <p:cNvPr id="2" name="標題 1">
+            <a:extLst>
+              <a:ext uri="{FF2B5EF4-FFF2-40B4-BE49-F238E27FC236}">
                 <a16:creationId xmlns:a16="http://schemas.microsoft.com/office/drawing/2014/main" id="{CD9138BD-1419-734D-CAE8-651E9C59AADC}"/>
               </a:ext>
             </a:extLst>
@@ -6198,7 +6754,7 @@
             <p:ph idx="1"/>
             <p:extLst>
               <p:ext uri="{D42A27DB-BD31-4B8C-83A1-F6EECF244321}">
-                <p14:modId xmlns:p14="http://schemas.microsoft.com/office/powerpoint/2010/main" val="3455375172"/>
+                <p14:modId xmlns:p14="http://schemas.microsoft.com/office/powerpoint/2010/main" val="2918893264"/>
               </p:ext>
             </p:extLst>
           </p:nvPr>
@@ -7904,7 +8460,7 @@
 </p:sld>
 </file>
 
-<file path=ppt/slides/slide14.xml><?xml version="1.0" encoding="utf-8"?>
+<file path=ppt/slides/slide17.xml><?xml version="1.0" encoding="utf-8"?>
 <p:sld xmlns:a="http://schemas.openxmlformats.org/drawingml/2006/main" xmlns:r="http://schemas.openxmlformats.org/officeDocument/2006/relationships" xmlns:p="http://schemas.openxmlformats.org/presentationml/2006/main">
   <p:cSld>
     <p:spTree>
@@ -7970,7 +8526,7 @@
 </p:sld>
 </file>
 
-<file path=ppt/slides/slide15.xml><?xml version="1.0" encoding="utf-8"?>
+<file path=ppt/slides/slide18.xml><?xml version="1.0" encoding="utf-8"?>
 <p:sld xmlns:a="http://schemas.openxmlformats.org/drawingml/2006/main" xmlns:r="http://schemas.openxmlformats.org/officeDocument/2006/relationships" xmlns:p="http://schemas.openxmlformats.org/presentationml/2006/main">
   <p:cSld>
     <p:spTree>
@@ -8108,364 +8664,6 @@
 </p:sld>
 </file>
 
-<file path=ppt/slides/slide16.xml><?xml version="1.0" encoding="utf-8"?>
-<p:sld xmlns:a="http://schemas.openxmlformats.org/drawingml/2006/main" xmlns:r="http://schemas.openxmlformats.org/officeDocument/2006/relationships" xmlns:p="http://schemas.openxmlformats.org/presentationml/2006/main">
-  <p:cSld>
-    <p:spTree>
-      <p:nvGrpSpPr>
-        <p:cNvPr id="1" name=""/>
-        <p:cNvGrpSpPr/>
-        <p:nvPr/>
-      </p:nvGrpSpPr>
-      <p:grpSpPr>
-        <a:xfrm>
-          <a:off x="0" y="0"/>
-          <a:ext cx="0" cy="0"/>
-          <a:chOff x="0" y="0"/>
-          <a:chExt cx="0" cy="0"/>
-        </a:xfrm>
-      </p:grpSpPr>
-      <p:sp>
-        <p:nvSpPr>
-          <p:cNvPr id="2" name="標題 1">
-            <a:extLst>
-              <a:ext uri="{FF2B5EF4-FFF2-40B4-BE49-F238E27FC236}">
-                <a16:creationId xmlns:a16="http://schemas.microsoft.com/office/drawing/2014/main" id="{E8F70146-6E5A-4EB9-EA28-4558BF2A80E1}"/>
-              </a:ext>
-            </a:extLst>
-          </p:cNvPr>
-          <p:cNvSpPr>
-            <a:spLocks noGrp="1"/>
-          </p:cNvSpPr>
-          <p:nvPr>
-            <p:ph type="title"/>
-          </p:nvPr>
-        </p:nvSpPr>
-        <p:spPr/>
-        <p:txBody>
-          <a:bodyPr/>
-          <a:lstStyle/>
-          <a:p>
-            <a:r>
-              <a:rPr lang="en-US" altLang="zh-TW" dirty="0"/>
-              <a:t>GPT</a:t>
-            </a:r>
-            <a:r>
-              <a:rPr lang="zh-TW" altLang="en-US" dirty="0"/>
-              <a:t>旅行翻譯神器</a:t>
-            </a:r>
-          </a:p>
-        </p:txBody>
-      </p:sp>
-      <p:pic>
-        <p:nvPicPr>
-          <p:cNvPr id="5" name="圖片 4">
-            <a:extLst>
-              <a:ext uri="{FF2B5EF4-FFF2-40B4-BE49-F238E27FC236}">
-                <a16:creationId xmlns:a16="http://schemas.microsoft.com/office/drawing/2014/main" id="{5CFE0D65-77D8-C4B6-F932-95CC7316E85E}"/>
-              </a:ext>
-            </a:extLst>
-          </p:cNvPr>
-          <p:cNvPicPr>
-            <a:picLocks noChangeAspect="1"/>
-          </p:cNvPicPr>
-          <p:nvPr/>
-        </p:nvPicPr>
-        <p:blipFill>
-          <a:blip r:embed="rId2">
-            <a:extLst>
-              <a:ext uri="{28A0092B-C50C-407E-A947-70E740481C1C}">
-                <a14:useLocalDpi xmlns:a14="http://schemas.microsoft.com/office/drawing/2010/main" val="0"/>
-              </a:ext>
-            </a:extLst>
-          </a:blip>
-          <a:stretch>
-            <a:fillRect/>
-          </a:stretch>
-        </p:blipFill>
-        <p:spPr>
-          <a:xfrm>
-            <a:off x="6219929" y="547365"/>
-            <a:ext cx="4903949" cy="5763270"/>
-          </a:xfrm>
-          <a:prstGeom prst="rect">
-            <a:avLst/>
-          </a:prstGeom>
-        </p:spPr>
-      </p:pic>
-      <p:sp>
-        <p:nvSpPr>
-          <p:cNvPr id="6" name="文字方塊 5">
-            <a:extLst>
-              <a:ext uri="{FF2B5EF4-FFF2-40B4-BE49-F238E27FC236}">
-                <a16:creationId xmlns:a16="http://schemas.microsoft.com/office/drawing/2014/main" id="{CF9EE72B-6242-B6C7-296D-52C183F337AE}"/>
-              </a:ext>
-            </a:extLst>
-          </p:cNvPr>
-          <p:cNvSpPr txBox="1"/>
-          <p:nvPr/>
-        </p:nvSpPr>
-        <p:spPr>
-          <a:xfrm>
-            <a:off x="1068121" y="2160395"/>
-            <a:ext cx="4167069" cy="1200329"/>
-          </a:xfrm>
-          <a:prstGeom prst="rect">
-            <a:avLst/>
-          </a:prstGeom>
-          <a:noFill/>
-        </p:spPr>
-        <p:txBody>
-          <a:bodyPr wrap="square" rtlCol="0">
-            <a:spAutoFit/>
-          </a:bodyPr>
-          <a:lstStyle/>
-          <a:p>
-            <a:r>
-              <a:rPr lang="en-US" altLang="zh-TW" dirty="0"/>
-              <a:t>1.</a:t>
-            </a:r>
-            <a:r>
-              <a:rPr lang="zh-TW" altLang="en-US" dirty="0"/>
-              <a:t>可直接上網搜尋就可以用，不必下載</a:t>
-            </a:r>
-            <a:endParaRPr lang="en-US" altLang="zh-TW" dirty="0"/>
-          </a:p>
-          <a:p>
-            <a:endParaRPr lang="en-US" altLang="zh-TW" dirty="0"/>
-          </a:p>
-          <a:p>
-            <a:r>
-              <a:rPr lang="en-US" altLang="zh-TW" dirty="0"/>
-              <a:t>2.</a:t>
-            </a:r>
-            <a:r>
-              <a:rPr lang="zh-TW" altLang="en-US" dirty="0"/>
-              <a:t>使用手機可以直接說話，翻譯後拿給對方看不必將手機翻轉</a:t>
-            </a:r>
-          </a:p>
-        </p:txBody>
-      </p:sp>
-    </p:spTree>
-    <p:extLst>
-      <p:ext uri="{BB962C8B-B14F-4D97-AF65-F5344CB8AC3E}">
-        <p14:creationId xmlns:p14="http://schemas.microsoft.com/office/powerpoint/2010/main" val="1621330586"/>
-      </p:ext>
-    </p:extLst>
-  </p:cSld>
-  <p:clrMapOvr>
-    <a:masterClrMapping/>
-  </p:clrMapOvr>
-</p:sld>
-</file>
-
-<file path=ppt/slides/slide17.xml><?xml version="1.0" encoding="utf-8"?>
-<p:sld xmlns:a="http://schemas.openxmlformats.org/drawingml/2006/main" xmlns:r="http://schemas.openxmlformats.org/officeDocument/2006/relationships" xmlns:p="http://schemas.openxmlformats.org/presentationml/2006/main">
-  <p:cSld>
-    <p:spTree>
-      <p:nvGrpSpPr>
-        <p:cNvPr id="1" name=""/>
-        <p:cNvGrpSpPr/>
-        <p:nvPr/>
-      </p:nvGrpSpPr>
-      <p:grpSpPr>
-        <a:xfrm>
-          <a:off x="0" y="0"/>
-          <a:ext cx="0" cy="0"/>
-          <a:chOff x="0" y="0"/>
-          <a:chExt cx="0" cy="0"/>
-        </a:xfrm>
-      </p:grpSpPr>
-      <p:sp>
-        <p:nvSpPr>
-          <p:cNvPr id="2" name="標題 1">
-            <a:extLst>
-              <a:ext uri="{FF2B5EF4-FFF2-40B4-BE49-F238E27FC236}">
-                <a16:creationId xmlns:a16="http://schemas.microsoft.com/office/drawing/2014/main" id="{6CE1D83F-BFD9-1B74-DA30-8331684B2F27}"/>
-              </a:ext>
-            </a:extLst>
-          </p:cNvPr>
-          <p:cNvSpPr>
-            <a:spLocks noGrp="1"/>
-          </p:cNvSpPr>
-          <p:nvPr>
-            <p:ph type="title"/>
-          </p:nvPr>
-        </p:nvSpPr>
-        <p:spPr/>
-        <p:txBody>
-          <a:bodyPr/>
-          <a:lstStyle/>
-          <a:p>
-            <a:r>
-              <a:rPr lang="en-US" altLang="zh-TW" dirty="0" err="1"/>
-              <a:t>VoxScript</a:t>
-            </a:r>
-            <a:r>
-              <a:rPr lang="zh-TW" altLang="en-US" dirty="0"/>
-              <a:t>！一鍵擷取</a:t>
-            </a:r>
-            <a:r>
-              <a:rPr lang="en-US" altLang="zh-TW" dirty="0"/>
-              <a:t>YouTube</a:t>
-            </a:r>
-            <a:r>
-              <a:rPr lang="zh-TW" altLang="en-US" dirty="0"/>
-              <a:t>影片重點</a:t>
-            </a:r>
-          </a:p>
-        </p:txBody>
-      </p:sp>
-      <p:pic>
-        <p:nvPicPr>
-          <p:cNvPr id="5" name="內容版面配置區 4">
-            <a:extLst>
-              <a:ext uri="{FF2B5EF4-FFF2-40B4-BE49-F238E27FC236}">
-                <a16:creationId xmlns:a16="http://schemas.microsoft.com/office/drawing/2014/main" id="{D6CCAC7C-3954-155A-802B-D9A958467FE2}"/>
-              </a:ext>
-            </a:extLst>
-          </p:cNvPr>
-          <p:cNvPicPr>
-            <a:picLocks noGrp="1" noChangeAspect="1"/>
-          </p:cNvPicPr>
-          <p:nvPr>
-            <p:ph idx="1"/>
-          </p:nvPr>
-        </p:nvPicPr>
-        <p:blipFill>
-          <a:blip r:embed="rId2">
-            <a:extLst>
-              <a:ext uri="{28A0092B-C50C-407E-A947-70E740481C1C}">
-                <a14:useLocalDpi xmlns:a14="http://schemas.microsoft.com/office/drawing/2010/main" val="0"/>
-              </a:ext>
-            </a:extLst>
-          </a:blip>
-          <a:stretch>
-            <a:fillRect/>
-          </a:stretch>
-        </p:blipFill>
-        <p:spPr>
-          <a:xfrm>
-            <a:off x="838200" y="1952625"/>
-            <a:ext cx="5572125" cy="1476375"/>
-          </a:xfrm>
-        </p:spPr>
-      </p:pic>
-      <p:pic>
-        <p:nvPicPr>
-          <p:cNvPr id="7" name="圖片 6">
-            <a:extLst>
-              <a:ext uri="{FF2B5EF4-FFF2-40B4-BE49-F238E27FC236}">
-                <a16:creationId xmlns:a16="http://schemas.microsoft.com/office/drawing/2014/main" id="{0C896C13-1680-0C6A-69D4-2AF58983E3D2}"/>
-              </a:ext>
-            </a:extLst>
-          </p:cNvPr>
-          <p:cNvPicPr>
-            <a:picLocks noChangeAspect="1"/>
-          </p:cNvPicPr>
-          <p:nvPr/>
-        </p:nvPicPr>
-        <p:blipFill>
-          <a:blip r:embed="rId3">
-            <a:extLst>
-              <a:ext uri="{28A0092B-C50C-407E-A947-70E740481C1C}">
-                <a14:useLocalDpi xmlns:a14="http://schemas.microsoft.com/office/drawing/2010/main" val="0"/>
-              </a:ext>
-            </a:extLst>
-          </a:blip>
-          <a:stretch>
-            <a:fillRect/>
-          </a:stretch>
-        </p:blipFill>
-        <p:spPr>
-          <a:xfrm>
-            <a:off x="6410325" y="2930349"/>
-            <a:ext cx="4574250" cy="3292929"/>
-          </a:xfrm>
-          <a:prstGeom prst="rect">
-            <a:avLst/>
-          </a:prstGeom>
-        </p:spPr>
-      </p:pic>
-    </p:spTree>
-    <p:extLst>
-      <p:ext uri="{BB962C8B-B14F-4D97-AF65-F5344CB8AC3E}">
-        <p14:creationId xmlns:p14="http://schemas.microsoft.com/office/powerpoint/2010/main" val="3154691576"/>
-      </p:ext>
-    </p:extLst>
-  </p:cSld>
-  <p:clrMapOvr>
-    <a:masterClrMapping/>
-  </p:clrMapOvr>
-</p:sld>
-</file>
-
-<file path=ppt/slides/slide18.xml><?xml version="1.0" encoding="utf-8"?>
-<p:sld xmlns:a="http://schemas.openxmlformats.org/drawingml/2006/main" xmlns:r="http://schemas.openxmlformats.org/officeDocument/2006/relationships" xmlns:p="http://schemas.openxmlformats.org/presentationml/2006/main">
-  <p:cSld>
-    <p:spTree>
-      <p:nvGrpSpPr>
-        <p:cNvPr id="1" name=""/>
-        <p:cNvGrpSpPr/>
-        <p:nvPr/>
-      </p:nvGrpSpPr>
-      <p:grpSpPr>
-        <a:xfrm>
-          <a:off x="0" y="0"/>
-          <a:ext cx="0" cy="0"/>
-          <a:chOff x="0" y="0"/>
-          <a:chExt cx="0" cy="0"/>
-        </a:xfrm>
-      </p:grpSpPr>
-      <p:sp>
-        <p:nvSpPr>
-          <p:cNvPr id="2" name="標題 1">
-            <a:extLst>
-              <a:ext uri="{FF2B5EF4-FFF2-40B4-BE49-F238E27FC236}">
-                <a16:creationId xmlns:a16="http://schemas.microsoft.com/office/drawing/2014/main" id="{1F56C77D-2B7D-4936-844C-23CAC4034F55}"/>
-              </a:ext>
-            </a:extLst>
-          </p:cNvPr>
-          <p:cNvSpPr>
-            <a:spLocks noGrp="1"/>
-          </p:cNvSpPr>
-          <p:nvPr>
-            <p:ph type="title"/>
-          </p:nvPr>
-        </p:nvSpPr>
-        <p:spPr>
-          <a:xfrm>
-            <a:off x="838200" y="2766218"/>
-            <a:ext cx="10515600" cy="1325563"/>
-          </a:xfrm>
-        </p:spPr>
-        <p:txBody>
-          <a:bodyPr>
-            <a:normAutofit/>
-          </a:bodyPr>
-          <a:lstStyle/>
-          <a:p>
-            <a:pPr algn="ctr"/>
-            <a:r>
-              <a:rPr lang="zh-TW" altLang="en-US" sz="7200" dirty="0"/>
-              <a:t>職場應用</a:t>
-            </a:r>
-          </a:p>
-        </p:txBody>
-      </p:sp>
-    </p:spTree>
-    <p:extLst>
-      <p:ext uri="{BB962C8B-B14F-4D97-AF65-F5344CB8AC3E}">
-        <p14:creationId xmlns:p14="http://schemas.microsoft.com/office/powerpoint/2010/main" val="3860965003"/>
-      </p:ext>
-    </p:extLst>
-  </p:cSld>
-  <p:clrMapOvr>
-    <a:masterClrMapping/>
-  </p:clrMapOvr>
-</p:sld>
-</file>
-
 <file path=ppt/slides/slide19.xml><?xml version="1.0" encoding="utf-8"?>
 <p:sld xmlns:a="http://schemas.openxmlformats.org/drawingml/2006/main" xmlns:r="http://schemas.openxmlformats.org/officeDocument/2006/relationships" xmlns:p="http://schemas.openxmlformats.org/presentationml/2006/main">
   <p:cSld>
@@ -8505,8 +8703,101 @@
           <a:lstStyle/>
           <a:p>
             <a:r>
-              <a:rPr lang="zh-TW" altLang="en-US" dirty="0"/>
-              <a:t>模擬面試現場</a:t>
+              <a:rPr lang="en-US" altLang="zh-TW" dirty="0"/>
+              <a:t>GPT</a:t>
+            </a:r>
+            <a:r>
+              <a:rPr lang="zh-TW" altLang="en-US" dirty="0"/>
+              <a:t>旅行翻譯神器</a:t>
+            </a:r>
+          </a:p>
+        </p:txBody>
+      </p:sp>
+      <p:pic>
+        <p:nvPicPr>
+          <p:cNvPr id="5" name="圖片 4">
+            <a:extLst>
+              <a:ext uri="{FF2B5EF4-FFF2-40B4-BE49-F238E27FC236}">
+                <a16:creationId xmlns:a16="http://schemas.microsoft.com/office/drawing/2014/main" id="{5CFE0D65-77D8-C4B6-F932-95CC7316E85E}"/>
+              </a:ext>
+            </a:extLst>
+          </p:cNvPr>
+          <p:cNvPicPr>
+            <a:picLocks noChangeAspect="1"/>
+          </p:cNvPicPr>
+          <p:nvPr/>
+        </p:nvPicPr>
+        <p:blipFill>
+          <a:blip r:embed="rId2">
+            <a:extLst>
+              <a:ext uri="{28A0092B-C50C-407E-A947-70E740481C1C}">
+                <a14:useLocalDpi xmlns:a14="http://schemas.microsoft.com/office/drawing/2010/main" val="0"/>
+              </a:ext>
+            </a:extLst>
+          </a:blip>
+          <a:stretch>
+            <a:fillRect/>
+          </a:stretch>
+        </p:blipFill>
+        <p:spPr>
+          <a:xfrm>
+            <a:off x="6219929" y="547365"/>
+            <a:ext cx="4903949" cy="5763270"/>
+          </a:xfrm>
+          <a:prstGeom prst="rect">
+            <a:avLst/>
+          </a:prstGeom>
+        </p:spPr>
+      </p:pic>
+      <p:sp>
+        <p:nvSpPr>
+          <p:cNvPr id="6" name="文字方塊 5">
+            <a:extLst>
+              <a:ext uri="{FF2B5EF4-FFF2-40B4-BE49-F238E27FC236}">
+                <a16:creationId xmlns:a16="http://schemas.microsoft.com/office/drawing/2014/main" id="{CF9EE72B-6242-B6C7-296D-52C183F337AE}"/>
+              </a:ext>
+            </a:extLst>
+          </p:cNvPr>
+          <p:cNvSpPr txBox="1"/>
+          <p:nvPr/>
+        </p:nvSpPr>
+        <p:spPr>
+          <a:xfrm>
+            <a:off x="1068121" y="2160395"/>
+            <a:ext cx="4167069" cy="1200329"/>
+          </a:xfrm>
+          <a:prstGeom prst="rect">
+            <a:avLst/>
+          </a:prstGeom>
+          <a:noFill/>
+        </p:spPr>
+        <p:txBody>
+          <a:bodyPr wrap="square" rtlCol="0">
+            <a:spAutoFit/>
+          </a:bodyPr>
+          <a:lstStyle/>
+          <a:p>
+            <a:r>
+              <a:rPr lang="en-US" altLang="zh-TW" dirty="0"/>
+              <a:t>1.</a:t>
+            </a:r>
+            <a:r>
+              <a:rPr lang="zh-TW" altLang="en-US" dirty="0"/>
+              <a:t>可直接上網搜尋就可以用，不必下載</a:t>
+            </a:r>
+            <a:endParaRPr lang="en-US" altLang="zh-TW" dirty="0"/>
+          </a:p>
+          <a:p>
+            <a:endParaRPr lang="en-US" altLang="zh-TW" dirty="0"/>
+          </a:p>
+          <a:p>
+            <a:r>
+              <a:rPr lang="en-US" altLang="zh-TW" dirty="0"/>
+              <a:t>2.</a:t>
+            </a:r>
+            <a:r>
+              <a:rPr lang="zh-TW" altLang="en-US" dirty="0"/>
+              <a:t>使用手機可以直接說話，翻譯後拿給對方看不必將手機翻轉</a:t>
             </a:r>
           </a:p>
         </p:txBody>
@@ -8514,7 +8805,7 @@
     </p:spTree>
     <p:extLst>
       <p:ext uri="{BB962C8B-B14F-4D97-AF65-F5344CB8AC3E}">
-        <p14:creationId xmlns:p14="http://schemas.microsoft.com/office/powerpoint/2010/main" val="4162544728"/>
+        <p14:creationId xmlns:p14="http://schemas.microsoft.com/office/powerpoint/2010/main" val="1621330586"/>
       </p:ext>
     </p:extLst>
   </p:cSld>
@@ -8679,7 +8970,7 @@
           <p:cNvPr id="2" name="標題 1">
             <a:extLst>
               <a:ext uri="{FF2B5EF4-FFF2-40B4-BE49-F238E27FC236}">
-                <a16:creationId xmlns:a16="http://schemas.microsoft.com/office/drawing/2014/main" id="{1F56C77D-2B7D-4936-844C-23CAC4034F55}"/>
+                <a16:creationId xmlns:a16="http://schemas.microsoft.com/office/drawing/2014/main" id="{E8F70146-6E5A-4EB9-EA28-4558BF2A80E1}"/>
               </a:ext>
             </a:extLst>
           </p:cNvPr>
@@ -8690,30 +8981,62 @@
             <p:ph type="title"/>
           </p:nvPr>
         </p:nvSpPr>
+        <p:spPr/>
+        <p:txBody>
+          <a:bodyPr/>
+          <a:lstStyle/>
+          <a:p>
+            <a:r>
+              <a:rPr lang="en-US" altLang="zh-TW" dirty="0"/>
+              <a:t>Tasty Recipes</a:t>
+            </a:r>
+            <a:r>
+              <a:rPr lang="zh-TW" altLang="en-US" dirty="0"/>
+              <a:t>食譜產生神器</a:t>
+            </a:r>
+          </a:p>
+        </p:txBody>
+      </p:sp>
+      <p:pic>
+        <p:nvPicPr>
+          <p:cNvPr id="4" name="圖片 3">
+            <a:extLst>
+              <a:ext uri="{FF2B5EF4-FFF2-40B4-BE49-F238E27FC236}">
+                <a16:creationId xmlns:a16="http://schemas.microsoft.com/office/drawing/2014/main" id="{64BD479A-DFEA-B845-EA46-4D7FA7A5E6ED}"/>
+              </a:ext>
+            </a:extLst>
+          </p:cNvPr>
+          <p:cNvPicPr>
+            <a:picLocks noChangeAspect="1"/>
+          </p:cNvPicPr>
+          <p:nvPr/>
+        </p:nvPicPr>
+        <p:blipFill>
+          <a:blip r:embed="rId2">
+            <a:extLst>
+              <a:ext uri="{28A0092B-C50C-407E-A947-70E740481C1C}">
+                <a14:useLocalDpi xmlns:a14="http://schemas.microsoft.com/office/drawing/2010/main" val="0"/>
+              </a:ext>
+            </a:extLst>
+          </a:blip>
+          <a:stretch>
+            <a:fillRect/>
+          </a:stretch>
+        </p:blipFill>
         <p:spPr>
           <a:xfrm>
-            <a:off x="838200" y="2766218"/>
-            <a:ext cx="10515600" cy="1325563"/>
+            <a:off x="916650" y="1690688"/>
+            <a:ext cx="5675069" cy="4574712"/>
           </a:xfrm>
+          <a:prstGeom prst="rect">
+            <a:avLst/>
+          </a:prstGeom>
         </p:spPr>
-        <p:txBody>
-          <a:bodyPr>
-            <a:normAutofit/>
-          </a:bodyPr>
-          <a:lstStyle/>
-          <a:p>
-            <a:pPr algn="ctr"/>
-            <a:r>
-              <a:rPr lang="zh-TW" altLang="en-US" sz="7200" dirty="0"/>
-              <a:t>論文應用</a:t>
-            </a:r>
-          </a:p>
-        </p:txBody>
-      </p:sp>
+      </p:pic>
     </p:spTree>
     <p:extLst>
       <p:ext uri="{BB962C8B-B14F-4D97-AF65-F5344CB8AC3E}">
-        <p14:creationId xmlns:p14="http://schemas.microsoft.com/office/powerpoint/2010/main" val="230514715"/>
+        <p14:creationId xmlns:p14="http://schemas.microsoft.com/office/powerpoint/2010/main" val="2309668937"/>
       </p:ext>
     </p:extLst>
   </p:cSld>
@@ -8745,6 +9068,2084 @@
           <p:cNvPr id="2" name="標題 1">
             <a:extLst>
               <a:ext uri="{FF2B5EF4-FFF2-40B4-BE49-F238E27FC236}">
+                <a16:creationId xmlns:a16="http://schemas.microsoft.com/office/drawing/2014/main" id="{6CE1D83F-BFD9-1B74-DA30-8331684B2F27}"/>
+              </a:ext>
+            </a:extLst>
+          </p:cNvPr>
+          <p:cNvSpPr>
+            <a:spLocks noGrp="1"/>
+          </p:cNvSpPr>
+          <p:nvPr>
+            <p:ph type="title"/>
+          </p:nvPr>
+        </p:nvSpPr>
+        <p:spPr/>
+        <p:txBody>
+          <a:bodyPr/>
+          <a:lstStyle/>
+          <a:p>
+            <a:r>
+              <a:rPr lang="en-US" altLang="zh-TW" dirty="0" err="1"/>
+              <a:t>VoxScript</a:t>
+            </a:r>
+            <a:r>
+              <a:rPr lang="zh-TW" altLang="en-US" dirty="0"/>
+              <a:t>！一鍵擷取</a:t>
+            </a:r>
+            <a:r>
+              <a:rPr lang="en-US" altLang="zh-TW" dirty="0"/>
+              <a:t>YouTube</a:t>
+            </a:r>
+            <a:r>
+              <a:rPr lang="zh-TW" altLang="en-US" dirty="0"/>
+              <a:t>影片重點</a:t>
+            </a:r>
+          </a:p>
+        </p:txBody>
+      </p:sp>
+      <p:pic>
+        <p:nvPicPr>
+          <p:cNvPr id="5" name="內容版面配置區 4">
+            <a:extLst>
+              <a:ext uri="{FF2B5EF4-FFF2-40B4-BE49-F238E27FC236}">
+                <a16:creationId xmlns:a16="http://schemas.microsoft.com/office/drawing/2014/main" id="{D6CCAC7C-3954-155A-802B-D9A958467FE2}"/>
+              </a:ext>
+            </a:extLst>
+          </p:cNvPr>
+          <p:cNvPicPr>
+            <a:picLocks noGrp="1" noChangeAspect="1"/>
+          </p:cNvPicPr>
+          <p:nvPr>
+            <p:ph idx="1"/>
+          </p:nvPr>
+        </p:nvPicPr>
+        <p:blipFill>
+          <a:blip r:embed="rId2">
+            <a:extLst>
+              <a:ext uri="{28A0092B-C50C-407E-A947-70E740481C1C}">
+                <a14:useLocalDpi xmlns:a14="http://schemas.microsoft.com/office/drawing/2010/main" val="0"/>
+              </a:ext>
+            </a:extLst>
+          </a:blip>
+          <a:stretch>
+            <a:fillRect/>
+          </a:stretch>
+        </p:blipFill>
+        <p:spPr>
+          <a:xfrm>
+            <a:off x="838200" y="1952625"/>
+            <a:ext cx="5572125" cy="1476375"/>
+          </a:xfrm>
+        </p:spPr>
+      </p:pic>
+      <p:pic>
+        <p:nvPicPr>
+          <p:cNvPr id="7" name="圖片 6">
+            <a:extLst>
+              <a:ext uri="{FF2B5EF4-FFF2-40B4-BE49-F238E27FC236}">
+                <a16:creationId xmlns:a16="http://schemas.microsoft.com/office/drawing/2014/main" id="{0C896C13-1680-0C6A-69D4-2AF58983E3D2}"/>
+              </a:ext>
+            </a:extLst>
+          </p:cNvPr>
+          <p:cNvPicPr>
+            <a:picLocks noChangeAspect="1"/>
+          </p:cNvPicPr>
+          <p:nvPr/>
+        </p:nvPicPr>
+        <p:blipFill>
+          <a:blip r:embed="rId3">
+            <a:extLst>
+              <a:ext uri="{28A0092B-C50C-407E-A947-70E740481C1C}">
+                <a14:useLocalDpi xmlns:a14="http://schemas.microsoft.com/office/drawing/2010/main" val="0"/>
+              </a:ext>
+            </a:extLst>
+          </a:blip>
+          <a:stretch>
+            <a:fillRect/>
+          </a:stretch>
+        </p:blipFill>
+        <p:spPr>
+          <a:xfrm>
+            <a:off x="6410325" y="2930349"/>
+            <a:ext cx="4574250" cy="3292929"/>
+          </a:xfrm>
+          <a:prstGeom prst="rect">
+            <a:avLst/>
+          </a:prstGeom>
+        </p:spPr>
+      </p:pic>
+    </p:spTree>
+    <p:extLst>
+      <p:ext uri="{BB962C8B-B14F-4D97-AF65-F5344CB8AC3E}">
+        <p14:creationId xmlns:p14="http://schemas.microsoft.com/office/powerpoint/2010/main" val="3154691576"/>
+      </p:ext>
+    </p:extLst>
+  </p:cSld>
+  <p:clrMapOvr>
+    <a:masterClrMapping/>
+  </p:clrMapOvr>
+</p:sld>
+</file>
+
+<file path=ppt/slides/slide22.xml><?xml version="1.0" encoding="utf-8"?>
+<p:sld xmlns:a="http://schemas.openxmlformats.org/drawingml/2006/main" xmlns:r="http://schemas.openxmlformats.org/officeDocument/2006/relationships" xmlns:p="http://schemas.openxmlformats.org/presentationml/2006/main">
+  <p:cSld>
+    <p:spTree>
+      <p:nvGrpSpPr>
+        <p:cNvPr id="1" name=""/>
+        <p:cNvGrpSpPr/>
+        <p:nvPr/>
+      </p:nvGrpSpPr>
+      <p:grpSpPr>
+        <a:xfrm>
+          <a:off x="0" y="0"/>
+          <a:ext cx="0" cy="0"/>
+          <a:chOff x="0" y="0"/>
+          <a:chExt cx="0" cy="0"/>
+        </a:xfrm>
+      </p:grpSpPr>
+      <p:sp>
+        <p:nvSpPr>
+          <p:cNvPr id="2" name="標題 1">
+            <a:extLst>
+              <a:ext uri="{FF2B5EF4-FFF2-40B4-BE49-F238E27FC236}">
+                <a16:creationId xmlns:a16="http://schemas.microsoft.com/office/drawing/2014/main" id="{1F56C77D-2B7D-4936-844C-23CAC4034F55}"/>
+              </a:ext>
+            </a:extLst>
+          </p:cNvPr>
+          <p:cNvSpPr>
+            <a:spLocks noGrp="1"/>
+          </p:cNvSpPr>
+          <p:nvPr>
+            <p:ph type="title"/>
+          </p:nvPr>
+        </p:nvSpPr>
+        <p:spPr>
+          <a:xfrm>
+            <a:off x="838200" y="2766218"/>
+            <a:ext cx="10515600" cy="1325563"/>
+          </a:xfrm>
+        </p:spPr>
+        <p:txBody>
+          <a:bodyPr>
+            <a:normAutofit/>
+          </a:bodyPr>
+          <a:lstStyle/>
+          <a:p>
+            <a:pPr algn="ctr"/>
+            <a:r>
+              <a:rPr lang="zh-TW" altLang="en-US" sz="7200" dirty="0"/>
+              <a:t>職場應用</a:t>
+            </a:r>
+          </a:p>
+        </p:txBody>
+      </p:sp>
+    </p:spTree>
+    <p:extLst>
+      <p:ext uri="{BB962C8B-B14F-4D97-AF65-F5344CB8AC3E}">
+        <p14:creationId xmlns:p14="http://schemas.microsoft.com/office/powerpoint/2010/main" val="3860965003"/>
+      </p:ext>
+    </p:extLst>
+  </p:cSld>
+  <p:clrMapOvr>
+    <a:masterClrMapping/>
+  </p:clrMapOvr>
+</p:sld>
+</file>
+
+<file path=ppt/slides/slide23.xml><?xml version="1.0" encoding="utf-8"?>
+<p:sld xmlns:a="http://schemas.openxmlformats.org/drawingml/2006/main" xmlns:r="http://schemas.openxmlformats.org/officeDocument/2006/relationships" xmlns:p="http://schemas.openxmlformats.org/presentationml/2006/main">
+  <p:cSld>
+    <p:spTree>
+      <p:nvGrpSpPr>
+        <p:cNvPr id="1" name=""/>
+        <p:cNvGrpSpPr/>
+        <p:nvPr/>
+      </p:nvGrpSpPr>
+      <p:grpSpPr>
+        <a:xfrm>
+          <a:off x="0" y="0"/>
+          <a:ext cx="0" cy="0"/>
+          <a:chOff x="0" y="0"/>
+          <a:chExt cx="0" cy="0"/>
+        </a:xfrm>
+      </p:grpSpPr>
+      <p:sp>
+        <p:nvSpPr>
+          <p:cNvPr id="2" name="標題 1">
+            <a:extLst>
+              <a:ext uri="{FF2B5EF4-FFF2-40B4-BE49-F238E27FC236}">
+                <a16:creationId xmlns:a16="http://schemas.microsoft.com/office/drawing/2014/main" id="{E8F70146-6E5A-4EB9-EA28-4558BF2A80E1}"/>
+              </a:ext>
+            </a:extLst>
+          </p:cNvPr>
+          <p:cNvSpPr>
+            <a:spLocks noGrp="1"/>
+          </p:cNvSpPr>
+          <p:nvPr>
+            <p:ph type="title"/>
+          </p:nvPr>
+        </p:nvSpPr>
+        <p:spPr/>
+        <p:txBody>
+          <a:bodyPr/>
+          <a:lstStyle/>
+          <a:p>
+            <a:r>
+              <a:rPr lang="zh-TW" altLang="en-US" dirty="0"/>
+              <a:t>模擬面試現場</a:t>
+            </a:r>
+          </a:p>
+        </p:txBody>
+      </p:sp>
+      <p:pic>
+        <p:nvPicPr>
+          <p:cNvPr id="4" name="圖片 3">
+            <a:extLst>
+              <a:ext uri="{FF2B5EF4-FFF2-40B4-BE49-F238E27FC236}">
+                <a16:creationId xmlns:a16="http://schemas.microsoft.com/office/drawing/2014/main" id="{594D2918-55FF-23DD-B1AA-8793F05EAFE2}"/>
+              </a:ext>
+            </a:extLst>
+          </p:cNvPr>
+          <p:cNvPicPr>
+            <a:picLocks noChangeAspect="1"/>
+          </p:cNvPicPr>
+          <p:nvPr/>
+        </p:nvPicPr>
+        <p:blipFill>
+          <a:blip r:embed="rId2">
+            <a:extLst>
+              <a:ext uri="{28A0092B-C50C-407E-A947-70E740481C1C}">
+                <a14:useLocalDpi xmlns:a14="http://schemas.microsoft.com/office/drawing/2010/main" val="0"/>
+              </a:ext>
+            </a:extLst>
+          </a:blip>
+          <a:stretch>
+            <a:fillRect/>
+          </a:stretch>
+        </p:blipFill>
+        <p:spPr>
+          <a:xfrm>
+            <a:off x="944649" y="3010326"/>
+            <a:ext cx="5424343" cy="2174624"/>
+          </a:xfrm>
+          <a:prstGeom prst="rect">
+            <a:avLst/>
+          </a:prstGeom>
+        </p:spPr>
+      </p:pic>
+      <p:sp>
+        <p:nvSpPr>
+          <p:cNvPr id="5" name="文字方塊 4">
+            <a:extLst>
+              <a:ext uri="{FF2B5EF4-FFF2-40B4-BE49-F238E27FC236}">
+                <a16:creationId xmlns:a16="http://schemas.microsoft.com/office/drawing/2014/main" id="{9C231D86-9363-C1D8-9819-2E6288E63E7F}"/>
+              </a:ext>
+            </a:extLst>
+          </p:cNvPr>
+          <p:cNvSpPr txBox="1"/>
+          <p:nvPr/>
+        </p:nvSpPr>
+        <p:spPr>
+          <a:xfrm>
+            <a:off x="838200" y="2027341"/>
+            <a:ext cx="3382108" cy="646331"/>
+          </a:xfrm>
+          <a:prstGeom prst="rect">
+            <a:avLst/>
+          </a:prstGeom>
+          <a:noFill/>
+        </p:spPr>
+        <p:txBody>
+          <a:bodyPr wrap="square" rtlCol="0">
+            <a:spAutoFit/>
+          </a:bodyPr>
+          <a:lstStyle/>
+          <a:p>
+            <a:r>
+              <a:rPr lang="zh-TW" altLang="en-US" dirty="0"/>
+              <a:t>告訴</a:t>
+            </a:r>
+            <a:r>
+              <a:rPr lang="en-US" altLang="zh-TW" dirty="0"/>
+              <a:t>ChatGPT</a:t>
+            </a:r>
+            <a:r>
+              <a:rPr lang="zh-TW" altLang="en-US" dirty="0"/>
+              <a:t>我要去面試，並請他當面試官，追問下一個題目。</a:t>
+            </a:r>
+          </a:p>
+        </p:txBody>
+      </p:sp>
+      <p:pic>
+        <p:nvPicPr>
+          <p:cNvPr id="7" name="圖片 6">
+            <a:extLst>
+              <a:ext uri="{FF2B5EF4-FFF2-40B4-BE49-F238E27FC236}">
+                <a16:creationId xmlns:a16="http://schemas.microsoft.com/office/drawing/2014/main" id="{44722F8B-262C-743A-A325-625AB71F1AB4}"/>
+              </a:ext>
+            </a:extLst>
+          </p:cNvPr>
+          <p:cNvPicPr>
+            <a:picLocks noChangeAspect="1"/>
+          </p:cNvPicPr>
+          <p:nvPr/>
+        </p:nvPicPr>
+        <p:blipFill>
+          <a:blip r:embed="rId3">
+            <a:extLst>
+              <a:ext uri="{28A0092B-C50C-407E-A947-70E740481C1C}">
+                <a14:useLocalDpi xmlns:a14="http://schemas.microsoft.com/office/drawing/2010/main" val="0"/>
+              </a:ext>
+            </a:extLst>
+          </a:blip>
+          <a:stretch>
+            <a:fillRect/>
+          </a:stretch>
+        </p:blipFill>
+        <p:spPr>
+          <a:xfrm>
+            <a:off x="6615688" y="2952709"/>
+            <a:ext cx="4738112" cy="2232241"/>
+          </a:xfrm>
+          <a:prstGeom prst="rect">
+            <a:avLst/>
+          </a:prstGeom>
+        </p:spPr>
+      </p:pic>
+      <p:sp>
+        <p:nvSpPr>
+          <p:cNvPr id="8" name="文字方塊 7">
+            <a:extLst>
+              <a:ext uri="{FF2B5EF4-FFF2-40B4-BE49-F238E27FC236}">
+                <a16:creationId xmlns:a16="http://schemas.microsoft.com/office/drawing/2014/main" id="{0EF6D411-817A-EE1F-39A8-AF9C7F883195}"/>
+              </a:ext>
+            </a:extLst>
+          </p:cNvPr>
+          <p:cNvSpPr txBox="1"/>
+          <p:nvPr/>
+        </p:nvSpPr>
+        <p:spPr>
+          <a:xfrm>
+            <a:off x="6615688" y="2027341"/>
+            <a:ext cx="3382108" cy="646331"/>
+          </a:xfrm>
+          <a:prstGeom prst="rect">
+            <a:avLst/>
+          </a:prstGeom>
+          <a:noFill/>
+        </p:spPr>
+        <p:txBody>
+          <a:bodyPr wrap="square" rtlCol="0">
+            <a:spAutoFit/>
+          </a:bodyPr>
+          <a:lstStyle/>
+          <a:p>
+            <a:r>
+              <a:rPr lang="zh-TW" altLang="en-US" dirty="0"/>
+              <a:t>當你回答不出來，請教</a:t>
+            </a:r>
+            <a:r>
+              <a:rPr lang="en-US" altLang="zh-TW" dirty="0"/>
+              <a:t>ChatGPT</a:t>
+            </a:r>
+            <a:r>
+              <a:rPr lang="zh-TW" altLang="en-US" dirty="0"/>
+              <a:t>如何回答。</a:t>
+            </a:r>
+          </a:p>
+        </p:txBody>
+      </p:sp>
+    </p:spTree>
+    <p:extLst>
+      <p:ext uri="{BB962C8B-B14F-4D97-AF65-F5344CB8AC3E}">
+        <p14:creationId xmlns:p14="http://schemas.microsoft.com/office/powerpoint/2010/main" val="4162544728"/>
+      </p:ext>
+    </p:extLst>
+  </p:cSld>
+  <p:clrMapOvr>
+    <a:masterClrMapping/>
+  </p:clrMapOvr>
+</p:sld>
+</file>
+
+<file path=ppt/slides/slide24.xml><?xml version="1.0" encoding="utf-8"?>
+<p:sld xmlns:a="http://schemas.openxmlformats.org/drawingml/2006/main" xmlns:r="http://schemas.openxmlformats.org/officeDocument/2006/relationships" xmlns:p="http://schemas.openxmlformats.org/presentationml/2006/main">
+  <p:cSld>
+    <p:spTree>
+      <p:nvGrpSpPr>
+        <p:cNvPr id="1" name=""/>
+        <p:cNvGrpSpPr/>
+        <p:nvPr/>
+      </p:nvGrpSpPr>
+      <p:grpSpPr>
+        <a:xfrm>
+          <a:off x="0" y="0"/>
+          <a:ext cx="0" cy="0"/>
+          <a:chOff x="0" y="0"/>
+          <a:chExt cx="0" cy="0"/>
+        </a:xfrm>
+      </p:grpSpPr>
+      <p:sp>
+        <p:nvSpPr>
+          <p:cNvPr id="2" name="標題 1">
+            <a:extLst>
+              <a:ext uri="{FF2B5EF4-FFF2-40B4-BE49-F238E27FC236}">
+                <a16:creationId xmlns:a16="http://schemas.microsoft.com/office/drawing/2014/main" id="{E8F70146-6E5A-4EB9-EA28-4558BF2A80E1}"/>
+              </a:ext>
+            </a:extLst>
+          </p:cNvPr>
+          <p:cNvSpPr>
+            <a:spLocks noGrp="1"/>
+          </p:cNvSpPr>
+          <p:nvPr>
+            <p:ph type="title"/>
+          </p:nvPr>
+        </p:nvSpPr>
+        <p:spPr/>
+        <p:txBody>
+          <a:bodyPr/>
+          <a:lstStyle/>
+          <a:p>
+            <a:r>
+              <a:rPr lang="zh-TW" altLang="en-US" dirty="0"/>
+              <a:t>撰寫自我介紹信，展現求職慾望</a:t>
+            </a:r>
+          </a:p>
+        </p:txBody>
+      </p:sp>
+      <p:pic>
+        <p:nvPicPr>
+          <p:cNvPr id="6" name="圖片 5">
+            <a:extLst>
+              <a:ext uri="{FF2B5EF4-FFF2-40B4-BE49-F238E27FC236}">
+                <a16:creationId xmlns:a16="http://schemas.microsoft.com/office/drawing/2014/main" id="{04D34482-18FA-25BA-B373-F3A31B9E6E1E}"/>
+              </a:ext>
+            </a:extLst>
+          </p:cNvPr>
+          <p:cNvPicPr>
+            <a:picLocks noChangeAspect="1"/>
+          </p:cNvPicPr>
+          <p:nvPr/>
+        </p:nvPicPr>
+        <p:blipFill>
+          <a:blip r:embed="rId2">
+            <a:extLst>
+              <a:ext uri="{28A0092B-C50C-407E-A947-70E740481C1C}">
+                <a14:useLocalDpi xmlns:a14="http://schemas.microsoft.com/office/drawing/2010/main" val="0"/>
+              </a:ext>
+            </a:extLst>
+          </a:blip>
+          <a:stretch>
+            <a:fillRect/>
+          </a:stretch>
+        </p:blipFill>
+        <p:spPr>
+          <a:xfrm>
+            <a:off x="838200" y="1813860"/>
+            <a:ext cx="4651504" cy="626557"/>
+          </a:xfrm>
+          <a:prstGeom prst="rect">
+            <a:avLst/>
+          </a:prstGeom>
+        </p:spPr>
+      </p:pic>
+      <p:pic>
+        <p:nvPicPr>
+          <p:cNvPr id="10" name="圖片 9">
+            <a:extLst>
+              <a:ext uri="{FF2B5EF4-FFF2-40B4-BE49-F238E27FC236}">
+                <a16:creationId xmlns:a16="http://schemas.microsoft.com/office/drawing/2014/main" id="{F2ADFB98-846E-DE96-10F1-3F646FC8192A}"/>
+              </a:ext>
+            </a:extLst>
+          </p:cNvPr>
+          <p:cNvPicPr>
+            <a:picLocks noChangeAspect="1"/>
+          </p:cNvPicPr>
+          <p:nvPr/>
+        </p:nvPicPr>
+        <p:blipFill>
+          <a:blip r:embed="rId3">
+            <a:extLst>
+              <a:ext uri="{28A0092B-C50C-407E-A947-70E740481C1C}">
+                <a14:useLocalDpi xmlns:a14="http://schemas.microsoft.com/office/drawing/2010/main" val="0"/>
+              </a:ext>
+            </a:extLst>
+          </a:blip>
+          <a:stretch>
+            <a:fillRect/>
+          </a:stretch>
+        </p:blipFill>
+        <p:spPr>
+          <a:xfrm>
+            <a:off x="1038987" y="2440417"/>
+            <a:ext cx="4450717" cy="4078246"/>
+          </a:xfrm>
+          <a:prstGeom prst="rect">
+            <a:avLst/>
+          </a:prstGeom>
+        </p:spPr>
+      </p:pic>
+      <p:pic>
+        <p:nvPicPr>
+          <p:cNvPr id="12" name="圖片 11">
+            <a:extLst>
+              <a:ext uri="{FF2B5EF4-FFF2-40B4-BE49-F238E27FC236}">
+                <a16:creationId xmlns:a16="http://schemas.microsoft.com/office/drawing/2014/main" id="{215314BA-E7E8-F994-1B3B-C40DBBA1D0D9}"/>
+              </a:ext>
+            </a:extLst>
+          </p:cNvPr>
+          <p:cNvPicPr>
+            <a:picLocks noChangeAspect="1"/>
+          </p:cNvPicPr>
+          <p:nvPr/>
+        </p:nvPicPr>
+        <p:blipFill>
+          <a:blip r:embed="rId4">
+            <a:extLst>
+              <a:ext uri="{28A0092B-C50C-407E-A947-70E740481C1C}">
+                <a14:useLocalDpi xmlns:a14="http://schemas.microsoft.com/office/drawing/2010/main" val="0"/>
+              </a:ext>
+            </a:extLst>
+          </a:blip>
+          <a:stretch>
+            <a:fillRect/>
+          </a:stretch>
+        </p:blipFill>
+        <p:spPr>
+          <a:xfrm>
+            <a:off x="5814646" y="2145950"/>
+            <a:ext cx="4491405" cy="1026607"/>
+          </a:xfrm>
+          <a:prstGeom prst="rect">
+            <a:avLst/>
+          </a:prstGeom>
+        </p:spPr>
+      </p:pic>
+      <p:sp>
+        <p:nvSpPr>
+          <p:cNvPr id="13" name="文字方塊 12">
+            <a:extLst>
+              <a:ext uri="{FF2B5EF4-FFF2-40B4-BE49-F238E27FC236}">
+                <a16:creationId xmlns:a16="http://schemas.microsoft.com/office/drawing/2014/main" id="{DE42DDAA-D61B-C552-7663-4B2D06F06936}"/>
+              </a:ext>
+            </a:extLst>
+          </p:cNvPr>
+          <p:cNvSpPr txBox="1"/>
+          <p:nvPr/>
+        </p:nvSpPr>
+        <p:spPr>
+          <a:xfrm>
+            <a:off x="5948671" y="3685444"/>
+            <a:ext cx="5607689" cy="369332"/>
+          </a:xfrm>
+          <a:prstGeom prst="rect">
+            <a:avLst/>
+          </a:prstGeom>
+          <a:noFill/>
+        </p:spPr>
+        <p:txBody>
+          <a:bodyPr wrap="none" rtlCol="0">
+            <a:spAutoFit/>
+          </a:bodyPr>
+          <a:lstStyle/>
+          <a:p>
+            <a:r>
+              <a:rPr lang="zh-TW" altLang="en-US" dirty="0"/>
+              <a:t>根據不同產業、職位特性，要求</a:t>
+            </a:r>
+            <a:r>
+              <a:rPr lang="en-US" altLang="zh-TW" dirty="0"/>
+              <a:t>ChatGPT</a:t>
+            </a:r>
+            <a:r>
+              <a:rPr lang="zh-TW" altLang="en-US" dirty="0"/>
+              <a:t>潤飾撰文風格</a:t>
+            </a:r>
+          </a:p>
+        </p:txBody>
+      </p:sp>
+    </p:spTree>
+    <p:extLst>
+      <p:ext uri="{BB962C8B-B14F-4D97-AF65-F5344CB8AC3E}">
+        <p14:creationId xmlns:p14="http://schemas.microsoft.com/office/powerpoint/2010/main" val="948159810"/>
+      </p:ext>
+    </p:extLst>
+  </p:cSld>
+  <p:clrMapOvr>
+    <a:masterClrMapping/>
+  </p:clrMapOvr>
+</p:sld>
+</file>
+
+<file path=ppt/slides/slide25.xml><?xml version="1.0" encoding="utf-8"?>
+<p:sld xmlns:a="http://schemas.openxmlformats.org/drawingml/2006/main" xmlns:r="http://schemas.openxmlformats.org/officeDocument/2006/relationships" xmlns:p="http://schemas.openxmlformats.org/presentationml/2006/main">
+  <p:cSld>
+    <p:spTree>
+      <p:nvGrpSpPr>
+        <p:cNvPr id="1" name=""/>
+        <p:cNvGrpSpPr/>
+        <p:nvPr/>
+      </p:nvGrpSpPr>
+      <p:grpSpPr>
+        <a:xfrm>
+          <a:off x="0" y="0"/>
+          <a:ext cx="0" cy="0"/>
+          <a:chOff x="0" y="0"/>
+          <a:chExt cx="0" cy="0"/>
+        </a:xfrm>
+      </p:grpSpPr>
+      <p:sp>
+        <p:nvSpPr>
+          <p:cNvPr id="2" name="標題 1">
+            <a:extLst>
+              <a:ext uri="{FF2B5EF4-FFF2-40B4-BE49-F238E27FC236}">
+                <a16:creationId xmlns:a16="http://schemas.microsoft.com/office/drawing/2014/main" id="{E8F70146-6E5A-4EB9-EA28-4558BF2A80E1}"/>
+              </a:ext>
+            </a:extLst>
+          </p:cNvPr>
+          <p:cNvSpPr>
+            <a:spLocks noGrp="1"/>
+          </p:cNvSpPr>
+          <p:nvPr>
+            <p:ph type="title"/>
+          </p:nvPr>
+        </p:nvSpPr>
+        <p:spPr/>
+        <p:txBody>
+          <a:bodyPr/>
+          <a:lstStyle/>
+          <a:p>
+            <a:r>
+              <a:rPr lang="en-US" altLang="zh-TW" dirty="0"/>
+              <a:t>Excel</a:t>
+            </a:r>
+            <a:r>
+              <a:rPr lang="zh-TW" altLang="en-US" dirty="0"/>
+              <a:t>不熟練</a:t>
+            </a:r>
+            <a:r>
+              <a:rPr lang="en-US" altLang="zh-TW" dirty="0"/>
+              <a:t>?</a:t>
+            </a:r>
+            <a:r>
+              <a:rPr lang="zh-TW" altLang="en-US" dirty="0"/>
+              <a:t>請</a:t>
+            </a:r>
+            <a:r>
+              <a:rPr lang="en-US" altLang="zh-TW" dirty="0"/>
+              <a:t>ChatGPT</a:t>
+            </a:r>
+            <a:r>
+              <a:rPr lang="zh-TW" altLang="en-US" dirty="0"/>
+              <a:t>教你！</a:t>
+            </a:r>
+          </a:p>
+        </p:txBody>
+      </p:sp>
+      <p:pic>
+        <p:nvPicPr>
+          <p:cNvPr id="4" name="圖片 3">
+            <a:extLst>
+              <a:ext uri="{FF2B5EF4-FFF2-40B4-BE49-F238E27FC236}">
+                <a16:creationId xmlns:a16="http://schemas.microsoft.com/office/drawing/2014/main" id="{0AAAC90C-CA6D-F0C3-0F55-08E3A1BF1943}"/>
+              </a:ext>
+            </a:extLst>
+          </p:cNvPr>
+          <p:cNvPicPr>
+            <a:picLocks noChangeAspect="1"/>
+          </p:cNvPicPr>
+          <p:nvPr/>
+        </p:nvPicPr>
+        <p:blipFill>
+          <a:blip r:embed="rId2">
+            <a:extLst>
+              <a:ext uri="{28A0092B-C50C-407E-A947-70E740481C1C}">
+                <a14:useLocalDpi xmlns:a14="http://schemas.microsoft.com/office/drawing/2010/main" val="0"/>
+              </a:ext>
+            </a:extLst>
+          </a:blip>
+          <a:stretch>
+            <a:fillRect/>
+          </a:stretch>
+        </p:blipFill>
+        <p:spPr>
+          <a:xfrm>
+            <a:off x="838200" y="2033587"/>
+            <a:ext cx="5499001" cy="830193"/>
+          </a:xfrm>
+          <a:prstGeom prst="rect">
+            <a:avLst/>
+          </a:prstGeom>
+        </p:spPr>
+      </p:pic>
+      <p:pic>
+        <p:nvPicPr>
+          <p:cNvPr id="7" name="圖片 6">
+            <a:extLst>
+              <a:ext uri="{FF2B5EF4-FFF2-40B4-BE49-F238E27FC236}">
+                <a16:creationId xmlns:a16="http://schemas.microsoft.com/office/drawing/2014/main" id="{E9A86B8C-3F79-7342-065F-30EDCFAEE10E}"/>
+              </a:ext>
+            </a:extLst>
+          </p:cNvPr>
+          <p:cNvPicPr>
+            <a:picLocks noChangeAspect="1"/>
+          </p:cNvPicPr>
+          <p:nvPr/>
+        </p:nvPicPr>
+        <p:blipFill>
+          <a:blip r:embed="rId3">
+            <a:extLst>
+              <a:ext uri="{28A0092B-C50C-407E-A947-70E740481C1C}">
+                <a14:useLocalDpi xmlns:a14="http://schemas.microsoft.com/office/drawing/2010/main" val="0"/>
+              </a:ext>
+            </a:extLst>
+          </a:blip>
+          <a:stretch>
+            <a:fillRect/>
+          </a:stretch>
+        </p:blipFill>
+        <p:spPr>
+          <a:xfrm>
+            <a:off x="6842926" y="1897925"/>
+            <a:ext cx="4322361" cy="4479166"/>
+          </a:xfrm>
+          <a:prstGeom prst="rect">
+            <a:avLst/>
+          </a:prstGeom>
+        </p:spPr>
+      </p:pic>
+    </p:spTree>
+    <p:extLst>
+      <p:ext uri="{BB962C8B-B14F-4D97-AF65-F5344CB8AC3E}">
+        <p14:creationId xmlns:p14="http://schemas.microsoft.com/office/powerpoint/2010/main" val="3602200400"/>
+      </p:ext>
+    </p:extLst>
+  </p:cSld>
+  <p:clrMapOvr>
+    <a:masterClrMapping/>
+  </p:clrMapOvr>
+</p:sld>
+</file>
+
+<file path=ppt/slides/slide26.xml><?xml version="1.0" encoding="utf-8"?>
+<p:sld xmlns:a="http://schemas.openxmlformats.org/drawingml/2006/main" xmlns:r="http://schemas.openxmlformats.org/officeDocument/2006/relationships" xmlns:p="http://schemas.openxmlformats.org/presentationml/2006/main">
+  <p:cSld>
+    <p:spTree>
+      <p:nvGrpSpPr>
+        <p:cNvPr id="1" name=""/>
+        <p:cNvGrpSpPr/>
+        <p:nvPr/>
+      </p:nvGrpSpPr>
+      <p:grpSpPr>
+        <a:xfrm>
+          <a:off x="0" y="0"/>
+          <a:ext cx="0" cy="0"/>
+          <a:chOff x="0" y="0"/>
+          <a:chExt cx="0" cy="0"/>
+        </a:xfrm>
+      </p:grpSpPr>
+      <p:sp>
+        <p:nvSpPr>
+          <p:cNvPr id="2" name="標題 1">
+            <a:extLst>
+              <a:ext uri="{FF2B5EF4-FFF2-40B4-BE49-F238E27FC236}">
+                <a16:creationId xmlns:a16="http://schemas.microsoft.com/office/drawing/2014/main" id="{E8F70146-6E5A-4EB9-EA28-4558BF2A80E1}"/>
+              </a:ext>
+            </a:extLst>
+          </p:cNvPr>
+          <p:cNvSpPr>
+            <a:spLocks noGrp="1"/>
+          </p:cNvSpPr>
+          <p:nvPr>
+            <p:ph type="title"/>
+          </p:nvPr>
+        </p:nvSpPr>
+        <p:spPr/>
+        <p:txBody>
+          <a:bodyPr/>
+          <a:lstStyle/>
+          <a:p>
+            <a:r>
+              <a:rPr lang="zh-TW" altLang="en-US" dirty="0"/>
+              <a:t>將數據整理成表格</a:t>
+            </a:r>
+          </a:p>
+        </p:txBody>
+      </p:sp>
+      <p:pic>
+        <p:nvPicPr>
+          <p:cNvPr id="5" name="圖片 4">
+            <a:extLst>
+              <a:ext uri="{FF2B5EF4-FFF2-40B4-BE49-F238E27FC236}">
+                <a16:creationId xmlns:a16="http://schemas.microsoft.com/office/drawing/2014/main" id="{375E6563-6394-42B2-D920-2FC0FF0F4831}"/>
+              </a:ext>
+            </a:extLst>
+          </p:cNvPr>
+          <p:cNvPicPr>
+            <a:picLocks noChangeAspect="1"/>
+          </p:cNvPicPr>
+          <p:nvPr/>
+        </p:nvPicPr>
+        <p:blipFill>
+          <a:blip r:embed="rId2">
+            <a:extLst>
+              <a:ext uri="{28A0092B-C50C-407E-A947-70E740481C1C}">
+                <a14:useLocalDpi xmlns:a14="http://schemas.microsoft.com/office/drawing/2010/main" val="0"/>
+              </a:ext>
+            </a:extLst>
+          </a:blip>
+          <a:stretch>
+            <a:fillRect/>
+          </a:stretch>
+        </p:blipFill>
+        <p:spPr>
+          <a:xfrm>
+            <a:off x="5644607" y="365125"/>
+            <a:ext cx="5051491" cy="3292824"/>
+          </a:xfrm>
+          <a:prstGeom prst="rect">
+            <a:avLst/>
+          </a:prstGeom>
+        </p:spPr>
+      </p:pic>
+      <p:pic>
+        <p:nvPicPr>
+          <p:cNvPr id="8" name="圖片 7">
+            <a:extLst>
+              <a:ext uri="{FF2B5EF4-FFF2-40B4-BE49-F238E27FC236}">
+                <a16:creationId xmlns:a16="http://schemas.microsoft.com/office/drawing/2014/main" id="{66BD5DB4-7B15-88DF-A2F7-B6D22723302B}"/>
+              </a:ext>
+            </a:extLst>
+          </p:cNvPr>
+          <p:cNvPicPr>
+            <a:picLocks noChangeAspect="1"/>
+          </p:cNvPicPr>
+          <p:nvPr/>
+        </p:nvPicPr>
+        <p:blipFill>
+          <a:blip r:embed="rId3">
+            <a:extLst>
+              <a:ext uri="{28A0092B-C50C-407E-A947-70E740481C1C}">
+                <a14:useLocalDpi xmlns:a14="http://schemas.microsoft.com/office/drawing/2010/main" val="0"/>
+              </a:ext>
+            </a:extLst>
+          </a:blip>
+          <a:stretch>
+            <a:fillRect/>
+          </a:stretch>
+        </p:blipFill>
+        <p:spPr>
+          <a:xfrm>
+            <a:off x="575029" y="2242299"/>
+            <a:ext cx="4922668" cy="2985642"/>
+          </a:xfrm>
+          <a:prstGeom prst="rect">
+            <a:avLst/>
+          </a:prstGeom>
+        </p:spPr>
+      </p:pic>
+      <p:pic>
+        <p:nvPicPr>
+          <p:cNvPr id="10" name="圖片 9">
+            <a:extLst>
+              <a:ext uri="{FF2B5EF4-FFF2-40B4-BE49-F238E27FC236}">
+                <a16:creationId xmlns:a16="http://schemas.microsoft.com/office/drawing/2014/main" id="{BD0F53DB-F2FA-5CD1-5E45-B498C87281B4}"/>
+              </a:ext>
+            </a:extLst>
+          </p:cNvPr>
+          <p:cNvPicPr>
+            <a:picLocks noChangeAspect="1"/>
+          </p:cNvPicPr>
+          <p:nvPr/>
+        </p:nvPicPr>
+        <p:blipFill>
+          <a:blip r:embed="rId4">
+            <a:extLst>
+              <a:ext uri="{28A0092B-C50C-407E-A947-70E740481C1C}">
+                <a14:useLocalDpi xmlns:a14="http://schemas.microsoft.com/office/drawing/2010/main" val="0"/>
+              </a:ext>
+            </a:extLst>
+          </a:blip>
+          <a:stretch>
+            <a:fillRect/>
+          </a:stretch>
+        </p:blipFill>
+        <p:spPr>
+          <a:xfrm>
+            <a:off x="5791517" y="3657949"/>
+            <a:ext cx="5051491" cy="2986027"/>
+          </a:xfrm>
+          <a:prstGeom prst="rect">
+            <a:avLst/>
+          </a:prstGeom>
+        </p:spPr>
+      </p:pic>
+    </p:spTree>
+    <p:extLst>
+      <p:ext uri="{BB962C8B-B14F-4D97-AF65-F5344CB8AC3E}">
+        <p14:creationId xmlns:p14="http://schemas.microsoft.com/office/powerpoint/2010/main" val="2171502019"/>
+      </p:ext>
+    </p:extLst>
+  </p:cSld>
+  <p:clrMapOvr>
+    <a:masterClrMapping/>
+  </p:clrMapOvr>
+</p:sld>
+</file>
+
+<file path=ppt/slides/slide27.xml><?xml version="1.0" encoding="utf-8"?>
+<p:sld xmlns:a="http://schemas.openxmlformats.org/drawingml/2006/main" xmlns:r="http://schemas.openxmlformats.org/officeDocument/2006/relationships" xmlns:p="http://schemas.openxmlformats.org/presentationml/2006/main">
+  <p:cSld>
+    <p:spTree>
+      <p:nvGrpSpPr>
+        <p:cNvPr id="1" name=""/>
+        <p:cNvGrpSpPr/>
+        <p:nvPr/>
+      </p:nvGrpSpPr>
+      <p:grpSpPr>
+        <a:xfrm>
+          <a:off x="0" y="0"/>
+          <a:ext cx="0" cy="0"/>
+          <a:chOff x="0" y="0"/>
+          <a:chExt cx="0" cy="0"/>
+        </a:xfrm>
+      </p:grpSpPr>
+      <p:sp>
+        <p:nvSpPr>
+          <p:cNvPr id="2" name="標題 1">
+            <a:extLst>
+              <a:ext uri="{FF2B5EF4-FFF2-40B4-BE49-F238E27FC236}">
+                <a16:creationId xmlns:a16="http://schemas.microsoft.com/office/drawing/2014/main" id="{E8F70146-6E5A-4EB9-EA28-4558BF2A80E1}"/>
+              </a:ext>
+            </a:extLst>
+          </p:cNvPr>
+          <p:cNvSpPr>
+            <a:spLocks noGrp="1"/>
+          </p:cNvSpPr>
+          <p:nvPr>
+            <p:ph type="title"/>
+          </p:nvPr>
+        </p:nvSpPr>
+        <p:spPr/>
+        <p:txBody>
+          <a:bodyPr/>
+          <a:lstStyle/>
+          <a:p>
+            <a:r>
+              <a:rPr lang="en-US" altLang="zh-TW" dirty="0"/>
+              <a:t>Link Reader</a:t>
+            </a:r>
+            <a:r>
+              <a:rPr lang="zh-TW" altLang="en-US" dirty="0"/>
+              <a:t>、</a:t>
+            </a:r>
+            <a:r>
+              <a:rPr lang="en-US" altLang="zh-TW" dirty="0"/>
+              <a:t>Bing</a:t>
+            </a:r>
+            <a:r>
+              <a:rPr lang="zh-TW" altLang="en-US" dirty="0"/>
+              <a:t>檢索網址，歸納文章重點</a:t>
+            </a:r>
+          </a:p>
+        </p:txBody>
+      </p:sp>
+      <p:pic>
+        <p:nvPicPr>
+          <p:cNvPr id="4" name="圖片 3">
+            <a:extLst>
+              <a:ext uri="{FF2B5EF4-FFF2-40B4-BE49-F238E27FC236}">
+                <a16:creationId xmlns:a16="http://schemas.microsoft.com/office/drawing/2014/main" id="{633683CF-DE82-B5D8-D212-B834738A6CEE}"/>
+              </a:ext>
+            </a:extLst>
+          </p:cNvPr>
+          <p:cNvPicPr>
+            <a:picLocks noChangeAspect="1"/>
+          </p:cNvPicPr>
+          <p:nvPr/>
+        </p:nvPicPr>
+        <p:blipFill>
+          <a:blip r:embed="rId2">
+            <a:extLst>
+              <a:ext uri="{28A0092B-C50C-407E-A947-70E740481C1C}">
+                <a14:useLocalDpi xmlns:a14="http://schemas.microsoft.com/office/drawing/2010/main" val="0"/>
+              </a:ext>
+            </a:extLst>
+          </a:blip>
+          <a:stretch>
+            <a:fillRect/>
+          </a:stretch>
+        </p:blipFill>
+        <p:spPr>
+          <a:xfrm>
+            <a:off x="4619730" y="2318500"/>
+            <a:ext cx="6248400" cy="3286125"/>
+          </a:xfrm>
+          <a:prstGeom prst="rect">
+            <a:avLst/>
+          </a:prstGeom>
+        </p:spPr>
+      </p:pic>
+    </p:spTree>
+    <p:extLst>
+      <p:ext uri="{BB962C8B-B14F-4D97-AF65-F5344CB8AC3E}">
+        <p14:creationId xmlns:p14="http://schemas.microsoft.com/office/powerpoint/2010/main" val="1443262621"/>
+      </p:ext>
+    </p:extLst>
+  </p:cSld>
+  <p:clrMapOvr>
+    <a:masterClrMapping/>
+  </p:clrMapOvr>
+</p:sld>
+</file>
+
+<file path=ppt/slides/slide28.xml><?xml version="1.0" encoding="utf-8"?>
+<p:sld xmlns:a="http://schemas.openxmlformats.org/drawingml/2006/main" xmlns:r="http://schemas.openxmlformats.org/officeDocument/2006/relationships" xmlns:p="http://schemas.openxmlformats.org/presentationml/2006/main">
+  <p:cSld>
+    <p:spTree>
+      <p:nvGrpSpPr>
+        <p:cNvPr id="1" name=""/>
+        <p:cNvGrpSpPr/>
+        <p:nvPr/>
+      </p:nvGrpSpPr>
+      <p:grpSpPr>
+        <a:xfrm>
+          <a:off x="0" y="0"/>
+          <a:ext cx="0" cy="0"/>
+          <a:chOff x="0" y="0"/>
+          <a:chExt cx="0" cy="0"/>
+        </a:xfrm>
+      </p:grpSpPr>
+      <p:sp>
+        <p:nvSpPr>
+          <p:cNvPr id="2" name="標題 1">
+            <a:extLst>
+              <a:ext uri="{FF2B5EF4-FFF2-40B4-BE49-F238E27FC236}">
+                <a16:creationId xmlns:a16="http://schemas.microsoft.com/office/drawing/2014/main" id="{1F56C77D-2B7D-4936-844C-23CAC4034F55}"/>
+              </a:ext>
+            </a:extLst>
+          </p:cNvPr>
+          <p:cNvSpPr>
+            <a:spLocks noGrp="1"/>
+          </p:cNvSpPr>
+          <p:nvPr>
+            <p:ph type="title"/>
+          </p:nvPr>
+        </p:nvSpPr>
+        <p:spPr>
+          <a:xfrm>
+            <a:off x="838200" y="2766218"/>
+            <a:ext cx="10515600" cy="1325563"/>
+          </a:xfrm>
+        </p:spPr>
+        <p:txBody>
+          <a:bodyPr>
+            <a:normAutofit/>
+          </a:bodyPr>
+          <a:lstStyle/>
+          <a:p>
+            <a:pPr algn="ctr"/>
+            <a:r>
+              <a:rPr lang="zh-TW" altLang="en-US" sz="7200" dirty="0"/>
+              <a:t>圖片應用</a:t>
+            </a:r>
+          </a:p>
+        </p:txBody>
+      </p:sp>
+    </p:spTree>
+    <p:extLst>
+      <p:ext uri="{BB962C8B-B14F-4D97-AF65-F5344CB8AC3E}">
+        <p14:creationId xmlns:p14="http://schemas.microsoft.com/office/powerpoint/2010/main" val="230514715"/>
+      </p:ext>
+    </p:extLst>
+  </p:cSld>
+  <p:clrMapOvr>
+    <a:masterClrMapping/>
+  </p:clrMapOvr>
+</p:sld>
+</file>
+
+<file path=ppt/slides/slide29.xml><?xml version="1.0" encoding="utf-8"?>
+<p:sld xmlns:a="http://schemas.openxmlformats.org/drawingml/2006/main" xmlns:r="http://schemas.openxmlformats.org/officeDocument/2006/relationships" xmlns:p="http://schemas.openxmlformats.org/presentationml/2006/main">
+  <p:cSld>
+    <p:spTree>
+      <p:nvGrpSpPr>
+        <p:cNvPr id="1" name=""/>
+        <p:cNvGrpSpPr/>
+        <p:nvPr/>
+      </p:nvGrpSpPr>
+      <p:grpSpPr>
+        <a:xfrm>
+          <a:off x="0" y="0"/>
+          <a:ext cx="0" cy="0"/>
+          <a:chOff x="0" y="0"/>
+          <a:chExt cx="0" cy="0"/>
+        </a:xfrm>
+      </p:grpSpPr>
+      <p:sp>
+        <p:nvSpPr>
+          <p:cNvPr id="2" name="標題 1">
+            <a:extLst>
+              <a:ext uri="{FF2B5EF4-FFF2-40B4-BE49-F238E27FC236}">
+                <a16:creationId xmlns:a16="http://schemas.microsoft.com/office/drawing/2014/main" id="{BE626630-0A4F-0435-BDE6-DAD55A6DDDE0}"/>
+              </a:ext>
+            </a:extLst>
+          </p:cNvPr>
+          <p:cNvSpPr>
+            <a:spLocks noGrp="1"/>
+          </p:cNvSpPr>
+          <p:nvPr>
+            <p:ph type="title"/>
+          </p:nvPr>
+        </p:nvSpPr>
+        <p:spPr/>
+        <p:txBody>
+          <a:bodyPr/>
+          <a:lstStyle/>
+          <a:p>
+            <a:r>
+              <a:rPr lang="en-US" altLang="zh-TW" dirty="0"/>
+              <a:t>Colorize</a:t>
+            </a:r>
+            <a:r>
+              <a:rPr lang="zh-TW" altLang="en-US" dirty="0"/>
+              <a:t> </a:t>
+            </a:r>
+            <a:r>
+              <a:rPr lang="en-US" altLang="zh-TW" dirty="0"/>
+              <a:t>Pictures</a:t>
+            </a:r>
+            <a:endParaRPr lang="zh-TW" altLang="en-US" dirty="0"/>
+          </a:p>
+        </p:txBody>
+      </p:sp>
+      <p:pic>
+        <p:nvPicPr>
+          <p:cNvPr id="4" name="圖片 3">
+            <a:extLst>
+              <a:ext uri="{FF2B5EF4-FFF2-40B4-BE49-F238E27FC236}">
+                <a16:creationId xmlns:a16="http://schemas.microsoft.com/office/drawing/2014/main" id="{01A2C11F-B5E6-A218-639D-FF1365D100F2}"/>
+              </a:ext>
+            </a:extLst>
+          </p:cNvPr>
+          <p:cNvPicPr>
+            <a:picLocks noChangeAspect="1"/>
+          </p:cNvPicPr>
+          <p:nvPr/>
+        </p:nvPicPr>
+        <p:blipFill>
+          <a:blip r:embed="rId2">
+            <a:extLst>
+              <a:ext uri="{28A0092B-C50C-407E-A947-70E740481C1C}">
+                <a14:useLocalDpi xmlns:a14="http://schemas.microsoft.com/office/drawing/2010/main" val="0"/>
+              </a:ext>
+            </a:extLst>
+          </a:blip>
+          <a:stretch>
+            <a:fillRect/>
+          </a:stretch>
+        </p:blipFill>
+        <p:spPr>
+          <a:xfrm>
+            <a:off x="709403" y="1724681"/>
+            <a:ext cx="7485666" cy="3994009"/>
+          </a:xfrm>
+          <a:prstGeom prst="rect">
+            <a:avLst/>
+          </a:prstGeom>
+        </p:spPr>
+      </p:pic>
+      <p:sp>
+        <p:nvSpPr>
+          <p:cNvPr id="5" name="文字方塊 4">
+            <a:extLst>
+              <a:ext uri="{FF2B5EF4-FFF2-40B4-BE49-F238E27FC236}">
+                <a16:creationId xmlns:a16="http://schemas.microsoft.com/office/drawing/2014/main" id="{6C662F11-FE60-2038-7B30-4D25647EED1E}"/>
+              </a:ext>
+            </a:extLst>
+          </p:cNvPr>
+          <p:cNvSpPr txBox="1"/>
+          <p:nvPr/>
+        </p:nvSpPr>
+        <p:spPr>
+          <a:xfrm>
+            <a:off x="8664191" y="3565883"/>
+            <a:ext cx="2723823" cy="369332"/>
+          </a:xfrm>
+          <a:prstGeom prst="rect">
+            <a:avLst/>
+          </a:prstGeom>
+          <a:noFill/>
+        </p:spPr>
+        <p:txBody>
+          <a:bodyPr wrap="none" rtlCol="0">
+            <a:spAutoFit/>
+          </a:bodyPr>
+          <a:lstStyle/>
+          <a:p>
+            <a:r>
+              <a:rPr lang="zh-TW" altLang="en-US" dirty="0"/>
+              <a:t>將黑白照片變成彩色照片</a:t>
+            </a:r>
+          </a:p>
+        </p:txBody>
+      </p:sp>
+      <p:sp>
+        <p:nvSpPr>
+          <p:cNvPr id="7" name="文字方塊 6">
+            <a:extLst>
+              <a:ext uri="{FF2B5EF4-FFF2-40B4-BE49-F238E27FC236}">
+                <a16:creationId xmlns:a16="http://schemas.microsoft.com/office/drawing/2014/main" id="{71204394-04B0-5478-7548-A429FE2EB13F}"/>
+              </a:ext>
+            </a:extLst>
+          </p:cNvPr>
+          <p:cNvSpPr txBox="1"/>
+          <p:nvPr/>
+        </p:nvSpPr>
+        <p:spPr>
+          <a:xfrm>
+            <a:off x="8664191" y="2854960"/>
+            <a:ext cx="1977014" cy="369332"/>
+          </a:xfrm>
+          <a:prstGeom prst="rect">
+            <a:avLst/>
+          </a:prstGeom>
+          <a:noFill/>
+        </p:spPr>
+        <p:txBody>
+          <a:bodyPr wrap="square">
+            <a:spAutoFit/>
+          </a:bodyPr>
+          <a:lstStyle/>
+          <a:p>
+            <a:r>
+              <a:rPr lang="zh-TW" altLang="en-US" dirty="0"/>
+              <a:t>https://palette.fm/</a:t>
+            </a:r>
+          </a:p>
+        </p:txBody>
+      </p:sp>
+    </p:spTree>
+    <p:extLst>
+      <p:ext uri="{BB962C8B-B14F-4D97-AF65-F5344CB8AC3E}">
+        <p14:creationId xmlns:p14="http://schemas.microsoft.com/office/powerpoint/2010/main" val="2011681175"/>
+      </p:ext>
+    </p:extLst>
+  </p:cSld>
+  <p:clrMapOvr>
+    <a:masterClrMapping/>
+  </p:clrMapOvr>
+</p:sld>
+</file>
+
+<file path=ppt/slides/slide3.xml><?xml version="1.0" encoding="utf-8"?>
+<p:sld xmlns:a="http://schemas.openxmlformats.org/drawingml/2006/main" xmlns:r="http://schemas.openxmlformats.org/officeDocument/2006/relationships" xmlns:p="http://schemas.openxmlformats.org/presentationml/2006/main">
+  <p:cSld>
+    <p:spTree>
+      <p:nvGrpSpPr>
+        <p:cNvPr id="1" name=""/>
+        <p:cNvGrpSpPr/>
+        <p:nvPr/>
+      </p:nvGrpSpPr>
+      <p:grpSpPr>
+        <a:xfrm>
+          <a:off x="0" y="0"/>
+          <a:ext cx="0" cy="0"/>
+          <a:chOff x="0" y="0"/>
+          <a:chExt cx="0" cy="0"/>
+        </a:xfrm>
+      </p:grpSpPr>
+      <p:sp>
+        <p:nvSpPr>
+          <p:cNvPr id="2" name="標題 1">
+            <a:extLst>
+              <a:ext uri="{FF2B5EF4-FFF2-40B4-BE49-F238E27FC236}">
+                <a16:creationId xmlns:a16="http://schemas.microsoft.com/office/drawing/2014/main" id="{ED97DEF1-622A-57A9-2984-CE465E9EAED5}"/>
+              </a:ext>
+            </a:extLst>
+          </p:cNvPr>
+          <p:cNvSpPr>
+            <a:spLocks noGrp="1"/>
+          </p:cNvSpPr>
+          <p:nvPr>
+            <p:ph type="title"/>
+          </p:nvPr>
+        </p:nvSpPr>
+        <p:spPr/>
+        <p:txBody>
+          <a:bodyPr/>
+          <a:lstStyle/>
+          <a:p>
+            <a:r>
+              <a:rPr lang="zh-TW" altLang="en-US" dirty="0"/>
+              <a:t>什麼是</a:t>
+            </a:r>
+            <a:r>
+              <a:rPr lang="en-US" altLang="zh-TW" dirty="0"/>
+              <a:t>AI?(</a:t>
+            </a:r>
+            <a:r>
+              <a:rPr lang="zh-TW" altLang="en-US" dirty="0"/>
+              <a:t>加到自我介紹後面</a:t>
+            </a:r>
+            <a:r>
+              <a:rPr lang="en-US" altLang="zh-TW" dirty="0"/>
+              <a:t>)</a:t>
+            </a:r>
+            <a:endParaRPr lang="zh-TW" altLang="en-US" dirty="0"/>
+          </a:p>
+        </p:txBody>
+      </p:sp>
+      <p:sp>
+        <p:nvSpPr>
+          <p:cNvPr id="3" name="內容版面配置區 2">
+            <a:extLst>
+              <a:ext uri="{FF2B5EF4-FFF2-40B4-BE49-F238E27FC236}">
+                <a16:creationId xmlns:a16="http://schemas.microsoft.com/office/drawing/2014/main" id="{69261677-75FF-63FA-DE22-B3F444A95410}"/>
+              </a:ext>
+            </a:extLst>
+          </p:cNvPr>
+          <p:cNvSpPr>
+            <a:spLocks noGrp="1"/>
+          </p:cNvSpPr>
+          <p:nvPr>
+            <p:ph idx="1"/>
+          </p:nvPr>
+        </p:nvSpPr>
+        <p:spPr/>
+        <p:txBody>
+          <a:bodyPr/>
+          <a:lstStyle/>
+          <a:p>
+            <a:pPr>
+              <a:buFont typeface="Wingdings" panose="05000000000000000000" pitchFamily="2" charset="2"/>
+              <a:buChar char="ü"/>
+            </a:pPr>
+            <a:r>
+              <a:rPr lang="zh-TW" altLang="en-US" dirty="0"/>
+              <a:t>人工智慧</a:t>
+            </a:r>
+            <a:r>
+              <a:rPr lang="en-US" altLang="zh-TW" dirty="0"/>
+              <a:t>(</a:t>
+            </a:r>
+            <a:r>
+              <a:rPr lang="en-US" altLang="zh-TW" b="0" i="0" dirty="0">
+                <a:solidFill>
+                  <a:srgbClr val="374151"/>
+                </a:solidFill>
+                <a:effectLst/>
+                <a:latin typeface="Söhne"/>
+              </a:rPr>
+              <a:t>Artificial </a:t>
+            </a:r>
+            <a:r>
+              <a:rPr lang="en-US" altLang="zh-TW" b="0" i="0" dirty="0" err="1">
+                <a:solidFill>
+                  <a:srgbClr val="374151"/>
+                </a:solidFill>
+                <a:effectLst/>
+                <a:latin typeface="Söhne"/>
+              </a:rPr>
+              <a:t>Intelligence,AI</a:t>
+            </a:r>
+            <a:r>
+              <a:rPr lang="en-US" altLang="zh-TW" dirty="0"/>
+              <a:t>)</a:t>
+            </a:r>
+            <a:r>
+              <a:rPr lang="zh-TW" altLang="en-US" dirty="0"/>
+              <a:t>，夢想讓機器像人一樣思考，就像給機器裝上一顆大腦</a:t>
+            </a:r>
+            <a:endParaRPr lang="en-US" altLang="zh-TW" dirty="0"/>
+          </a:p>
+          <a:p>
+            <a:pPr>
+              <a:buFont typeface="Wingdings" panose="05000000000000000000" pitchFamily="2" charset="2"/>
+              <a:buChar char="ü"/>
+            </a:pPr>
+            <a:r>
+              <a:rPr lang="zh-TW" altLang="en-US" dirty="0"/>
+              <a:t>機器學習</a:t>
+            </a:r>
+            <a:r>
+              <a:rPr lang="en-US" altLang="zh-TW" dirty="0"/>
+              <a:t>:</a:t>
+            </a:r>
+            <a:r>
+              <a:rPr lang="zh-TW" altLang="en-US" dirty="0"/>
+              <a:t>利用統計的方式找出合理的公式，如</a:t>
+            </a:r>
+            <a:endParaRPr lang="en-US" altLang="zh-TW" dirty="0"/>
+          </a:p>
+          <a:p>
+            <a:pPr marL="0" indent="0">
+              <a:buNone/>
+            </a:pPr>
+            <a:r>
+              <a:rPr lang="en-US" altLang="zh-TW" dirty="0"/>
+              <a:t>Email</a:t>
+            </a:r>
+            <a:r>
+              <a:rPr lang="zh-TW" altLang="en-US" dirty="0"/>
+              <a:t>垃圾信分類</a:t>
+            </a:r>
+            <a:endParaRPr lang="en-US" altLang="zh-TW" dirty="0"/>
+          </a:p>
+          <a:p>
+            <a:pPr>
+              <a:buFont typeface="Wingdings" panose="05000000000000000000" pitchFamily="2" charset="2"/>
+              <a:buChar char="ü"/>
+            </a:pPr>
+            <a:r>
+              <a:rPr lang="zh-TW" altLang="en-US" dirty="0"/>
+              <a:t>深度學習</a:t>
+            </a:r>
+            <a:r>
+              <a:rPr lang="en-US" altLang="zh-TW" dirty="0"/>
+              <a:t>:</a:t>
+            </a:r>
+            <a:r>
+              <a:rPr lang="zh-TW" altLang="en-US" dirty="0"/>
+              <a:t>解決抽象類的問題，如語言、圖片，靠</a:t>
+            </a:r>
+            <a:endParaRPr lang="en-US" altLang="zh-TW" dirty="0"/>
+          </a:p>
+          <a:p>
+            <a:pPr marL="0" indent="0">
+              <a:buNone/>
+            </a:pPr>
+            <a:r>
+              <a:rPr lang="zh-TW" altLang="en-US" dirty="0"/>
+              <a:t>「組合」、「忽略」模仿人類的神經系統，如常見</a:t>
+            </a:r>
+            <a:endParaRPr lang="en-US" altLang="zh-TW" dirty="0"/>
+          </a:p>
+          <a:p>
+            <a:pPr marL="0" indent="0">
+              <a:buNone/>
+            </a:pPr>
+            <a:r>
+              <a:rPr lang="zh-TW" altLang="en-US" dirty="0"/>
+              <a:t>的人臉辨識、語音辨識</a:t>
+            </a:r>
+          </a:p>
+        </p:txBody>
+      </p:sp>
+      <p:pic>
+        <p:nvPicPr>
+          <p:cNvPr id="5" name="圖片 4">
+            <a:extLst>
+              <a:ext uri="{FF2B5EF4-FFF2-40B4-BE49-F238E27FC236}">
+                <a16:creationId xmlns:a16="http://schemas.microsoft.com/office/drawing/2014/main" id="{EAC4AE56-F258-87EA-2BC4-FDB8AF3C193A}"/>
+              </a:ext>
+            </a:extLst>
+          </p:cNvPr>
+          <p:cNvPicPr>
+            <a:picLocks noChangeAspect="1"/>
+          </p:cNvPicPr>
+          <p:nvPr/>
+        </p:nvPicPr>
+        <p:blipFill>
+          <a:blip r:embed="rId2">
+            <a:extLst>
+              <a:ext uri="{28A0092B-C50C-407E-A947-70E740481C1C}">
+                <a14:useLocalDpi xmlns:a14="http://schemas.microsoft.com/office/drawing/2010/main" val="0"/>
+              </a:ext>
+            </a:extLst>
+          </a:blip>
+          <a:stretch>
+            <a:fillRect/>
+          </a:stretch>
+        </p:blipFill>
+        <p:spPr>
+          <a:xfrm>
+            <a:off x="9073662" y="3053487"/>
+            <a:ext cx="2280138" cy="3123476"/>
+          </a:xfrm>
+          <a:prstGeom prst="rect">
+            <a:avLst/>
+          </a:prstGeom>
+        </p:spPr>
+      </p:pic>
+    </p:spTree>
+    <p:extLst>
+      <p:ext uri="{BB962C8B-B14F-4D97-AF65-F5344CB8AC3E}">
+        <p14:creationId xmlns:p14="http://schemas.microsoft.com/office/powerpoint/2010/main" val="1611514876"/>
+      </p:ext>
+    </p:extLst>
+  </p:cSld>
+  <p:clrMapOvr>
+    <a:masterClrMapping/>
+  </p:clrMapOvr>
+</p:sld>
+</file>
+
+<file path=ppt/slides/slide30.xml><?xml version="1.0" encoding="utf-8"?>
+<p:sld xmlns:a="http://schemas.openxmlformats.org/drawingml/2006/main" xmlns:r="http://schemas.openxmlformats.org/officeDocument/2006/relationships" xmlns:p="http://schemas.openxmlformats.org/presentationml/2006/main">
+  <p:cSld>
+    <p:spTree>
+      <p:nvGrpSpPr>
+        <p:cNvPr id="1" name=""/>
+        <p:cNvGrpSpPr/>
+        <p:nvPr/>
+      </p:nvGrpSpPr>
+      <p:grpSpPr>
+        <a:xfrm>
+          <a:off x="0" y="0"/>
+          <a:ext cx="0" cy="0"/>
+          <a:chOff x="0" y="0"/>
+          <a:chExt cx="0" cy="0"/>
+        </a:xfrm>
+      </p:grpSpPr>
+      <p:sp>
+        <p:nvSpPr>
+          <p:cNvPr id="2" name="標題 1">
+            <a:extLst>
+              <a:ext uri="{FF2B5EF4-FFF2-40B4-BE49-F238E27FC236}">
+                <a16:creationId xmlns:a16="http://schemas.microsoft.com/office/drawing/2014/main" id="{BE626630-0A4F-0435-BDE6-DAD55A6DDDE0}"/>
+              </a:ext>
+            </a:extLst>
+          </p:cNvPr>
+          <p:cNvSpPr>
+            <a:spLocks noGrp="1"/>
+          </p:cNvSpPr>
+          <p:nvPr>
+            <p:ph type="title"/>
+          </p:nvPr>
+        </p:nvSpPr>
+        <p:spPr/>
+        <p:txBody>
+          <a:bodyPr/>
+          <a:lstStyle/>
+          <a:p>
+            <a:r>
+              <a:rPr lang="en-US" altLang="zh-TW" dirty="0" err="1"/>
+              <a:t>MiniGPT</a:t>
+            </a:r>
+            <a:r>
+              <a:rPr lang="zh-TW" altLang="en-US" dirty="0"/>
+              <a:t>能讀懂圖片回答問題</a:t>
+            </a:r>
+          </a:p>
+        </p:txBody>
+      </p:sp>
+      <p:pic>
+        <p:nvPicPr>
+          <p:cNvPr id="6" name="圖片 5">
+            <a:extLst>
+              <a:ext uri="{FF2B5EF4-FFF2-40B4-BE49-F238E27FC236}">
+                <a16:creationId xmlns:a16="http://schemas.microsoft.com/office/drawing/2014/main" id="{0C4609D2-B3A1-515B-9F77-511E23772CE2}"/>
+              </a:ext>
+            </a:extLst>
+          </p:cNvPr>
+          <p:cNvPicPr>
+            <a:picLocks noChangeAspect="1"/>
+          </p:cNvPicPr>
+          <p:nvPr/>
+        </p:nvPicPr>
+        <p:blipFill>
+          <a:blip r:embed="rId2">
+            <a:extLst>
+              <a:ext uri="{28A0092B-C50C-407E-A947-70E740481C1C}">
+                <a14:useLocalDpi xmlns:a14="http://schemas.microsoft.com/office/drawing/2010/main" val="0"/>
+              </a:ext>
+            </a:extLst>
+          </a:blip>
+          <a:stretch>
+            <a:fillRect/>
+          </a:stretch>
+        </p:blipFill>
+        <p:spPr>
+          <a:xfrm>
+            <a:off x="672025" y="2931066"/>
+            <a:ext cx="10847950" cy="2563410"/>
+          </a:xfrm>
+          <a:prstGeom prst="rect">
+            <a:avLst/>
+          </a:prstGeom>
+        </p:spPr>
+      </p:pic>
+      <p:sp>
+        <p:nvSpPr>
+          <p:cNvPr id="8" name="文字方塊 7">
+            <a:extLst>
+              <a:ext uri="{FF2B5EF4-FFF2-40B4-BE49-F238E27FC236}">
+                <a16:creationId xmlns:a16="http://schemas.microsoft.com/office/drawing/2014/main" id="{93C10140-7259-FD61-9F9A-22860BDDA15A}"/>
+              </a:ext>
+            </a:extLst>
+          </p:cNvPr>
+          <p:cNvSpPr txBox="1"/>
+          <p:nvPr/>
+        </p:nvSpPr>
+        <p:spPr>
+          <a:xfrm>
+            <a:off x="838200" y="1828800"/>
+            <a:ext cx="6023380" cy="646331"/>
+          </a:xfrm>
+          <a:prstGeom prst="rect">
+            <a:avLst/>
+          </a:prstGeom>
+          <a:noFill/>
+        </p:spPr>
+        <p:txBody>
+          <a:bodyPr wrap="none" rtlCol="0">
+            <a:spAutoFit/>
+          </a:bodyPr>
+          <a:lstStyle/>
+          <a:p>
+            <a:r>
+              <a:rPr lang="en-US" altLang="zh-TW" dirty="0" err="1"/>
+              <a:t>MiniGPT</a:t>
+            </a:r>
+            <a:r>
+              <a:rPr lang="zh-TW" altLang="en-US" dirty="0"/>
+              <a:t>為阿布都拉國王科技大學的同學所開發的</a:t>
+            </a:r>
+            <a:r>
+              <a:rPr lang="en-US" altLang="zh-TW" dirty="0"/>
+              <a:t>AI</a:t>
+            </a:r>
+            <a:r>
+              <a:rPr lang="zh-TW" altLang="en-US" dirty="0"/>
+              <a:t>工具，</a:t>
+            </a:r>
+            <a:endParaRPr lang="en-US" altLang="zh-TW" dirty="0"/>
+          </a:p>
+          <a:p>
+            <a:r>
+              <a:rPr lang="zh-TW" altLang="en-US" dirty="0"/>
+              <a:t>上傳圖片，在</a:t>
+            </a:r>
+            <a:r>
+              <a:rPr lang="en-US" altLang="zh-TW" dirty="0"/>
+              <a:t>User</a:t>
+            </a:r>
+            <a:r>
+              <a:rPr lang="zh-TW" altLang="en-US" dirty="0"/>
+              <a:t>處問問題，能讀懂圖片並回答問題</a:t>
+            </a:r>
+          </a:p>
+        </p:txBody>
+      </p:sp>
+    </p:spTree>
+    <p:extLst>
+      <p:ext uri="{BB962C8B-B14F-4D97-AF65-F5344CB8AC3E}">
+        <p14:creationId xmlns:p14="http://schemas.microsoft.com/office/powerpoint/2010/main" val="680615250"/>
+      </p:ext>
+    </p:extLst>
+  </p:cSld>
+  <p:clrMapOvr>
+    <a:masterClrMapping/>
+  </p:clrMapOvr>
+</p:sld>
+</file>
+
+<file path=ppt/slides/slide31.xml><?xml version="1.0" encoding="utf-8"?>
+<p:sld xmlns:a="http://schemas.openxmlformats.org/drawingml/2006/main" xmlns:r="http://schemas.openxmlformats.org/officeDocument/2006/relationships" xmlns:p="http://schemas.openxmlformats.org/presentationml/2006/main">
+  <p:cSld>
+    <p:spTree>
+      <p:nvGrpSpPr>
+        <p:cNvPr id="1" name=""/>
+        <p:cNvGrpSpPr/>
+        <p:nvPr/>
+      </p:nvGrpSpPr>
+      <p:grpSpPr>
+        <a:xfrm>
+          <a:off x="0" y="0"/>
+          <a:ext cx="0" cy="0"/>
+          <a:chOff x="0" y="0"/>
+          <a:chExt cx="0" cy="0"/>
+        </a:xfrm>
+      </p:grpSpPr>
+      <p:sp>
+        <p:nvSpPr>
+          <p:cNvPr id="2" name="標題 1">
+            <a:extLst>
+              <a:ext uri="{FF2B5EF4-FFF2-40B4-BE49-F238E27FC236}">
+                <a16:creationId xmlns:a16="http://schemas.microsoft.com/office/drawing/2014/main" id="{BE626630-0A4F-0435-BDE6-DAD55A6DDDE0}"/>
+              </a:ext>
+            </a:extLst>
+          </p:cNvPr>
+          <p:cNvSpPr>
+            <a:spLocks noGrp="1"/>
+          </p:cNvSpPr>
+          <p:nvPr>
+            <p:ph type="title"/>
+          </p:nvPr>
+        </p:nvSpPr>
+        <p:spPr/>
+        <p:txBody>
+          <a:bodyPr/>
+          <a:lstStyle/>
+          <a:p>
+            <a:r>
+              <a:rPr lang="en-US" altLang="zh-TW" dirty="0"/>
+              <a:t>Bing Image creator</a:t>
+            </a:r>
+            <a:endParaRPr lang="zh-TW" altLang="en-US" dirty="0"/>
+          </a:p>
+        </p:txBody>
+      </p:sp>
+      <p:pic>
+        <p:nvPicPr>
+          <p:cNvPr id="4" name="圖片 3">
+            <a:extLst>
+              <a:ext uri="{FF2B5EF4-FFF2-40B4-BE49-F238E27FC236}">
+                <a16:creationId xmlns:a16="http://schemas.microsoft.com/office/drawing/2014/main" id="{FB944E4D-E724-BA75-9B81-3C568E02A869}"/>
+              </a:ext>
+            </a:extLst>
+          </p:cNvPr>
+          <p:cNvPicPr>
+            <a:picLocks noChangeAspect="1"/>
+          </p:cNvPicPr>
+          <p:nvPr/>
+        </p:nvPicPr>
+        <p:blipFill>
+          <a:blip r:embed="rId2">
+            <a:extLst>
+              <a:ext uri="{28A0092B-C50C-407E-A947-70E740481C1C}">
+                <a14:useLocalDpi xmlns:a14="http://schemas.microsoft.com/office/drawing/2010/main" val="0"/>
+              </a:ext>
+            </a:extLst>
+          </a:blip>
+          <a:stretch>
+            <a:fillRect/>
+          </a:stretch>
+        </p:blipFill>
+        <p:spPr>
+          <a:xfrm>
+            <a:off x="5874256" y="1395449"/>
+            <a:ext cx="5479544" cy="4772506"/>
+          </a:xfrm>
+          <a:prstGeom prst="rect">
+            <a:avLst/>
+          </a:prstGeom>
+        </p:spPr>
+      </p:pic>
+      <p:sp>
+        <p:nvSpPr>
+          <p:cNvPr id="5" name="文字方塊 4">
+            <a:extLst>
+              <a:ext uri="{FF2B5EF4-FFF2-40B4-BE49-F238E27FC236}">
+                <a16:creationId xmlns:a16="http://schemas.microsoft.com/office/drawing/2014/main" id="{7B731A36-E433-053C-5725-1B609C74DD8B}"/>
+              </a:ext>
+            </a:extLst>
+          </p:cNvPr>
+          <p:cNvSpPr txBox="1"/>
+          <p:nvPr/>
+        </p:nvSpPr>
+        <p:spPr>
+          <a:xfrm>
+            <a:off x="1266091" y="2581373"/>
+            <a:ext cx="4571843" cy="1200329"/>
+          </a:xfrm>
+          <a:prstGeom prst="rect">
+            <a:avLst/>
+          </a:prstGeom>
+          <a:noFill/>
+        </p:spPr>
+        <p:txBody>
+          <a:bodyPr wrap="square" rtlCol="0">
+            <a:spAutoFit/>
+          </a:bodyPr>
+          <a:lstStyle/>
+          <a:p>
+            <a:r>
+              <a:rPr lang="en-US" altLang="zh-TW" dirty="0"/>
+              <a:t>AI</a:t>
+            </a:r>
+            <a:r>
+              <a:rPr lang="zh-TW" altLang="en-US" dirty="0"/>
+              <a:t>自動生成圖片，輸入文字</a:t>
+            </a:r>
+            <a:r>
+              <a:rPr lang="en-US" altLang="zh-TW" dirty="0"/>
+              <a:t>AI</a:t>
+            </a:r>
+            <a:r>
+              <a:rPr lang="zh-TW" altLang="en-US" dirty="0"/>
+              <a:t>就會以你描述的文字生成圖片</a:t>
+            </a:r>
+            <a:endParaRPr lang="en-US" altLang="zh-TW" dirty="0"/>
+          </a:p>
+          <a:p>
+            <a:endParaRPr lang="en-US" altLang="zh-TW" dirty="0"/>
+          </a:p>
+          <a:p>
+            <a:r>
+              <a:rPr lang="zh-TW" altLang="en-US" dirty="0"/>
+              <a:t>範例</a:t>
+            </a:r>
+            <a:r>
+              <a:rPr lang="en-US" altLang="zh-TW" dirty="0"/>
+              <a:t>:</a:t>
+            </a:r>
+            <a:r>
+              <a:rPr lang="zh-TW" altLang="en-US" dirty="0"/>
+              <a:t>天空奔跑的火雞在打籃球</a:t>
+            </a:r>
+          </a:p>
+        </p:txBody>
+      </p:sp>
+    </p:spTree>
+    <p:extLst>
+      <p:ext uri="{BB962C8B-B14F-4D97-AF65-F5344CB8AC3E}">
+        <p14:creationId xmlns:p14="http://schemas.microsoft.com/office/powerpoint/2010/main" val="244602076"/>
+      </p:ext>
+    </p:extLst>
+  </p:cSld>
+  <p:clrMapOvr>
+    <a:masterClrMapping/>
+  </p:clrMapOvr>
+</p:sld>
+</file>
+
+<file path=ppt/slides/slide32.xml><?xml version="1.0" encoding="utf-8"?>
+<p:sld xmlns:a="http://schemas.openxmlformats.org/drawingml/2006/main" xmlns:r="http://schemas.openxmlformats.org/officeDocument/2006/relationships" xmlns:p="http://schemas.openxmlformats.org/presentationml/2006/main">
+  <p:cSld>
+    <p:spTree>
+      <p:nvGrpSpPr>
+        <p:cNvPr id="1" name=""/>
+        <p:cNvGrpSpPr/>
+        <p:nvPr/>
+      </p:nvGrpSpPr>
+      <p:grpSpPr>
+        <a:xfrm>
+          <a:off x="0" y="0"/>
+          <a:ext cx="0" cy="0"/>
+          <a:chOff x="0" y="0"/>
+          <a:chExt cx="0" cy="0"/>
+        </a:xfrm>
+      </p:grpSpPr>
+      <p:sp>
+        <p:nvSpPr>
+          <p:cNvPr id="2" name="標題 1">
+            <a:extLst>
+              <a:ext uri="{FF2B5EF4-FFF2-40B4-BE49-F238E27FC236}">
+                <a16:creationId xmlns:a16="http://schemas.microsoft.com/office/drawing/2014/main" id="{BE626630-0A4F-0435-BDE6-DAD55A6DDDE0}"/>
+              </a:ext>
+            </a:extLst>
+          </p:cNvPr>
+          <p:cNvSpPr>
+            <a:spLocks noGrp="1"/>
+          </p:cNvSpPr>
+          <p:nvPr>
+            <p:ph type="title"/>
+          </p:nvPr>
+        </p:nvSpPr>
+        <p:spPr/>
+        <p:txBody>
+          <a:bodyPr/>
+          <a:lstStyle/>
+          <a:p>
+            <a:r>
+              <a:rPr lang="en-US" altLang="zh-TW" dirty="0"/>
+              <a:t>Bing Image creator</a:t>
+            </a:r>
+            <a:endParaRPr lang="zh-TW" altLang="en-US" dirty="0"/>
+          </a:p>
+        </p:txBody>
+      </p:sp>
+      <p:sp>
+        <p:nvSpPr>
+          <p:cNvPr id="5" name="文字方塊 4">
+            <a:extLst>
+              <a:ext uri="{FF2B5EF4-FFF2-40B4-BE49-F238E27FC236}">
+                <a16:creationId xmlns:a16="http://schemas.microsoft.com/office/drawing/2014/main" id="{7B731A36-E433-053C-5725-1B609C74DD8B}"/>
+              </a:ext>
+            </a:extLst>
+          </p:cNvPr>
+          <p:cNvSpPr txBox="1"/>
+          <p:nvPr/>
+        </p:nvSpPr>
+        <p:spPr>
+          <a:xfrm>
+            <a:off x="838200" y="2581373"/>
+            <a:ext cx="4571843" cy="923330"/>
+          </a:xfrm>
+          <a:prstGeom prst="rect">
+            <a:avLst/>
+          </a:prstGeom>
+          <a:noFill/>
+        </p:spPr>
+        <p:txBody>
+          <a:bodyPr wrap="square" rtlCol="0">
+            <a:spAutoFit/>
+          </a:bodyPr>
+          <a:lstStyle/>
+          <a:p>
+            <a:r>
+              <a:rPr lang="zh-TW" altLang="en-US" dirty="0"/>
+              <a:t>也可以幫你製作</a:t>
+            </a:r>
+            <a:r>
+              <a:rPr lang="en-US" altLang="zh-TW" dirty="0"/>
+              <a:t>LOGO</a:t>
+            </a:r>
+          </a:p>
+          <a:p>
+            <a:endParaRPr lang="en-US" altLang="zh-TW" dirty="0"/>
+          </a:p>
+          <a:p>
+            <a:r>
+              <a:rPr lang="zh-TW" altLang="en-US" dirty="0"/>
+              <a:t>範例</a:t>
+            </a:r>
+            <a:r>
+              <a:rPr lang="en-US" altLang="zh-TW" dirty="0"/>
+              <a:t>:</a:t>
+            </a:r>
+            <a:r>
+              <a:rPr lang="zh-TW" altLang="en-US" dirty="0"/>
+              <a:t>輸入桃園市立動物園的</a:t>
+            </a:r>
+            <a:r>
+              <a:rPr lang="en-US" altLang="zh-TW" dirty="0"/>
+              <a:t>LOGO</a:t>
+            </a:r>
+            <a:endParaRPr lang="zh-TW" altLang="en-US" dirty="0"/>
+          </a:p>
+        </p:txBody>
+      </p:sp>
+      <p:pic>
+        <p:nvPicPr>
+          <p:cNvPr id="6" name="圖片 5">
+            <a:extLst>
+              <a:ext uri="{FF2B5EF4-FFF2-40B4-BE49-F238E27FC236}">
+                <a16:creationId xmlns:a16="http://schemas.microsoft.com/office/drawing/2014/main" id="{550D8E6E-326E-D3DE-BB58-65C996CE4041}"/>
+              </a:ext>
+            </a:extLst>
+          </p:cNvPr>
+          <p:cNvPicPr>
+            <a:picLocks noChangeAspect="1"/>
+          </p:cNvPicPr>
+          <p:nvPr/>
+        </p:nvPicPr>
+        <p:blipFill>
+          <a:blip r:embed="rId2">
+            <a:extLst>
+              <a:ext uri="{28A0092B-C50C-407E-A947-70E740481C1C}">
+                <a14:useLocalDpi xmlns:a14="http://schemas.microsoft.com/office/drawing/2010/main" val="0"/>
+              </a:ext>
+            </a:extLst>
+          </a:blip>
+          <a:stretch>
+            <a:fillRect/>
+          </a:stretch>
+        </p:blipFill>
+        <p:spPr>
+          <a:xfrm>
+            <a:off x="6449589" y="1426864"/>
+            <a:ext cx="4689531" cy="4548973"/>
+          </a:xfrm>
+          <a:prstGeom prst="rect">
+            <a:avLst/>
+          </a:prstGeom>
+        </p:spPr>
+      </p:pic>
+    </p:spTree>
+    <p:extLst>
+      <p:ext uri="{BB962C8B-B14F-4D97-AF65-F5344CB8AC3E}">
+        <p14:creationId xmlns:p14="http://schemas.microsoft.com/office/powerpoint/2010/main" val="1355322460"/>
+      </p:ext>
+    </p:extLst>
+  </p:cSld>
+  <p:clrMapOvr>
+    <a:masterClrMapping/>
+  </p:clrMapOvr>
+</p:sld>
+</file>
+
+<file path=ppt/slides/slide33.xml><?xml version="1.0" encoding="utf-8"?>
+<p:sld xmlns:a="http://schemas.openxmlformats.org/drawingml/2006/main" xmlns:r="http://schemas.openxmlformats.org/officeDocument/2006/relationships" xmlns:p="http://schemas.openxmlformats.org/presentationml/2006/main">
+  <p:cSld>
+    <p:spTree>
+      <p:nvGrpSpPr>
+        <p:cNvPr id="1" name=""/>
+        <p:cNvGrpSpPr/>
+        <p:nvPr/>
+      </p:nvGrpSpPr>
+      <p:grpSpPr>
+        <a:xfrm>
+          <a:off x="0" y="0"/>
+          <a:ext cx="0" cy="0"/>
+          <a:chOff x="0" y="0"/>
+          <a:chExt cx="0" cy="0"/>
+        </a:xfrm>
+      </p:grpSpPr>
+      <p:sp>
+        <p:nvSpPr>
+          <p:cNvPr id="2" name="標題 1">
+            <a:extLst>
+              <a:ext uri="{FF2B5EF4-FFF2-40B4-BE49-F238E27FC236}">
+                <a16:creationId xmlns:a16="http://schemas.microsoft.com/office/drawing/2014/main" id="{1F56C77D-2B7D-4936-844C-23CAC4034F55}"/>
+              </a:ext>
+            </a:extLst>
+          </p:cNvPr>
+          <p:cNvSpPr>
+            <a:spLocks noGrp="1"/>
+          </p:cNvSpPr>
+          <p:nvPr>
+            <p:ph type="title"/>
+          </p:nvPr>
+        </p:nvSpPr>
+        <p:spPr>
+          <a:xfrm>
+            <a:off x="838200" y="2766218"/>
+            <a:ext cx="10515600" cy="1325563"/>
+          </a:xfrm>
+        </p:spPr>
+        <p:txBody>
+          <a:bodyPr>
+            <a:normAutofit/>
+          </a:bodyPr>
+          <a:lstStyle/>
+          <a:p>
+            <a:pPr algn="ctr"/>
+            <a:r>
+              <a:rPr lang="zh-TW" altLang="en-US" sz="7200" dirty="0"/>
+              <a:t>論文應用</a:t>
+            </a:r>
+          </a:p>
+        </p:txBody>
+      </p:sp>
+    </p:spTree>
+    <p:extLst>
+      <p:ext uri="{BB962C8B-B14F-4D97-AF65-F5344CB8AC3E}">
+        <p14:creationId xmlns:p14="http://schemas.microsoft.com/office/powerpoint/2010/main" val="2063248388"/>
+      </p:ext>
+    </p:extLst>
+  </p:cSld>
+  <p:clrMapOvr>
+    <a:masterClrMapping/>
+  </p:clrMapOvr>
+</p:sld>
+</file>
+
+<file path=ppt/slides/slide34.xml><?xml version="1.0" encoding="utf-8"?>
+<p:sld xmlns:a="http://schemas.openxmlformats.org/drawingml/2006/main" xmlns:r="http://schemas.openxmlformats.org/officeDocument/2006/relationships" xmlns:p="http://schemas.openxmlformats.org/presentationml/2006/main">
+  <p:cSld>
+    <p:spTree>
+      <p:nvGrpSpPr>
+        <p:cNvPr id="1" name=""/>
+        <p:cNvGrpSpPr/>
+        <p:nvPr/>
+      </p:nvGrpSpPr>
+      <p:grpSpPr>
+        <a:xfrm>
+          <a:off x="0" y="0"/>
+          <a:ext cx="0" cy="0"/>
+          <a:chOff x="0" y="0"/>
+          <a:chExt cx="0" cy="0"/>
+        </a:xfrm>
+      </p:grpSpPr>
+      <p:sp>
+        <p:nvSpPr>
+          <p:cNvPr id="2" name="標題 1">
+            <a:extLst>
+              <a:ext uri="{FF2B5EF4-FFF2-40B4-BE49-F238E27FC236}">
                 <a16:creationId xmlns:a16="http://schemas.microsoft.com/office/drawing/2014/main" id="{BE626630-0A4F-0435-BDE6-DAD55A6DDDE0}"/>
               </a:ext>
             </a:extLst>
@@ -8893,7 +11294,7 @@
     </p:spTree>
     <p:extLst>
       <p:ext uri="{BB962C8B-B14F-4D97-AF65-F5344CB8AC3E}">
-        <p14:creationId xmlns:p14="http://schemas.microsoft.com/office/powerpoint/2010/main" val="2011681175"/>
+        <p14:creationId xmlns:p14="http://schemas.microsoft.com/office/powerpoint/2010/main" val="173773909"/>
       </p:ext>
     </p:extLst>
   </p:cSld>
@@ -8903,7 +11304,7 @@
 </p:sld>
 </file>
 
-<file path=ppt/slides/slide22.xml><?xml version="1.0" encoding="utf-8"?>
+<file path=ppt/slides/slide35.xml><?xml version="1.0" encoding="utf-8"?>
 <p:sld xmlns:a="http://schemas.openxmlformats.org/drawingml/2006/main" xmlns:r="http://schemas.openxmlformats.org/officeDocument/2006/relationships" xmlns:p="http://schemas.openxmlformats.org/presentationml/2006/main">
   <p:cSld>
     <p:spTree>
@@ -9084,7 +11485,7 @@
 </p:sld>
 </file>
 
-<file path=ppt/slides/slide23.xml><?xml version="1.0" encoding="utf-8"?>
+<file path=ppt/slides/slide36.xml><?xml version="1.0" encoding="utf-8"?>
 <p:sld xmlns:a="http://schemas.openxmlformats.org/drawingml/2006/main" xmlns:r="http://schemas.openxmlformats.org/officeDocument/2006/relationships" xmlns:p="http://schemas.openxmlformats.org/presentationml/2006/main">
   <p:cSld>
     <p:spTree>
@@ -9132,7 +11533,7 @@
             <a:pPr algn="ctr"/>
             <a:r>
               <a:rPr lang="zh-TW" altLang="en-US" sz="7200" dirty="0"/>
-              <a:t>實際應用案例</a:t>
+              <a:t>很方便卻也很危險！</a:t>
             </a:r>
           </a:p>
         </p:txBody>
@@ -9150,7 +11551,7 @@
 </p:sld>
 </file>
 
-<file path=ppt/slides/slide24.xml><?xml version="1.0" encoding="utf-8"?>
+<file path=ppt/slides/slide37.xml><?xml version="1.0" encoding="utf-8"?>
 <p:sld xmlns:a="http://schemas.openxmlformats.org/drawingml/2006/main" xmlns:r="http://schemas.openxmlformats.org/officeDocument/2006/relationships" xmlns:p="http://schemas.openxmlformats.org/presentationml/2006/main">
   <p:cSld>
     <p:spTree>
@@ -9172,7 +11573,7 @@
           <p:cNvPr id="2" name="標題 1">
             <a:extLst>
               <a:ext uri="{FF2B5EF4-FFF2-40B4-BE49-F238E27FC236}">
-                <a16:creationId xmlns:a16="http://schemas.microsoft.com/office/drawing/2014/main" id="{1F56C77D-2B7D-4936-844C-23CAC4034F55}"/>
+                <a16:creationId xmlns:a16="http://schemas.microsoft.com/office/drawing/2014/main" id="{F74DE14A-2DD3-6FE8-0F33-334480A17AA5}"/>
               </a:ext>
             </a:extLst>
           </p:cNvPr>
@@ -9183,22 +11584,224 @@
             <p:ph type="title"/>
           </p:nvPr>
         </p:nvSpPr>
-        <p:spPr>
-          <a:xfrm>
-            <a:off x="838200" y="2766218"/>
-            <a:ext cx="10515600" cy="1325563"/>
-          </a:xfrm>
-        </p:spPr>
+        <p:spPr/>
+        <p:txBody>
+          <a:bodyPr>
+            <a:normAutofit fontScale="90000"/>
+          </a:bodyPr>
+          <a:lstStyle/>
+          <a:p>
+            <a:r>
+              <a:rPr lang="zh-TW" altLang="en-US" dirty="0"/>
+              <a:t>義大利開全球第一槍，下令禁止使用</a:t>
+            </a:r>
+            <a:r>
+              <a:rPr lang="en-US" altLang="zh-TW" dirty="0"/>
+              <a:t>ChatGPT</a:t>
+            </a:r>
+            <a:br>
+              <a:rPr lang="en-US" altLang="zh-TW" dirty="0"/>
+            </a:br>
+            <a:endParaRPr lang="zh-TW" altLang="en-US" dirty="0"/>
+          </a:p>
+        </p:txBody>
+      </p:sp>
+      <p:sp>
+        <p:nvSpPr>
+          <p:cNvPr id="3" name="內容版面配置區 2">
+            <a:extLst>
+              <a:ext uri="{FF2B5EF4-FFF2-40B4-BE49-F238E27FC236}">
+                <a16:creationId xmlns:a16="http://schemas.microsoft.com/office/drawing/2014/main" id="{7853059A-974D-16DF-2F00-77DEB684B408}"/>
+              </a:ext>
+            </a:extLst>
+          </p:cNvPr>
+          <p:cNvSpPr>
+            <a:spLocks noGrp="1"/>
+          </p:cNvSpPr>
+          <p:nvPr>
+            <p:ph idx="1"/>
+          </p:nvPr>
+        </p:nvSpPr>
+        <p:spPr/>
         <p:txBody>
           <a:bodyPr>
             <a:normAutofit/>
           </a:bodyPr>
           <a:lstStyle/>
           <a:p>
-            <a:pPr algn="ctr"/>
-            <a:r>
-              <a:rPr lang="zh-TW" altLang="en-US" sz="7200" dirty="0"/>
-              <a:t>問答時間</a:t>
+            <a:r>
+              <a:rPr lang="en-US" altLang="zh-TW" b="0" i="0" dirty="0">
+                <a:solidFill>
+                  <a:srgbClr val="171717"/>
+                </a:solidFill>
+                <a:effectLst/>
+                <a:latin typeface="system-ui"/>
+              </a:rPr>
+              <a:t>OpenAI</a:t>
+            </a:r>
+            <a:r>
+              <a:rPr lang="zh-TW" altLang="en-US" b="0" i="0" dirty="0">
+                <a:solidFill>
+                  <a:srgbClr val="171717"/>
+                </a:solidFill>
+                <a:effectLst/>
+                <a:latin typeface="system-ui"/>
+              </a:rPr>
+              <a:t>大量的收集和儲存個人數據，來訓練聊天機器人的行為，而且缺乏任何法律根據。</a:t>
+            </a:r>
+            <a:endParaRPr lang="en-US" altLang="zh-TW" b="0" i="0" dirty="0">
+              <a:solidFill>
+                <a:srgbClr val="171717"/>
+              </a:solidFill>
+              <a:effectLst/>
+              <a:latin typeface="system-ui"/>
+            </a:endParaRPr>
+          </a:p>
+          <a:p>
+            <a:r>
+              <a:rPr lang="en-US" altLang="zh-TW" b="0" i="0" dirty="0">
+                <a:solidFill>
+                  <a:srgbClr val="171717"/>
+                </a:solidFill>
+                <a:effectLst/>
+                <a:latin typeface="system-ui"/>
+              </a:rPr>
+              <a:t>ChatGPT</a:t>
+            </a:r>
+            <a:r>
+              <a:rPr lang="zh-TW" altLang="en-US" b="0" i="0" dirty="0">
+                <a:solidFill>
+                  <a:srgbClr val="171717"/>
+                </a:solidFill>
+                <a:effectLst/>
+                <a:latin typeface="system-ui"/>
+              </a:rPr>
+              <a:t>在今年</a:t>
+            </a:r>
+            <a:r>
+              <a:rPr lang="en-US" altLang="zh-TW" b="0" i="0" dirty="0">
+                <a:solidFill>
+                  <a:srgbClr val="171717"/>
+                </a:solidFill>
+                <a:effectLst/>
+                <a:latin typeface="system-ui"/>
+              </a:rPr>
+              <a:t>3</a:t>
+            </a:r>
+            <a:r>
+              <a:rPr lang="zh-TW" altLang="en-US" b="0" i="0" dirty="0">
+                <a:solidFill>
+                  <a:srgbClr val="171717"/>
+                </a:solidFill>
+                <a:effectLst/>
+                <a:latin typeface="system-ui"/>
+              </a:rPr>
+              <a:t>月</a:t>
+            </a:r>
+            <a:r>
+              <a:rPr lang="en-US" altLang="zh-TW" b="0" i="0" dirty="0">
+                <a:solidFill>
+                  <a:srgbClr val="171717"/>
+                </a:solidFill>
+                <a:effectLst/>
+                <a:latin typeface="system-ui"/>
+              </a:rPr>
+              <a:t>20</a:t>
+            </a:r>
+            <a:r>
+              <a:rPr lang="zh-TW" altLang="en-US" b="0" i="0" dirty="0">
+                <a:solidFill>
+                  <a:srgbClr val="171717"/>
+                </a:solidFill>
+                <a:effectLst/>
+                <a:latin typeface="system-ui"/>
+              </a:rPr>
+              <a:t>日就曾發生資料外洩事件，該次事件持續</a:t>
+            </a:r>
+            <a:r>
+              <a:rPr lang="en-US" altLang="zh-TW" b="0" i="0" dirty="0">
+                <a:solidFill>
+                  <a:srgbClr val="171717"/>
+                </a:solidFill>
+                <a:effectLst/>
+                <a:latin typeface="system-ui"/>
+              </a:rPr>
+              <a:t>9</a:t>
+            </a:r>
+            <a:r>
+              <a:rPr lang="zh-TW" altLang="en-US" b="0" i="0" dirty="0">
+                <a:solidFill>
+                  <a:srgbClr val="171717"/>
+                </a:solidFill>
+                <a:effectLst/>
+                <a:latin typeface="system-ui"/>
+              </a:rPr>
+              <a:t>小時，根據</a:t>
+            </a:r>
+            <a:r>
+              <a:rPr lang="en-US" altLang="zh-TW" b="0" i="0" dirty="0">
+                <a:solidFill>
+                  <a:srgbClr val="171717"/>
+                </a:solidFill>
+                <a:effectLst/>
+                <a:latin typeface="system-ui"/>
+              </a:rPr>
+              <a:t>OpenAI</a:t>
+            </a:r>
+            <a:r>
+              <a:rPr lang="zh-TW" altLang="en-US" b="0" i="0" dirty="0">
+                <a:solidFill>
+                  <a:srgbClr val="171717"/>
+                </a:solidFill>
+                <a:effectLst/>
+                <a:latin typeface="system-ui"/>
+              </a:rPr>
+              <a:t>向受影響用戶發出的電子郵件，顯示「用戶姓名、帳單地址、信用卡末四碼卡號、種類和到期日」都被外洩。</a:t>
+            </a:r>
+            <a:endParaRPr lang="en-US" altLang="zh-TW" b="0" i="0" dirty="0">
+              <a:solidFill>
+                <a:srgbClr val="171717"/>
+              </a:solidFill>
+              <a:effectLst/>
+              <a:latin typeface="system-ui"/>
+            </a:endParaRPr>
+          </a:p>
+          <a:p>
+            <a:r>
+              <a:rPr lang="zh-TW" altLang="en-US" b="1" i="0" dirty="0">
+                <a:solidFill>
+                  <a:srgbClr val="000000"/>
+                </a:solidFill>
+                <a:effectLst/>
+                <a:latin typeface="noto serif tc"/>
+              </a:rPr>
+              <a:t>紐約、香港學校禁用</a:t>
+            </a:r>
+            <a:r>
+              <a:rPr lang="en-US" altLang="zh-TW" b="1" i="0" dirty="0">
+                <a:solidFill>
+                  <a:srgbClr val="000000"/>
+                </a:solidFill>
+                <a:effectLst/>
+                <a:latin typeface="noto serif tc"/>
+              </a:rPr>
+              <a:t>ChatGPT</a:t>
+            </a:r>
+          </a:p>
+          <a:p>
+            <a:r>
+              <a:rPr lang="zh-TW" altLang="en-US" b="1" i="0" dirty="0">
+                <a:effectLst/>
+                <a:latin typeface="Noto Serif TC"/>
+              </a:rPr>
+              <a:t>蘋果、三星、亞馬遜等世界五百強企業禁用</a:t>
+            </a:r>
+            <a:r>
+              <a:rPr lang="en-US" altLang="zh-TW" b="1" i="0" dirty="0">
+                <a:effectLst/>
+                <a:latin typeface="Noto Serif TC"/>
+              </a:rPr>
+              <a:t>ChatGPT</a:t>
             </a:r>
           </a:p>
         </p:txBody>
@@ -9206,7 +11809,7 @@
     </p:spTree>
     <p:extLst>
       <p:ext uri="{BB962C8B-B14F-4D97-AF65-F5344CB8AC3E}">
-        <p14:creationId xmlns:p14="http://schemas.microsoft.com/office/powerpoint/2010/main" val="3653390346"/>
+        <p14:creationId xmlns:p14="http://schemas.microsoft.com/office/powerpoint/2010/main" val="1093455282"/>
       </p:ext>
     </p:extLst>
   </p:cSld>
@@ -9216,7 +11819,7 @@
 </p:sld>
 </file>
 
-<file path=ppt/slides/slide25.xml><?xml version="1.0" encoding="utf-8"?>
+<file path=ppt/slides/slide38.xml><?xml version="1.0" encoding="utf-8"?>
 <p:sld xmlns:a="http://schemas.openxmlformats.org/drawingml/2006/main" xmlns:r="http://schemas.openxmlformats.org/officeDocument/2006/relationships" xmlns:p="http://schemas.openxmlformats.org/presentationml/2006/main">
   <p:cSld>
     <p:spTree>
@@ -9238,7 +11841,7 @@
           <p:cNvPr id="2" name="標題 1">
             <a:extLst>
               <a:ext uri="{FF2B5EF4-FFF2-40B4-BE49-F238E27FC236}">
-                <a16:creationId xmlns:a16="http://schemas.microsoft.com/office/drawing/2014/main" id="{1F56C77D-2B7D-4936-844C-23CAC4034F55}"/>
+                <a16:creationId xmlns:a16="http://schemas.microsoft.com/office/drawing/2014/main" id="{D9478436-620E-D29B-C304-D2849DC082EB}"/>
               </a:ext>
             </a:extLst>
           </p:cNvPr>
@@ -9249,37 +11852,44 @@
             <p:ph type="title"/>
           </p:nvPr>
         </p:nvSpPr>
-        <p:spPr>
-          <a:xfrm>
-            <a:off x="838200" y="2766218"/>
-            <a:ext cx="10515600" cy="1325563"/>
-          </a:xfrm>
-        </p:spPr>
-        <p:txBody>
-          <a:bodyPr>
-            <a:normAutofit/>
-          </a:bodyPr>
+        <p:spPr/>
+        <p:txBody>
+          <a:bodyPr/>
           <a:lstStyle/>
           <a:p>
-            <a:pPr marL="0" indent="0" algn="ctr">
-              <a:buNone/>
-            </a:pPr>
-            <a:r>
-              <a:rPr lang="zh-TW" altLang="en-US" sz="7200" dirty="0"/>
-              <a:t>去問</a:t>
-            </a:r>
-            <a:r>
-              <a:rPr lang="en-US" altLang="zh-TW" sz="7200" dirty="0"/>
-              <a:t>ChatGPT</a:t>
-            </a:r>
-            <a:endParaRPr lang="zh-TW" altLang="en-US" sz="7200" dirty="0"/>
+            <a:endParaRPr lang="zh-TW" altLang="en-US"/>
+          </a:p>
+        </p:txBody>
+      </p:sp>
+      <p:sp>
+        <p:nvSpPr>
+          <p:cNvPr id="3" name="內容版面配置區 2">
+            <a:extLst>
+              <a:ext uri="{FF2B5EF4-FFF2-40B4-BE49-F238E27FC236}">
+                <a16:creationId xmlns:a16="http://schemas.microsoft.com/office/drawing/2014/main" id="{60D69F62-397D-8E64-6B48-8906E691F0B9}"/>
+              </a:ext>
+            </a:extLst>
+          </p:cNvPr>
+          <p:cNvSpPr>
+            <a:spLocks noGrp="1"/>
+          </p:cNvSpPr>
+          <p:nvPr>
+            <p:ph idx="1"/>
+          </p:nvPr>
+        </p:nvSpPr>
+        <p:spPr/>
+        <p:txBody>
+          <a:bodyPr/>
+          <a:lstStyle/>
+          <a:p>
+            <a:endParaRPr lang="zh-TW" altLang="en-US"/>
           </a:p>
         </p:txBody>
       </p:sp>
     </p:spTree>
     <p:extLst>
       <p:ext uri="{BB962C8B-B14F-4D97-AF65-F5344CB8AC3E}">
-        <p14:creationId xmlns:p14="http://schemas.microsoft.com/office/powerpoint/2010/main" val="2147900961"/>
+        <p14:creationId xmlns:p14="http://schemas.microsoft.com/office/powerpoint/2010/main" val="3305309728"/>
       </p:ext>
     </p:extLst>
   </p:cSld>
@@ -9289,7 +11899,7 @@
 </p:sld>
 </file>
 
-<file path=ppt/slides/slide3.xml><?xml version="1.0" encoding="utf-8"?>
+<file path=ppt/slides/slide39.xml><?xml version="1.0" encoding="utf-8"?>
 <p:sld xmlns:a="http://schemas.openxmlformats.org/drawingml/2006/main" xmlns:r="http://schemas.openxmlformats.org/officeDocument/2006/relationships" xmlns:p="http://schemas.openxmlformats.org/presentationml/2006/main">
   <p:cSld>
     <p:spTree>
@@ -9311,7 +11921,7 @@
           <p:cNvPr id="2" name="標題 1">
             <a:extLst>
               <a:ext uri="{FF2B5EF4-FFF2-40B4-BE49-F238E27FC236}">
-                <a16:creationId xmlns:a16="http://schemas.microsoft.com/office/drawing/2014/main" id="{647E4EC3-7652-8A14-929C-EC00CB713FF8}"/>
+                <a16:creationId xmlns:a16="http://schemas.microsoft.com/office/drawing/2014/main" id="{1F56C77D-2B7D-4936-844C-23CAC4034F55}"/>
               </a:ext>
             </a:extLst>
           </p:cNvPr>
@@ -9322,227 +11932,22 @@
             <p:ph type="title"/>
           </p:nvPr>
         </p:nvSpPr>
-        <p:spPr/>
-        <p:txBody>
-          <a:bodyPr/>
-          <a:lstStyle/>
-          <a:p>
-            <a:r>
-              <a:rPr lang="zh-TW" altLang="en-US" dirty="0"/>
-              <a:t>什麼是生成式</a:t>
-            </a:r>
-            <a:r>
-              <a:rPr lang="en-US" altLang="zh-TW" dirty="0"/>
-              <a:t>AI(AI Generated Content</a:t>
-            </a:r>
-            <a:r>
-              <a:rPr lang="zh-TW" altLang="en-US" dirty="0"/>
-              <a:t>，</a:t>
-            </a:r>
-            <a:r>
-              <a:rPr lang="en-US" altLang="zh-TW" dirty="0"/>
-              <a:t>AIGC)</a:t>
-            </a:r>
-            <a:endParaRPr lang="zh-TW" altLang="en-US" dirty="0"/>
-          </a:p>
-        </p:txBody>
-      </p:sp>
-      <p:sp>
-        <p:nvSpPr>
-          <p:cNvPr id="3" name="內容版面配置區 2">
-            <a:extLst>
-              <a:ext uri="{FF2B5EF4-FFF2-40B4-BE49-F238E27FC236}">
-                <a16:creationId xmlns:a16="http://schemas.microsoft.com/office/drawing/2014/main" id="{DBA37D3F-0946-9AF1-0E91-64C482A54FB8}"/>
-              </a:ext>
-            </a:extLst>
-          </p:cNvPr>
-          <p:cNvSpPr>
-            <a:spLocks noGrp="1"/>
-          </p:cNvSpPr>
-          <p:nvPr>
-            <p:ph idx="1"/>
-          </p:nvPr>
-        </p:nvSpPr>
-        <p:spPr/>
+        <p:spPr>
+          <a:xfrm>
+            <a:off x="838200" y="2766218"/>
+            <a:ext cx="10515600" cy="1325563"/>
+          </a:xfrm>
+        </p:spPr>
         <p:txBody>
           <a:bodyPr>
-            <a:normAutofit lnSpcReduction="10000"/>
+            <a:normAutofit/>
           </a:bodyPr>
           <a:lstStyle/>
           <a:p>
-            <a:r>
-              <a:rPr lang="en-US" altLang="zh-TW" dirty="0"/>
-              <a:t>“</a:t>
-            </a:r>
-            <a:r>
-              <a:rPr lang="zh-TW" altLang="en-US" dirty="0"/>
-              <a:t>專門用於生成新的數據，能夠創建與訓練數據相似的獨立新數據</a:t>
-            </a:r>
-            <a:r>
-              <a:rPr lang="en-US" altLang="zh-TW" dirty="0"/>
-              <a:t>”</a:t>
-            </a:r>
-          </a:p>
-          <a:p>
-            <a:r>
-              <a:rPr lang="zh-TW" altLang="en-US" dirty="0"/>
-              <a:t>例如</a:t>
-            </a:r>
-            <a:r>
-              <a:rPr lang="en-US" altLang="zh-TW" dirty="0"/>
-              <a:t>:</a:t>
-            </a:r>
-          </a:p>
-          <a:p>
-            <a:pPr marL="514350" indent="-514350">
-              <a:buFont typeface="+mj-lt"/>
-              <a:buAutoNum type="arabicPeriod"/>
-            </a:pPr>
-            <a:r>
-              <a:rPr lang="zh-TW" altLang="en-US" dirty="0"/>
-              <a:t>文字生成</a:t>
-            </a:r>
-            <a:r>
-              <a:rPr lang="en-US" altLang="zh-TW" dirty="0"/>
-              <a:t>(</a:t>
-            </a:r>
-            <a:r>
-              <a:rPr lang="zh-TW" altLang="en-US" dirty="0"/>
-              <a:t>自然語言處理，</a:t>
-            </a:r>
-            <a:r>
-              <a:rPr lang="en-US" altLang="zh-TW" dirty="0" err="1"/>
-              <a:t>ex:ChatGPT</a:t>
-            </a:r>
-            <a:r>
-              <a:rPr lang="en-US" altLang="zh-TW" dirty="0"/>
-              <a:t>)</a:t>
-            </a:r>
-          </a:p>
-          <a:p>
-            <a:pPr marL="514350" indent="-514350">
-              <a:buFont typeface="+mj-lt"/>
-              <a:buAutoNum type="arabicPeriod"/>
-            </a:pPr>
-            <a:r>
-              <a:rPr lang="zh-TW" altLang="en-US" dirty="0"/>
-              <a:t>圖片生成</a:t>
-            </a:r>
-            <a:r>
-              <a:rPr lang="en-US" altLang="zh-TW" dirty="0"/>
-              <a:t>(</a:t>
-            </a:r>
-            <a:r>
-              <a:rPr lang="zh-TW" altLang="en-US" dirty="0"/>
-              <a:t>生成對抗網路，</a:t>
-            </a:r>
-            <a:r>
-              <a:rPr lang="en-US" altLang="zh-TW" dirty="0"/>
-              <a:t>ex:</a:t>
-            </a:r>
-            <a:r>
-              <a:rPr lang="zh-TW" altLang="en-US" dirty="0"/>
-              <a:t>人臉生成</a:t>
-            </a:r>
-            <a:r>
-              <a:rPr lang="en-US" altLang="zh-TW" dirty="0"/>
-              <a:t>)</a:t>
-            </a:r>
-          </a:p>
-          <a:p>
-            <a:pPr marL="514350" indent="-514350">
-              <a:buFont typeface="+mj-lt"/>
-              <a:buAutoNum type="arabicPeriod"/>
-            </a:pPr>
-            <a:r>
-              <a:rPr lang="zh-TW" altLang="en-US" dirty="0"/>
-              <a:t>音頻生成</a:t>
-            </a:r>
-            <a:r>
-              <a:rPr lang="en-US" altLang="zh-TW" dirty="0"/>
-              <a:t>(ex:</a:t>
-            </a:r>
-            <a:r>
-              <a:rPr lang="zh-TW" altLang="en-US" dirty="0"/>
-              <a:t>生成音樂、影音剪輯</a:t>
-            </a:r>
-            <a:r>
-              <a:rPr lang="en-US" altLang="zh-TW" dirty="0"/>
-              <a:t>)</a:t>
-            </a:r>
-          </a:p>
-          <a:p>
-            <a:pPr marL="514350" indent="-514350">
-              <a:buFont typeface="+mj-lt"/>
-              <a:buAutoNum type="arabicPeriod"/>
-            </a:pPr>
-            <a:r>
-              <a:rPr lang="zh-TW" altLang="en-US" dirty="0"/>
-              <a:t>數據增強</a:t>
-            </a:r>
-            <a:r>
-              <a:rPr lang="en-US" altLang="zh-TW" dirty="0"/>
-              <a:t>(ex:</a:t>
-            </a:r>
-            <a:r>
-              <a:rPr lang="zh-TW" altLang="en-US" dirty="0"/>
-              <a:t>生成訓練數據，增強</a:t>
-            </a:r>
-            <a:r>
-              <a:rPr lang="en-US" altLang="zh-TW" dirty="0"/>
-              <a:t>AI</a:t>
-            </a:r>
-            <a:r>
-              <a:rPr lang="zh-TW" altLang="en-US" dirty="0"/>
-              <a:t>模型訓練</a:t>
-            </a:r>
-            <a:r>
-              <a:rPr lang="en-US" altLang="zh-TW" dirty="0"/>
-              <a:t>)</a:t>
-            </a:r>
-          </a:p>
-          <a:p>
-            <a:pPr marL="514350" indent="-514350">
-              <a:buFont typeface="+mj-lt"/>
-              <a:buAutoNum type="arabicPeriod"/>
-            </a:pPr>
-            <a:r>
-              <a:rPr lang="zh-TW" altLang="en-US" dirty="0"/>
-              <a:t>設計與創作</a:t>
-            </a:r>
-            <a:r>
-              <a:rPr lang="en-US" altLang="zh-TW" dirty="0"/>
-              <a:t>(ex:</a:t>
-            </a:r>
-            <a:r>
-              <a:rPr lang="zh-TW" altLang="en-US" dirty="0"/>
-              <a:t>產品設計、建築設計</a:t>
-            </a:r>
-            <a:r>
-              <a:rPr lang="en-US" altLang="zh-TW" dirty="0"/>
-              <a:t>)</a:t>
-            </a:r>
-          </a:p>
-          <a:p>
-            <a:pPr marL="514350" indent="-514350">
-              <a:buFont typeface="+mj-lt"/>
-              <a:buAutoNum type="arabicPeriod"/>
-            </a:pPr>
-            <a:r>
-              <a:rPr lang="zh-TW" altLang="en-US" dirty="0"/>
-              <a:t>藥物研發</a:t>
-            </a:r>
-            <a:r>
-              <a:rPr lang="en-US" altLang="zh-TW" dirty="0"/>
-              <a:t>(ex:</a:t>
-            </a:r>
-            <a:r>
-              <a:rPr lang="zh-TW" altLang="en-US" dirty="0"/>
-              <a:t>生成新的分子結構，用於發現新藥物</a:t>
-            </a:r>
-            <a:r>
-              <a:rPr lang="en-US" altLang="zh-TW" dirty="0"/>
-              <a:t>)</a:t>
+            <a:pPr algn="ctr"/>
+            <a:r>
+              <a:rPr lang="zh-TW" altLang="en-US" sz="7200" dirty="0"/>
+              <a:t>實際應用案例</a:t>
             </a:r>
           </a:p>
         </p:txBody>
@@ -9550,7 +11955,7 @@
     </p:spTree>
     <p:extLst>
       <p:ext uri="{BB962C8B-B14F-4D97-AF65-F5344CB8AC3E}">
-        <p14:creationId xmlns:p14="http://schemas.microsoft.com/office/powerpoint/2010/main" val="3446614919"/>
+        <p14:creationId xmlns:p14="http://schemas.microsoft.com/office/powerpoint/2010/main" val="3042708538"/>
       </p:ext>
     </p:extLst>
   </p:cSld>
@@ -9582,6 +11987,521 @@
           <p:cNvPr id="2" name="標題 1">
             <a:extLst>
               <a:ext uri="{FF2B5EF4-FFF2-40B4-BE49-F238E27FC236}">
+                <a16:creationId xmlns:a16="http://schemas.microsoft.com/office/drawing/2014/main" id="{647E4EC3-7652-8A14-929C-EC00CB713FF8}"/>
+              </a:ext>
+            </a:extLst>
+          </p:cNvPr>
+          <p:cNvSpPr>
+            <a:spLocks noGrp="1"/>
+          </p:cNvSpPr>
+          <p:nvPr>
+            <p:ph type="title"/>
+          </p:nvPr>
+        </p:nvSpPr>
+        <p:spPr/>
+        <p:txBody>
+          <a:bodyPr/>
+          <a:lstStyle/>
+          <a:p>
+            <a:r>
+              <a:rPr lang="zh-TW" altLang="en-US" dirty="0"/>
+              <a:t>什麼是生成式</a:t>
+            </a:r>
+            <a:r>
+              <a:rPr lang="en-US" altLang="zh-TW" dirty="0"/>
+              <a:t>AI(AI Generated Content</a:t>
+            </a:r>
+            <a:r>
+              <a:rPr lang="zh-TW" altLang="en-US" dirty="0"/>
+              <a:t>，</a:t>
+            </a:r>
+            <a:r>
+              <a:rPr lang="en-US" altLang="zh-TW" dirty="0"/>
+              <a:t>AIGC)</a:t>
+            </a:r>
+            <a:endParaRPr lang="zh-TW" altLang="en-US" dirty="0"/>
+          </a:p>
+        </p:txBody>
+      </p:sp>
+      <p:sp>
+        <p:nvSpPr>
+          <p:cNvPr id="3" name="內容版面配置區 2">
+            <a:extLst>
+              <a:ext uri="{FF2B5EF4-FFF2-40B4-BE49-F238E27FC236}">
+                <a16:creationId xmlns:a16="http://schemas.microsoft.com/office/drawing/2014/main" id="{DBA37D3F-0946-9AF1-0E91-64C482A54FB8}"/>
+              </a:ext>
+            </a:extLst>
+          </p:cNvPr>
+          <p:cNvSpPr>
+            <a:spLocks noGrp="1"/>
+          </p:cNvSpPr>
+          <p:nvPr>
+            <p:ph idx="1"/>
+          </p:nvPr>
+        </p:nvSpPr>
+        <p:spPr/>
+        <p:txBody>
+          <a:bodyPr>
+            <a:normAutofit/>
+          </a:bodyPr>
+          <a:lstStyle/>
+          <a:p>
+            <a:pPr marL="0" indent="0">
+              <a:buNone/>
+            </a:pPr>
+            <a:r>
+              <a:rPr lang="zh-TW" altLang="en-US" dirty="0"/>
+              <a:t>讓機器學會「創作」</a:t>
+            </a:r>
+            <a:endParaRPr lang="en-US" altLang="zh-TW" dirty="0"/>
+          </a:p>
+        </p:txBody>
+      </p:sp>
+    </p:spTree>
+    <p:extLst>
+      <p:ext uri="{BB962C8B-B14F-4D97-AF65-F5344CB8AC3E}">
+        <p14:creationId xmlns:p14="http://schemas.microsoft.com/office/powerpoint/2010/main" val="3446614919"/>
+      </p:ext>
+    </p:extLst>
+  </p:cSld>
+  <p:clrMapOvr>
+    <a:masterClrMapping/>
+  </p:clrMapOvr>
+</p:sld>
+</file>
+
+<file path=ppt/slides/slide40.xml><?xml version="1.0" encoding="utf-8"?>
+<p:sld xmlns:a="http://schemas.openxmlformats.org/drawingml/2006/main" xmlns:r="http://schemas.openxmlformats.org/officeDocument/2006/relationships" xmlns:p="http://schemas.openxmlformats.org/presentationml/2006/main">
+  <p:cSld>
+    <p:spTree>
+      <p:nvGrpSpPr>
+        <p:cNvPr id="1" name=""/>
+        <p:cNvGrpSpPr/>
+        <p:nvPr/>
+      </p:nvGrpSpPr>
+      <p:grpSpPr>
+        <a:xfrm>
+          <a:off x="0" y="0"/>
+          <a:ext cx="0" cy="0"/>
+          <a:chOff x="0" y="0"/>
+          <a:chExt cx="0" cy="0"/>
+        </a:xfrm>
+      </p:grpSpPr>
+      <p:sp>
+        <p:nvSpPr>
+          <p:cNvPr id="2" name="標題 1">
+            <a:extLst>
+              <a:ext uri="{FF2B5EF4-FFF2-40B4-BE49-F238E27FC236}">
+                <a16:creationId xmlns:a16="http://schemas.microsoft.com/office/drawing/2014/main" id="{1F56C77D-2B7D-4936-844C-23CAC4034F55}"/>
+              </a:ext>
+            </a:extLst>
+          </p:cNvPr>
+          <p:cNvSpPr>
+            <a:spLocks noGrp="1"/>
+          </p:cNvSpPr>
+          <p:nvPr>
+            <p:ph type="title"/>
+          </p:nvPr>
+        </p:nvSpPr>
+        <p:spPr>
+          <a:xfrm>
+            <a:off x="838200" y="2766218"/>
+            <a:ext cx="10515600" cy="1325563"/>
+          </a:xfrm>
+        </p:spPr>
+        <p:txBody>
+          <a:bodyPr>
+            <a:normAutofit/>
+          </a:bodyPr>
+          <a:lstStyle/>
+          <a:p>
+            <a:pPr algn="ctr"/>
+            <a:r>
+              <a:rPr lang="zh-TW" altLang="en-US" sz="7200" dirty="0"/>
+              <a:t>問答時間</a:t>
+            </a:r>
+          </a:p>
+        </p:txBody>
+      </p:sp>
+    </p:spTree>
+    <p:extLst>
+      <p:ext uri="{BB962C8B-B14F-4D97-AF65-F5344CB8AC3E}">
+        <p14:creationId xmlns:p14="http://schemas.microsoft.com/office/powerpoint/2010/main" val="3653390346"/>
+      </p:ext>
+    </p:extLst>
+  </p:cSld>
+  <p:clrMapOvr>
+    <a:masterClrMapping/>
+  </p:clrMapOvr>
+</p:sld>
+</file>
+
+<file path=ppt/slides/slide41.xml><?xml version="1.0" encoding="utf-8"?>
+<p:sld xmlns:a="http://schemas.openxmlformats.org/drawingml/2006/main" xmlns:r="http://schemas.openxmlformats.org/officeDocument/2006/relationships" xmlns:p="http://schemas.openxmlformats.org/presentationml/2006/main">
+  <p:cSld>
+    <p:spTree>
+      <p:nvGrpSpPr>
+        <p:cNvPr id="1" name=""/>
+        <p:cNvGrpSpPr/>
+        <p:nvPr/>
+      </p:nvGrpSpPr>
+      <p:grpSpPr>
+        <a:xfrm>
+          <a:off x="0" y="0"/>
+          <a:ext cx="0" cy="0"/>
+          <a:chOff x="0" y="0"/>
+          <a:chExt cx="0" cy="0"/>
+        </a:xfrm>
+      </p:grpSpPr>
+      <p:sp>
+        <p:nvSpPr>
+          <p:cNvPr id="2" name="標題 1">
+            <a:extLst>
+              <a:ext uri="{FF2B5EF4-FFF2-40B4-BE49-F238E27FC236}">
+                <a16:creationId xmlns:a16="http://schemas.microsoft.com/office/drawing/2014/main" id="{1F56C77D-2B7D-4936-844C-23CAC4034F55}"/>
+              </a:ext>
+            </a:extLst>
+          </p:cNvPr>
+          <p:cNvSpPr>
+            <a:spLocks noGrp="1"/>
+          </p:cNvSpPr>
+          <p:nvPr>
+            <p:ph type="title"/>
+          </p:nvPr>
+        </p:nvSpPr>
+        <p:spPr>
+          <a:xfrm>
+            <a:off x="838200" y="2766218"/>
+            <a:ext cx="10515600" cy="1325563"/>
+          </a:xfrm>
+        </p:spPr>
+        <p:txBody>
+          <a:bodyPr>
+            <a:normAutofit/>
+          </a:bodyPr>
+          <a:lstStyle/>
+          <a:p>
+            <a:pPr marL="0" indent="0" algn="ctr">
+              <a:buNone/>
+            </a:pPr>
+            <a:r>
+              <a:rPr lang="zh-TW" altLang="en-US" sz="7200" dirty="0"/>
+              <a:t>去問</a:t>
+            </a:r>
+            <a:r>
+              <a:rPr lang="en-US" altLang="zh-TW" sz="7200" dirty="0"/>
+              <a:t>ChatGPT</a:t>
+            </a:r>
+            <a:endParaRPr lang="zh-TW" altLang="en-US" sz="7200" dirty="0"/>
+          </a:p>
+        </p:txBody>
+      </p:sp>
+    </p:spTree>
+    <p:extLst>
+      <p:ext uri="{BB962C8B-B14F-4D97-AF65-F5344CB8AC3E}">
+        <p14:creationId xmlns:p14="http://schemas.microsoft.com/office/powerpoint/2010/main" val="2147900961"/>
+      </p:ext>
+    </p:extLst>
+  </p:cSld>
+  <p:clrMapOvr>
+    <a:masterClrMapping/>
+  </p:clrMapOvr>
+</p:sld>
+</file>
+
+<file path=ppt/slides/slide5.xml><?xml version="1.0" encoding="utf-8"?>
+<p:sld xmlns:a="http://schemas.openxmlformats.org/drawingml/2006/main" xmlns:r="http://schemas.openxmlformats.org/officeDocument/2006/relationships" xmlns:p="http://schemas.openxmlformats.org/presentationml/2006/main">
+  <p:cSld>
+    <p:spTree>
+      <p:nvGrpSpPr>
+        <p:cNvPr id="1" name=""/>
+        <p:cNvGrpSpPr/>
+        <p:nvPr/>
+      </p:nvGrpSpPr>
+      <p:grpSpPr>
+        <a:xfrm>
+          <a:off x="0" y="0"/>
+          <a:ext cx="0" cy="0"/>
+          <a:chOff x="0" y="0"/>
+          <a:chExt cx="0" cy="0"/>
+        </a:xfrm>
+      </p:grpSpPr>
+      <p:sp>
+        <p:nvSpPr>
+          <p:cNvPr id="2" name="標題 1">
+            <a:extLst>
+              <a:ext uri="{FF2B5EF4-FFF2-40B4-BE49-F238E27FC236}">
+                <a16:creationId xmlns:a16="http://schemas.microsoft.com/office/drawing/2014/main" id="{647E4EC3-7652-8A14-929C-EC00CB713FF8}"/>
+              </a:ext>
+            </a:extLst>
+          </p:cNvPr>
+          <p:cNvSpPr>
+            <a:spLocks noGrp="1"/>
+          </p:cNvSpPr>
+          <p:nvPr>
+            <p:ph type="title"/>
+          </p:nvPr>
+        </p:nvSpPr>
+        <p:spPr/>
+        <p:txBody>
+          <a:bodyPr/>
+          <a:lstStyle/>
+          <a:p>
+            <a:r>
+              <a:rPr lang="zh-TW" altLang="en-US" dirty="0"/>
+              <a:t>什麼是生成式</a:t>
+            </a:r>
+            <a:r>
+              <a:rPr lang="en-US" altLang="zh-TW" dirty="0"/>
+              <a:t>AI(AI Generated Content</a:t>
+            </a:r>
+            <a:r>
+              <a:rPr lang="zh-TW" altLang="en-US" dirty="0"/>
+              <a:t>，</a:t>
+            </a:r>
+            <a:r>
+              <a:rPr lang="en-US" altLang="zh-TW" dirty="0"/>
+              <a:t>AIGC)</a:t>
+            </a:r>
+            <a:endParaRPr lang="zh-TW" altLang="en-US" dirty="0"/>
+          </a:p>
+        </p:txBody>
+      </p:sp>
+      <p:sp>
+        <p:nvSpPr>
+          <p:cNvPr id="3" name="內容版面配置區 2">
+            <a:extLst>
+              <a:ext uri="{FF2B5EF4-FFF2-40B4-BE49-F238E27FC236}">
+                <a16:creationId xmlns:a16="http://schemas.microsoft.com/office/drawing/2014/main" id="{DBA37D3F-0946-9AF1-0E91-64C482A54FB8}"/>
+              </a:ext>
+            </a:extLst>
+          </p:cNvPr>
+          <p:cNvSpPr>
+            <a:spLocks noGrp="1"/>
+          </p:cNvSpPr>
+          <p:nvPr>
+            <p:ph idx="1"/>
+          </p:nvPr>
+        </p:nvSpPr>
+        <p:spPr/>
+        <p:txBody>
+          <a:bodyPr>
+            <a:normAutofit lnSpcReduction="10000"/>
+          </a:bodyPr>
+          <a:lstStyle/>
+          <a:p>
+            <a:r>
+              <a:rPr lang="en-US" altLang="zh-TW" dirty="0"/>
+              <a:t>“</a:t>
+            </a:r>
+            <a:r>
+              <a:rPr lang="zh-TW" altLang="en-US" dirty="0"/>
+              <a:t>專門用於生成新的數據，能夠創建與訓練數據相似的獨立新數據</a:t>
+            </a:r>
+            <a:r>
+              <a:rPr lang="en-US" altLang="zh-TW" dirty="0"/>
+              <a:t>”</a:t>
+            </a:r>
+          </a:p>
+          <a:p>
+            <a:r>
+              <a:rPr lang="zh-TW" altLang="en-US" dirty="0"/>
+              <a:t>例如</a:t>
+            </a:r>
+            <a:r>
+              <a:rPr lang="en-US" altLang="zh-TW" dirty="0"/>
+              <a:t>:</a:t>
+            </a:r>
+          </a:p>
+          <a:p>
+            <a:pPr marL="514350" indent="-514350">
+              <a:buFont typeface="+mj-lt"/>
+              <a:buAutoNum type="arabicPeriod"/>
+            </a:pPr>
+            <a:r>
+              <a:rPr lang="zh-TW" altLang="en-US" dirty="0"/>
+              <a:t>文字生成</a:t>
+            </a:r>
+            <a:r>
+              <a:rPr lang="en-US" altLang="zh-TW" dirty="0"/>
+              <a:t>(</a:t>
+            </a:r>
+            <a:r>
+              <a:rPr lang="zh-TW" altLang="en-US" dirty="0"/>
+              <a:t>自然語言處理，</a:t>
+            </a:r>
+            <a:r>
+              <a:rPr lang="en-US" altLang="zh-TW" dirty="0" err="1"/>
+              <a:t>ex:ChatGPT</a:t>
+            </a:r>
+            <a:r>
+              <a:rPr lang="en-US" altLang="zh-TW" dirty="0"/>
+              <a:t>)</a:t>
+            </a:r>
+          </a:p>
+          <a:p>
+            <a:pPr marL="514350" indent="-514350">
+              <a:buFont typeface="+mj-lt"/>
+              <a:buAutoNum type="arabicPeriod"/>
+            </a:pPr>
+            <a:r>
+              <a:rPr lang="zh-TW" altLang="en-US" dirty="0"/>
+              <a:t>圖片生成</a:t>
+            </a:r>
+            <a:r>
+              <a:rPr lang="en-US" altLang="zh-TW" dirty="0"/>
+              <a:t>(</a:t>
+            </a:r>
+            <a:r>
+              <a:rPr lang="zh-TW" altLang="en-US" dirty="0"/>
+              <a:t>生成對抗網路，</a:t>
+            </a:r>
+            <a:r>
+              <a:rPr lang="en-US" altLang="zh-TW" dirty="0"/>
+              <a:t>ex:</a:t>
+            </a:r>
+            <a:r>
+              <a:rPr lang="zh-TW" altLang="en-US" dirty="0"/>
+              <a:t>人臉生成</a:t>
+            </a:r>
+            <a:r>
+              <a:rPr lang="en-US" altLang="zh-TW" dirty="0"/>
+              <a:t>)</a:t>
+            </a:r>
+          </a:p>
+          <a:p>
+            <a:pPr marL="514350" indent="-514350">
+              <a:buFont typeface="+mj-lt"/>
+              <a:buAutoNum type="arabicPeriod"/>
+            </a:pPr>
+            <a:r>
+              <a:rPr lang="zh-TW" altLang="en-US" dirty="0"/>
+              <a:t>音頻生成</a:t>
+            </a:r>
+            <a:r>
+              <a:rPr lang="en-US" altLang="zh-TW" dirty="0"/>
+              <a:t>(ex:</a:t>
+            </a:r>
+            <a:r>
+              <a:rPr lang="zh-TW" altLang="en-US" dirty="0"/>
+              <a:t>生成音樂、影音剪輯</a:t>
+            </a:r>
+            <a:r>
+              <a:rPr lang="en-US" altLang="zh-TW" dirty="0"/>
+              <a:t>)</a:t>
+            </a:r>
+          </a:p>
+          <a:p>
+            <a:pPr marL="514350" indent="-514350">
+              <a:buFont typeface="+mj-lt"/>
+              <a:buAutoNum type="arabicPeriod"/>
+            </a:pPr>
+            <a:r>
+              <a:rPr lang="zh-TW" altLang="en-US" dirty="0"/>
+              <a:t>數據增強</a:t>
+            </a:r>
+            <a:r>
+              <a:rPr lang="en-US" altLang="zh-TW" dirty="0"/>
+              <a:t>(ex:</a:t>
+            </a:r>
+            <a:r>
+              <a:rPr lang="zh-TW" altLang="en-US" dirty="0"/>
+              <a:t>生成訓練數據，增強</a:t>
+            </a:r>
+            <a:r>
+              <a:rPr lang="en-US" altLang="zh-TW" dirty="0"/>
+              <a:t>AI</a:t>
+            </a:r>
+            <a:r>
+              <a:rPr lang="zh-TW" altLang="en-US" dirty="0"/>
+              <a:t>模型訓練</a:t>
+            </a:r>
+            <a:r>
+              <a:rPr lang="en-US" altLang="zh-TW" dirty="0"/>
+              <a:t>)</a:t>
+            </a:r>
+          </a:p>
+          <a:p>
+            <a:pPr marL="514350" indent="-514350">
+              <a:buFont typeface="+mj-lt"/>
+              <a:buAutoNum type="arabicPeriod"/>
+            </a:pPr>
+            <a:r>
+              <a:rPr lang="zh-TW" altLang="en-US" dirty="0"/>
+              <a:t>設計與創作</a:t>
+            </a:r>
+            <a:r>
+              <a:rPr lang="en-US" altLang="zh-TW" dirty="0"/>
+              <a:t>(ex:</a:t>
+            </a:r>
+            <a:r>
+              <a:rPr lang="zh-TW" altLang="en-US" dirty="0"/>
+              <a:t>產品設計、建築設計</a:t>
+            </a:r>
+            <a:r>
+              <a:rPr lang="en-US" altLang="zh-TW" dirty="0"/>
+              <a:t>)</a:t>
+            </a:r>
+          </a:p>
+          <a:p>
+            <a:pPr marL="514350" indent="-514350">
+              <a:buFont typeface="+mj-lt"/>
+              <a:buAutoNum type="arabicPeriod"/>
+            </a:pPr>
+            <a:r>
+              <a:rPr lang="zh-TW" altLang="en-US" dirty="0"/>
+              <a:t>藥物研發</a:t>
+            </a:r>
+            <a:r>
+              <a:rPr lang="en-US" altLang="zh-TW" dirty="0"/>
+              <a:t>(ex:</a:t>
+            </a:r>
+            <a:r>
+              <a:rPr lang="zh-TW" altLang="en-US" dirty="0"/>
+              <a:t>生成新的分子結構，用於發現新藥物</a:t>
+            </a:r>
+            <a:r>
+              <a:rPr lang="en-US" altLang="zh-TW" dirty="0"/>
+              <a:t>)</a:t>
+            </a:r>
+          </a:p>
+        </p:txBody>
+      </p:sp>
+    </p:spTree>
+    <p:extLst>
+      <p:ext uri="{BB962C8B-B14F-4D97-AF65-F5344CB8AC3E}">
+        <p14:creationId xmlns:p14="http://schemas.microsoft.com/office/powerpoint/2010/main" val="3134708845"/>
+      </p:ext>
+    </p:extLst>
+  </p:cSld>
+  <p:clrMapOvr>
+    <a:masterClrMapping/>
+  </p:clrMapOvr>
+</p:sld>
+</file>
+
+<file path=ppt/slides/slide6.xml><?xml version="1.0" encoding="utf-8"?>
+<p:sld xmlns:a="http://schemas.openxmlformats.org/drawingml/2006/main" xmlns:r="http://schemas.openxmlformats.org/officeDocument/2006/relationships" xmlns:p="http://schemas.openxmlformats.org/presentationml/2006/main">
+  <p:cSld>
+    <p:spTree>
+      <p:nvGrpSpPr>
+        <p:cNvPr id="1" name=""/>
+        <p:cNvGrpSpPr/>
+        <p:nvPr/>
+      </p:nvGrpSpPr>
+      <p:grpSpPr>
+        <a:xfrm>
+          <a:off x="0" y="0"/>
+          <a:ext cx="0" cy="0"/>
+          <a:chOff x="0" y="0"/>
+          <a:chExt cx="0" cy="0"/>
+        </a:xfrm>
+      </p:grpSpPr>
+      <p:sp>
+        <p:nvSpPr>
+          <p:cNvPr id="2" name="標題 1">
+            <a:extLst>
+              <a:ext uri="{FF2B5EF4-FFF2-40B4-BE49-F238E27FC236}">
                 <a16:creationId xmlns:a16="http://schemas.microsoft.com/office/drawing/2014/main" id="{A2A96303-1E4E-C130-FD55-BB4982150BA5}"/>
               </a:ext>
             </a:extLst>
@@ -9779,7 +12699,534 @@
 </p:sld>
 </file>
 
-<file path=ppt/slides/slide5.xml><?xml version="1.0" encoding="utf-8"?>
+<file path=ppt/slides/slide7.xml><?xml version="1.0" encoding="utf-8"?>
+<p:sld xmlns:a="http://schemas.openxmlformats.org/drawingml/2006/main" xmlns:r="http://schemas.openxmlformats.org/officeDocument/2006/relationships" xmlns:p="http://schemas.openxmlformats.org/presentationml/2006/main">
+  <p:cSld>
+    <p:spTree>
+      <p:nvGrpSpPr>
+        <p:cNvPr id="1" name=""/>
+        <p:cNvGrpSpPr/>
+        <p:nvPr/>
+      </p:nvGrpSpPr>
+      <p:grpSpPr>
+        <a:xfrm>
+          <a:off x="0" y="0"/>
+          <a:ext cx="0" cy="0"/>
+          <a:chOff x="0" y="0"/>
+          <a:chExt cx="0" cy="0"/>
+        </a:xfrm>
+      </p:grpSpPr>
+      <p:sp>
+        <p:nvSpPr>
+          <p:cNvPr id="2" name="標題 1">
+            <a:extLst>
+              <a:ext uri="{FF2B5EF4-FFF2-40B4-BE49-F238E27FC236}">
+                <a16:creationId xmlns:a16="http://schemas.microsoft.com/office/drawing/2014/main" id="{A06DAC09-23DD-FDD6-CA76-81BFEBD6FEBB}"/>
+              </a:ext>
+            </a:extLst>
+          </p:cNvPr>
+          <p:cNvSpPr>
+            <a:spLocks noGrp="1"/>
+          </p:cNvSpPr>
+          <p:nvPr>
+            <p:ph type="title"/>
+          </p:nvPr>
+        </p:nvSpPr>
+        <p:spPr/>
+        <p:txBody>
+          <a:bodyPr/>
+          <a:lstStyle/>
+          <a:p>
+            <a:r>
+              <a:rPr lang="en-US" altLang="zh-TW" dirty="0"/>
+              <a:t>GPT</a:t>
+            </a:r>
+            <a:endParaRPr lang="zh-TW" altLang="en-US" dirty="0"/>
+          </a:p>
+        </p:txBody>
+      </p:sp>
+      <p:sp>
+        <p:nvSpPr>
+          <p:cNvPr id="3" name="內容版面配置區 2">
+            <a:extLst>
+              <a:ext uri="{FF2B5EF4-FFF2-40B4-BE49-F238E27FC236}">
+                <a16:creationId xmlns:a16="http://schemas.microsoft.com/office/drawing/2014/main" id="{9FCF511B-FD44-12EC-01F9-EED96B5FDB94}"/>
+              </a:ext>
+            </a:extLst>
+          </p:cNvPr>
+          <p:cNvSpPr>
+            <a:spLocks noGrp="1"/>
+          </p:cNvSpPr>
+          <p:nvPr>
+            <p:ph idx="1"/>
+          </p:nvPr>
+        </p:nvSpPr>
+        <p:spPr/>
+        <p:txBody>
+          <a:bodyPr>
+            <a:normAutofit/>
+          </a:bodyPr>
+          <a:lstStyle/>
+          <a:p>
+            <a:pPr algn="l"/>
+            <a:r>
+              <a:rPr lang="en-US" altLang="zh-TW" b="0" i="0" dirty="0">
+                <a:solidFill>
+                  <a:srgbClr val="374151"/>
+                </a:solidFill>
+                <a:effectLst/>
+                <a:latin typeface="Söhne"/>
+              </a:rPr>
+              <a:t>GPT</a:t>
+            </a:r>
+            <a:r>
+              <a:rPr lang="zh-TW" altLang="en-US" b="0" i="0" dirty="0">
+                <a:solidFill>
+                  <a:srgbClr val="374151"/>
+                </a:solidFill>
+                <a:effectLst/>
+                <a:latin typeface="Söhne"/>
+              </a:rPr>
+              <a:t>是由</a:t>
+            </a:r>
+            <a:r>
+              <a:rPr lang="en-US" altLang="zh-TW" b="0" i="0" dirty="0">
+                <a:solidFill>
+                  <a:srgbClr val="374151"/>
+                </a:solidFill>
+                <a:effectLst/>
+                <a:latin typeface="Söhne"/>
+              </a:rPr>
+              <a:t>OpenAI</a:t>
+            </a:r>
+            <a:r>
+              <a:rPr lang="zh-TW" altLang="en-US" b="0" i="0" dirty="0">
+                <a:solidFill>
+                  <a:srgbClr val="374151"/>
+                </a:solidFill>
+                <a:effectLst/>
+                <a:latin typeface="Söhne"/>
+              </a:rPr>
+              <a:t>開發的自然語言處理（</a:t>
+            </a:r>
+            <a:r>
+              <a:rPr lang="en-US" altLang="zh-TW" b="0" i="0" dirty="0">
+                <a:solidFill>
+                  <a:srgbClr val="374151"/>
+                </a:solidFill>
+                <a:effectLst/>
+                <a:latin typeface="Söhne"/>
+              </a:rPr>
+              <a:t>NLP</a:t>
+            </a:r>
+            <a:r>
+              <a:rPr lang="zh-TW" altLang="en-US" b="0" i="0" dirty="0">
+                <a:solidFill>
+                  <a:srgbClr val="374151"/>
+                </a:solidFill>
+                <a:effectLst/>
+                <a:latin typeface="Söhne"/>
+              </a:rPr>
+              <a:t>）模型。該模型基於</a:t>
+            </a:r>
+            <a:r>
+              <a:rPr lang="en-US" altLang="zh-TW" b="0" i="0" dirty="0">
+                <a:solidFill>
+                  <a:srgbClr val="374151"/>
+                </a:solidFill>
+                <a:effectLst/>
+                <a:latin typeface="Söhne"/>
+              </a:rPr>
+              <a:t>Transformer</a:t>
+            </a:r>
+            <a:r>
+              <a:rPr lang="zh-TW" altLang="en-US" b="0" i="0" dirty="0">
+                <a:solidFill>
+                  <a:srgbClr val="374151"/>
+                </a:solidFill>
+                <a:effectLst/>
+                <a:latin typeface="Söhne"/>
+              </a:rPr>
+              <a:t>架構，通過大量的文本數據進行預訓練進行任務，例如文本生成、文本分類、問答、文本翻譯等。</a:t>
+            </a:r>
+          </a:p>
+          <a:p>
+            <a:endParaRPr lang="zh-TW" altLang="en-US" dirty="0"/>
+          </a:p>
+        </p:txBody>
+      </p:sp>
+    </p:spTree>
+    <p:extLst>
+      <p:ext uri="{BB962C8B-B14F-4D97-AF65-F5344CB8AC3E}">
+        <p14:creationId xmlns:p14="http://schemas.microsoft.com/office/powerpoint/2010/main" val="2700617763"/>
+      </p:ext>
+    </p:extLst>
+  </p:cSld>
+  <p:clrMapOvr>
+    <a:masterClrMapping/>
+  </p:clrMapOvr>
+</p:sld>
+</file>
+
+<file path=ppt/slides/slide8.xml><?xml version="1.0" encoding="utf-8"?>
+<p:sld xmlns:a="http://schemas.openxmlformats.org/drawingml/2006/main" xmlns:r="http://schemas.openxmlformats.org/officeDocument/2006/relationships" xmlns:p="http://schemas.openxmlformats.org/presentationml/2006/main">
+  <p:cSld>
+    <p:spTree>
+      <p:nvGrpSpPr>
+        <p:cNvPr id="1" name=""/>
+        <p:cNvGrpSpPr/>
+        <p:nvPr/>
+      </p:nvGrpSpPr>
+      <p:grpSpPr>
+        <a:xfrm>
+          <a:off x="0" y="0"/>
+          <a:ext cx="0" cy="0"/>
+          <a:chOff x="0" y="0"/>
+          <a:chExt cx="0" cy="0"/>
+        </a:xfrm>
+      </p:grpSpPr>
+      <p:sp>
+        <p:nvSpPr>
+          <p:cNvPr id="2" name="標題 1">
+            <a:extLst>
+              <a:ext uri="{FF2B5EF4-FFF2-40B4-BE49-F238E27FC236}">
+                <a16:creationId xmlns:a16="http://schemas.microsoft.com/office/drawing/2014/main" id="{B01BF099-590F-B3C7-A387-55F2386F1192}"/>
+              </a:ext>
+            </a:extLst>
+          </p:cNvPr>
+          <p:cNvSpPr>
+            <a:spLocks noGrp="1"/>
+          </p:cNvSpPr>
+          <p:nvPr>
+            <p:ph type="title"/>
+          </p:nvPr>
+        </p:nvSpPr>
+        <p:spPr/>
+        <p:txBody>
+          <a:bodyPr/>
+          <a:lstStyle/>
+          <a:p>
+            <a:r>
+              <a:rPr lang="en-US" altLang="zh-TW" dirty="0"/>
+              <a:t>GPT</a:t>
+            </a:r>
+            <a:r>
+              <a:rPr lang="zh-TW" altLang="en-US" dirty="0"/>
+              <a:t>歷史</a:t>
+            </a:r>
+          </a:p>
+        </p:txBody>
+      </p:sp>
+      <p:sp>
+        <p:nvSpPr>
+          <p:cNvPr id="3" name="內容版面配置區 2">
+            <a:extLst>
+              <a:ext uri="{FF2B5EF4-FFF2-40B4-BE49-F238E27FC236}">
+                <a16:creationId xmlns:a16="http://schemas.microsoft.com/office/drawing/2014/main" id="{8CB0084B-535B-2CAE-FD0C-B0178FBE8D02}"/>
+              </a:ext>
+            </a:extLst>
+          </p:cNvPr>
+          <p:cNvSpPr>
+            <a:spLocks noGrp="1"/>
+          </p:cNvSpPr>
+          <p:nvPr>
+            <p:ph idx="1"/>
+          </p:nvPr>
+        </p:nvSpPr>
+        <p:spPr/>
+        <p:txBody>
+          <a:bodyPr/>
+          <a:lstStyle/>
+          <a:p>
+            <a:r>
+              <a:rPr lang="en-US" altLang="zh-TW" dirty="0"/>
+              <a:t>2018</a:t>
+            </a:r>
+            <a:r>
+              <a:rPr lang="zh-TW" altLang="en-US" dirty="0"/>
+              <a:t>年</a:t>
+            </a:r>
+            <a:r>
+              <a:rPr lang="en-US" altLang="zh-TW" dirty="0"/>
+              <a:t>6</a:t>
+            </a:r>
+            <a:r>
+              <a:rPr lang="zh-TW" altLang="en-US" dirty="0"/>
+              <a:t>月</a:t>
+            </a:r>
+            <a:r>
+              <a:rPr lang="en-US" altLang="zh-TW" dirty="0"/>
+              <a:t>OpenAI</a:t>
+            </a:r>
+            <a:r>
+              <a:rPr lang="zh-TW" altLang="en-US" dirty="0"/>
+              <a:t>公布了</a:t>
+            </a:r>
+            <a:r>
+              <a:rPr lang="zh-TW" altLang="en-US" dirty="0">
+                <a:solidFill>
+                  <a:srgbClr val="FF0000"/>
+                </a:solidFill>
+              </a:rPr>
+              <a:t>第一代</a:t>
+            </a:r>
+            <a:r>
+              <a:rPr lang="en-US" altLang="zh-TW" dirty="0">
+                <a:solidFill>
+                  <a:srgbClr val="FF0000"/>
+                </a:solidFill>
+              </a:rPr>
+              <a:t>GPT</a:t>
+            </a:r>
+            <a:r>
+              <a:rPr lang="zh-TW" altLang="en-US" dirty="0">
+                <a:solidFill>
+                  <a:srgbClr val="FF0000"/>
+                </a:solidFill>
+              </a:rPr>
+              <a:t>，</a:t>
+            </a:r>
+            <a:r>
+              <a:rPr lang="zh-TW" altLang="en-US" dirty="0"/>
+              <a:t>用</a:t>
+            </a:r>
+            <a:r>
+              <a:rPr lang="en-US" altLang="zh-TW" dirty="0"/>
+              <a:t>1.1</a:t>
+            </a:r>
+            <a:r>
+              <a:rPr lang="zh-TW" altLang="en-US" dirty="0"/>
+              <a:t>億個參數做訓練</a:t>
+            </a:r>
+            <a:endParaRPr lang="en-US" altLang="zh-TW" dirty="0"/>
+          </a:p>
+          <a:p>
+            <a:r>
+              <a:rPr lang="en-US" altLang="zh-TW" dirty="0"/>
+              <a:t>2019</a:t>
+            </a:r>
+            <a:r>
+              <a:rPr lang="zh-TW" altLang="en-US" dirty="0"/>
+              <a:t>年</a:t>
+            </a:r>
+            <a:r>
+              <a:rPr lang="en-US" altLang="zh-TW" dirty="0"/>
+              <a:t>2</a:t>
+            </a:r>
+            <a:r>
+              <a:rPr lang="zh-TW" altLang="en-US" dirty="0"/>
+              <a:t>月</a:t>
+            </a:r>
+            <a:r>
+              <a:rPr lang="en-US" altLang="zh-TW" dirty="0"/>
+              <a:t>OpenAI</a:t>
+            </a:r>
+            <a:r>
+              <a:rPr lang="zh-TW" altLang="en-US" dirty="0"/>
+              <a:t>公布</a:t>
+            </a:r>
+            <a:r>
+              <a:rPr lang="en-US" altLang="zh-TW" dirty="0"/>
+              <a:t>GPT-2</a:t>
+            </a:r>
+            <a:r>
+              <a:rPr lang="zh-TW" altLang="en-US" dirty="0"/>
+              <a:t>，用</a:t>
+            </a:r>
+            <a:r>
+              <a:rPr lang="en-US" altLang="zh-TW" dirty="0"/>
+              <a:t>15</a:t>
+            </a:r>
+            <a:r>
+              <a:rPr lang="zh-TW" altLang="en-US" dirty="0"/>
+              <a:t>億個參數做訓練</a:t>
+            </a:r>
+            <a:endParaRPr lang="en-US" altLang="zh-TW" dirty="0"/>
+          </a:p>
+          <a:p>
+            <a:r>
+              <a:rPr lang="en-US" altLang="zh-TW" dirty="0"/>
+              <a:t>2019</a:t>
+            </a:r>
+            <a:r>
+              <a:rPr lang="zh-TW" altLang="en-US" dirty="0"/>
+              <a:t>年</a:t>
+            </a:r>
+            <a:r>
+              <a:rPr lang="en-US" altLang="zh-TW" dirty="0"/>
+              <a:t>7</a:t>
+            </a:r>
+            <a:r>
+              <a:rPr lang="zh-TW" altLang="en-US" dirty="0"/>
+              <a:t>月獲得微軟</a:t>
+            </a:r>
+            <a:r>
+              <a:rPr lang="en-US" altLang="zh-TW" dirty="0"/>
+              <a:t>10</a:t>
+            </a:r>
+            <a:r>
+              <a:rPr lang="zh-TW" altLang="en-US" dirty="0"/>
+              <a:t>億元投資，為</a:t>
+            </a:r>
+            <a:r>
+              <a:rPr lang="en-US" altLang="zh-TW" dirty="0"/>
+              <a:t>OpenAI</a:t>
+            </a:r>
+            <a:r>
+              <a:rPr lang="zh-TW" altLang="en-US" dirty="0"/>
+              <a:t>提供獨家雲端運算</a:t>
+            </a:r>
+            <a:endParaRPr lang="en-US" altLang="zh-TW" dirty="0"/>
+          </a:p>
+          <a:p>
+            <a:r>
+              <a:rPr lang="en-US" altLang="zh-TW" dirty="0"/>
+              <a:t>2020</a:t>
+            </a:r>
+            <a:r>
+              <a:rPr lang="zh-TW" altLang="en-US" dirty="0"/>
+              <a:t>年</a:t>
+            </a:r>
+            <a:r>
+              <a:rPr lang="en-US" altLang="zh-TW" dirty="0"/>
+              <a:t>5</a:t>
+            </a:r>
+            <a:r>
+              <a:rPr lang="zh-TW" altLang="en-US" dirty="0"/>
+              <a:t>月</a:t>
+            </a:r>
+            <a:r>
+              <a:rPr lang="en-US" altLang="zh-TW" dirty="0"/>
+              <a:t>GPT-3</a:t>
+            </a:r>
+            <a:r>
+              <a:rPr lang="zh-TW" altLang="en-US" dirty="0"/>
+              <a:t>問世，參數高達</a:t>
+            </a:r>
+            <a:r>
+              <a:rPr lang="en-US" altLang="zh-TW" dirty="0"/>
+              <a:t>1750</a:t>
+            </a:r>
+            <a:r>
+              <a:rPr lang="zh-TW" altLang="en-US" dirty="0"/>
+              <a:t>億</a:t>
+            </a:r>
+            <a:endParaRPr lang="en-US" altLang="zh-TW" dirty="0"/>
+          </a:p>
+          <a:p>
+            <a:r>
+              <a:rPr lang="en-US" altLang="zh-TW" dirty="0"/>
+              <a:t>2022</a:t>
+            </a:r>
+            <a:r>
+              <a:rPr lang="zh-TW" altLang="en-US" dirty="0"/>
+              <a:t>年</a:t>
+            </a:r>
+            <a:r>
+              <a:rPr lang="en-US" altLang="zh-TW" dirty="0"/>
+              <a:t>9</a:t>
+            </a:r>
+            <a:r>
+              <a:rPr lang="zh-TW" altLang="en-US" dirty="0"/>
+              <a:t>月</a:t>
+            </a:r>
+            <a:r>
+              <a:rPr lang="en-US" altLang="zh-TW" dirty="0"/>
+              <a:t>OpenAI</a:t>
+            </a:r>
+            <a:r>
+              <a:rPr lang="zh-TW" altLang="en-US" dirty="0"/>
+              <a:t>發布語音辨識預訓練模型，能夠支援多種語言</a:t>
+            </a:r>
+            <a:endParaRPr lang="en-US" altLang="zh-TW" dirty="0"/>
+          </a:p>
+          <a:p>
+            <a:r>
+              <a:rPr lang="en-US" altLang="zh-TW" dirty="0"/>
+              <a:t>2022</a:t>
+            </a:r>
+            <a:r>
+              <a:rPr lang="zh-TW" altLang="en-US" dirty="0"/>
+              <a:t>年</a:t>
+            </a:r>
+            <a:r>
+              <a:rPr lang="en-US" altLang="zh-TW" dirty="0"/>
+              <a:t>11</a:t>
+            </a:r>
+            <a:r>
+              <a:rPr lang="zh-TW" altLang="en-US" dirty="0"/>
+              <a:t>月</a:t>
+            </a:r>
+            <a:r>
+              <a:rPr lang="en-US" altLang="zh-TW" dirty="0"/>
+              <a:t>OpenAI</a:t>
+            </a:r>
+            <a:r>
+              <a:rPr lang="zh-TW" altLang="en-US" dirty="0"/>
+              <a:t>公布</a:t>
+            </a:r>
+            <a:r>
+              <a:rPr lang="en-US" altLang="zh-TW" dirty="0"/>
+              <a:t>ChatGPT</a:t>
+            </a:r>
+            <a:r>
+              <a:rPr lang="zh-TW" altLang="en-US" dirty="0"/>
+              <a:t>系統，為</a:t>
+            </a:r>
+            <a:r>
+              <a:rPr lang="en-US" altLang="zh-TW" dirty="0"/>
+              <a:t>GPT-3.5</a:t>
+            </a:r>
+          </a:p>
+          <a:p>
+            <a:r>
+              <a:rPr lang="en-US" altLang="zh-TW" dirty="0"/>
+              <a:t>2023</a:t>
+            </a:r>
+            <a:r>
+              <a:rPr lang="zh-TW" altLang="en-US" dirty="0"/>
+              <a:t>年</a:t>
+            </a:r>
+            <a:r>
+              <a:rPr lang="en-US" altLang="zh-TW" dirty="0"/>
+              <a:t>3</a:t>
+            </a:r>
+            <a:r>
+              <a:rPr lang="zh-TW" altLang="en-US" dirty="0"/>
+              <a:t>月推出</a:t>
+            </a:r>
+            <a:r>
+              <a:rPr lang="en-US" altLang="zh-TW" dirty="0"/>
+              <a:t>GPT-4</a:t>
+            </a:r>
+            <a:r>
+              <a:rPr lang="zh-TW" altLang="en-US" dirty="0"/>
+              <a:t>，能夠辨識圖片</a:t>
+            </a:r>
+            <a:endParaRPr lang="en-US" altLang="zh-TW" dirty="0"/>
+          </a:p>
+          <a:p>
+            <a:endParaRPr lang="en-US" altLang="zh-TW" dirty="0"/>
+          </a:p>
+          <a:p>
+            <a:endParaRPr lang="zh-TW" altLang="en-US" dirty="0"/>
+          </a:p>
+        </p:txBody>
+      </p:sp>
+    </p:spTree>
+    <p:extLst>
+      <p:ext uri="{BB962C8B-B14F-4D97-AF65-F5344CB8AC3E}">
+        <p14:creationId xmlns:p14="http://schemas.microsoft.com/office/powerpoint/2010/main" val="2169142094"/>
+      </p:ext>
+    </p:extLst>
+  </p:cSld>
+  <p:clrMapOvr>
+    <a:masterClrMapping/>
+  </p:clrMapOvr>
+</p:sld>
+</file>
+
+<file path=ppt/slides/slide9.xml><?xml version="1.0" encoding="utf-8"?>
 <p:sld xmlns:a="http://schemas.openxmlformats.org/drawingml/2006/main" xmlns:r="http://schemas.openxmlformats.org/officeDocument/2006/relationships" xmlns:p="http://schemas.openxmlformats.org/presentationml/2006/main">
   <p:cSld>
     <p:spTree>
@@ -10220,904 +13667,6 @@
     <p:extLst>
       <p:ext uri="{BB962C8B-B14F-4D97-AF65-F5344CB8AC3E}">
         <p14:creationId xmlns:p14="http://schemas.microsoft.com/office/powerpoint/2010/main" val="2112102419"/>
-      </p:ext>
-    </p:extLst>
-  </p:cSld>
-  <p:clrMapOvr>
-    <a:masterClrMapping/>
-  </p:clrMapOvr>
-</p:sld>
-</file>
-
-<file path=ppt/slides/slide6.xml><?xml version="1.0" encoding="utf-8"?>
-<p:sld xmlns:a="http://schemas.openxmlformats.org/drawingml/2006/main" xmlns:r="http://schemas.openxmlformats.org/officeDocument/2006/relationships" xmlns:p="http://schemas.openxmlformats.org/presentationml/2006/main">
-  <p:cSld>
-    <p:spTree>
-      <p:nvGrpSpPr>
-        <p:cNvPr id="1" name=""/>
-        <p:cNvGrpSpPr/>
-        <p:nvPr/>
-      </p:nvGrpSpPr>
-      <p:grpSpPr>
-        <a:xfrm>
-          <a:off x="0" y="0"/>
-          <a:ext cx="0" cy="0"/>
-          <a:chOff x="0" y="0"/>
-          <a:chExt cx="0" cy="0"/>
-        </a:xfrm>
-      </p:grpSpPr>
-      <p:sp>
-        <p:nvSpPr>
-          <p:cNvPr id="2" name="標題 1">
-            <a:extLst>
-              <a:ext uri="{FF2B5EF4-FFF2-40B4-BE49-F238E27FC236}">
-                <a16:creationId xmlns:a16="http://schemas.microsoft.com/office/drawing/2014/main" id="{A4A71B43-4DE5-FF69-EBE6-C4D34056024D}"/>
-              </a:ext>
-            </a:extLst>
-          </p:cNvPr>
-          <p:cNvSpPr>
-            <a:spLocks noGrp="1"/>
-          </p:cNvSpPr>
-          <p:nvPr>
-            <p:ph type="title"/>
-          </p:nvPr>
-        </p:nvSpPr>
-        <p:spPr/>
-        <p:txBody>
-          <a:bodyPr/>
-          <a:lstStyle/>
-          <a:p>
-            <a:r>
-              <a:rPr lang="zh-TW" altLang="en-US" dirty="0"/>
-              <a:t>為何</a:t>
-            </a:r>
-            <a:r>
-              <a:rPr lang="en-US" altLang="zh-TW" dirty="0"/>
-              <a:t>ChatGPT</a:t>
-            </a:r>
-            <a:r>
-              <a:rPr lang="zh-TW" altLang="en-US" dirty="0"/>
-              <a:t>會崛起</a:t>
-            </a:r>
-            <a:r>
-              <a:rPr lang="en-US" altLang="zh-TW" dirty="0"/>
-              <a:t>?</a:t>
-            </a:r>
-            <a:endParaRPr lang="zh-TW" altLang="en-US" dirty="0"/>
-          </a:p>
-        </p:txBody>
-      </p:sp>
-      <p:sp>
-        <p:nvSpPr>
-          <p:cNvPr id="3" name="內容版面配置區 2">
-            <a:extLst>
-              <a:ext uri="{FF2B5EF4-FFF2-40B4-BE49-F238E27FC236}">
-                <a16:creationId xmlns:a16="http://schemas.microsoft.com/office/drawing/2014/main" id="{9D2EAE65-81C0-07FC-6957-6516E2080C24}"/>
-              </a:ext>
-            </a:extLst>
-          </p:cNvPr>
-          <p:cNvSpPr>
-            <a:spLocks noGrp="1"/>
-          </p:cNvSpPr>
-          <p:nvPr>
-            <p:ph idx="1"/>
-          </p:nvPr>
-        </p:nvSpPr>
-        <p:spPr>
-          <a:xfrm>
-            <a:off x="838200" y="1825625"/>
-            <a:ext cx="6814040" cy="4351338"/>
-          </a:xfrm>
-        </p:spPr>
-        <p:txBody>
-          <a:bodyPr/>
-          <a:lstStyle/>
-          <a:p>
-            <a:r>
-              <a:rPr lang="zh-TW" altLang="en-US" dirty="0"/>
-              <a:t>相似於</a:t>
-            </a:r>
-            <a:r>
-              <a:rPr lang="en-US" altLang="zh-TW" dirty="0"/>
-              <a:t>15</a:t>
-            </a:r>
-            <a:r>
-              <a:rPr lang="zh-TW" altLang="en-US" dirty="0"/>
-              <a:t>世紀印刷術的發明，使能夠接觸到書籍的人變得更多</a:t>
-            </a:r>
-            <a:endParaRPr lang="en-US" altLang="zh-TW" dirty="0"/>
-          </a:p>
-          <a:p>
-            <a:r>
-              <a:rPr lang="zh-TW" altLang="en-US" dirty="0"/>
-              <a:t>過去</a:t>
-            </a:r>
-            <a:r>
-              <a:rPr lang="en-US" altLang="zh-TW" dirty="0"/>
-              <a:t>AI“</a:t>
-            </a:r>
-            <a:r>
-              <a:rPr lang="zh-TW" altLang="en-US" dirty="0"/>
-              <a:t>可遠觀而不可褻完焉</a:t>
-            </a:r>
-            <a:r>
-              <a:rPr lang="en-US" altLang="zh-TW" dirty="0"/>
-              <a:t>”</a:t>
-            </a:r>
-            <a:r>
-              <a:rPr lang="zh-TW" altLang="en-US" dirty="0"/>
-              <a:t>，如今</a:t>
-            </a:r>
-            <a:r>
-              <a:rPr lang="en-US" altLang="zh-TW" b="1" dirty="0">
-                <a:solidFill>
-                  <a:srgbClr val="FF0000"/>
-                </a:solidFill>
-              </a:rPr>
-              <a:t>AI</a:t>
-            </a:r>
-            <a:r>
-              <a:rPr lang="zh-TW" altLang="en-US" b="1" dirty="0">
-                <a:solidFill>
-                  <a:srgbClr val="FF0000"/>
-                </a:solidFill>
-              </a:rPr>
-              <a:t>的力量賦權給每一個人</a:t>
-            </a:r>
-          </a:p>
-        </p:txBody>
-      </p:sp>
-      <p:pic>
-        <p:nvPicPr>
-          <p:cNvPr id="5" name="圖片 4">
-            <a:extLst>
-              <a:ext uri="{FF2B5EF4-FFF2-40B4-BE49-F238E27FC236}">
-                <a16:creationId xmlns:a16="http://schemas.microsoft.com/office/drawing/2014/main" id="{4B0BEA19-6CE1-0BA0-2A52-809DE46BD944}"/>
-              </a:ext>
-            </a:extLst>
-          </p:cNvPr>
-          <p:cNvPicPr>
-            <a:picLocks noChangeAspect="1"/>
-          </p:cNvPicPr>
-          <p:nvPr/>
-        </p:nvPicPr>
-        <p:blipFill>
-          <a:blip r:embed="rId3">
-            <a:extLst>
-              <a:ext uri="{28A0092B-C50C-407E-A947-70E740481C1C}">
-                <a14:useLocalDpi xmlns:a14="http://schemas.microsoft.com/office/drawing/2010/main" val="0"/>
-              </a:ext>
-            </a:extLst>
-          </a:blip>
-          <a:stretch>
-            <a:fillRect/>
-          </a:stretch>
-        </p:blipFill>
-        <p:spPr>
-          <a:xfrm>
-            <a:off x="8269405" y="681037"/>
-            <a:ext cx="2573600" cy="3585882"/>
-          </a:xfrm>
-          <a:prstGeom prst="rect">
-            <a:avLst/>
-          </a:prstGeom>
-        </p:spPr>
-      </p:pic>
-      <p:sp>
-        <p:nvSpPr>
-          <p:cNvPr id="6" name="文字方塊 5">
-            <a:extLst>
-              <a:ext uri="{FF2B5EF4-FFF2-40B4-BE49-F238E27FC236}">
-                <a16:creationId xmlns:a16="http://schemas.microsoft.com/office/drawing/2014/main" id="{DADBEAFE-D2AB-37EC-60D7-B5410C3BD377}"/>
-              </a:ext>
-            </a:extLst>
-          </p:cNvPr>
-          <p:cNvSpPr txBox="1"/>
-          <p:nvPr/>
-        </p:nvSpPr>
-        <p:spPr>
-          <a:xfrm>
-            <a:off x="8163035" y="4401856"/>
-            <a:ext cx="2786340" cy="369332"/>
-          </a:xfrm>
-          <a:prstGeom prst="rect">
-            <a:avLst/>
-          </a:prstGeom>
-          <a:noFill/>
-        </p:spPr>
-        <p:txBody>
-          <a:bodyPr wrap="none" rtlCol="0">
-            <a:spAutoFit/>
-          </a:bodyPr>
-          <a:lstStyle/>
-          <a:p>
-            <a:r>
-              <a:rPr lang="zh-TW" altLang="en-US" dirty="0"/>
-              <a:t>第一本印刷書</a:t>
-            </a:r>
-            <a:r>
-              <a:rPr lang="en-US" altLang="zh-TW" dirty="0"/>
-              <a:t>:</a:t>
-            </a:r>
-            <a:r>
-              <a:rPr lang="zh-TW" altLang="en-US" dirty="0"/>
-              <a:t>古德堡聖經</a:t>
-            </a:r>
-          </a:p>
-        </p:txBody>
-      </p:sp>
-    </p:spTree>
-    <p:extLst>
-      <p:ext uri="{BB962C8B-B14F-4D97-AF65-F5344CB8AC3E}">
-        <p14:creationId xmlns:p14="http://schemas.microsoft.com/office/powerpoint/2010/main" val="983943627"/>
-      </p:ext>
-    </p:extLst>
-  </p:cSld>
-  <p:clrMapOvr>
-    <a:masterClrMapping/>
-  </p:clrMapOvr>
-</p:sld>
-</file>
-
-<file path=ppt/slides/slide7.xml><?xml version="1.0" encoding="utf-8"?>
-<p:sld xmlns:a="http://schemas.openxmlformats.org/drawingml/2006/main" xmlns:r="http://schemas.openxmlformats.org/officeDocument/2006/relationships" xmlns:p="http://schemas.openxmlformats.org/presentationml/2006/main">
-  <p:cSld>
-    <p:spTree>
-      <p:nvGrpSpPr>
-        <p:cNvPr id="1" name=""/>
-        <p:cNvGrpSpPr/>
-        <p:nvPr/>
-      </p:nvGrpSpPr>
-      <p:grpSpPr>
-        <a:xfrm>
-          <a:off x="0" y="0"/>
-          <a:ext cx="0" cy="0"/>
-          <a:chOff x="0" y="0"/>
-          <a:chExt cx="0" cy="0"/>
-        </a:xfrm>
-      </p:grpSpPr>
-      <p:sp>
-        <p:nvSpPr>
-          <p:cNvPr id="2" name="標題 1">
-            <a:extLst>
-              <a:ext uri="{FF2B5EF4-FFF2-40B4-BE49-F238E27FC236}">
-                <a16:creationId xmlns:a16="http://schemas.microsoft.com/office/drawing/2014/main" id="{B01BF099-590F-B3C7-A387-55F2386F1192}"/>
-              </a:ext>
-            </a:extLst>
-          </p:cNvPr>
-          <p:cNvSpPr>
-            <a:spLocks noGrp="1"/>
-          </p:cNvSpPr>
-          <p:nvPr>
-            <p:ph type="title"/>
-          </p:nvPr>
-        </p:nvSpPr>
-        <p:spPr/>
-        <p:txBody>
-          <a:bodyPr/>
-          <a:lstStyle/>
-          <a:p>
-            <a:r>
-              <a:rPr lang="en-US" altLang="zh-TW" dirty="0"/>
-              <a:t>GPT</a:t>
-            </a:r>
-            <a:r>
-              <a:rPr lang="zh-TW" altLang="en-US" dirty="0"/>
-              <a:t>歷史</a:t>
-            </a:r>
-          </a:p>
-        </p:txBody>
-      </p:sp>
-      <p:sp>
-        <p:nvSpPr>
-          <p:cNvPr id="3" name="內容版面配置區 2">
-            <a:extLst>
-              <a:ext uri="{FF2B5EF4-FFF2-40B4-BE49-F238E27FC236}">
-                <a16:creationId xmlns:a16="http://schemas.microsoft.com/office/drawing/2014/main" id="{8CB0084B-535B-2CAE-FD0C-B0178FBE8D02}"/>
-              </a:ext>
-            </a:extLst>
-          </p:cNvPr>
-          <p:cNvSpPr>
-            <a:spLocks noGrp="1"/>
-          </p:cNvSpPr>
-          <p:nvPr>
-            <p:ph idx="1"/>
-          </p:nvPr>
-        </p:nvSpPr>
-        <p:spPr/>
-        <p:txBody>
-          <a:bodyPr/>
-          <a:lstStyle/>
-          <a:p>
-            <a:r>
-              <a:rPr lang="en-US" altLang="zh-TW" dirty="0"/>
-              <a:t>2018</a:t>
-            </a:r>
-            <a:r>
-              <a:rPr lang="zh-TW" altLang="en-US" dirty="0"/>
-              <a:t>年</a:t>
-            </a:r>
-            <a:r>
-              <a:rPr lang="en-US" altLang="zh-TW" dirty="0"/>
-              <a:t>6</a:t>
-            </a:r>
-            <a:r>
-              <a:rPr lang="zh-TW" altLang="en-US" dirty="0"/>
-              <a:t>月</a:t>
-            </a:r>
-            <a:r>
-              <a:rPr lang="en-US" altLang="zh-TW" dirty="0"/>
-              <a:t>OpenAI</a:t>
-            </a:r>
-            <a:r>
-              <a:rPr lang="zh-TW" altLang="en-US" dirty="0"/>
-              <a:t>公布了</a:t>
-            </a:r>
-            <a:r>
-              <a:rPr lang="zh-TW" altLang="en-US" dirty="0">
-                <a:solidFill>
-                  <a:srgbClr val="FF0000"/>
-                </a:solidFill>
-              </a:rPr>
-              <a:t>第一代</a:t>
-            </a:r>
-            <a:r>
-              <a:rPr lang="en-US" altLang="zh-TW" dirty="0">
-                <a:solidFill>
-                  <a:srgbClr val="FF0000"/>
-                </a:solidFill>
-              </a:rPr>
-              <a:t>GPT</a:t>
-            </a:r>
-            <a:r>
-              <a:rPr lang="zh-TW" altLang="en-US" dirty="0">
-                <a:solidFill>
-                  <a:srgbClr val="FF0000"/>
-                </a:solidFill>
-              </a:rPr>
-              <a:t>，</a:t>
-            </a:r>
-            <a:r>
-              <a:rPr lang="zh-TW" altLang="en-US" dirty="0"/>
-              <a:t>用</a:t>
-            </a:r>
-            <a:r>
-              <a:rPr lang="en-US" altLang="zh-TW" dirty="0"/>
-              <a:t>1.1</a:t>
-            </a:r>
-            <a:r>
-              <a:rPr lang="zh-TW" altLang="en-US" dirty="0"/>
-              <a:t>億個參數做訓練</a:t>
-            </a:r>
-            <a:endParaRPr lang="en-US" altLang="zh-TW" dirty="0"/>
-          </a:p>
-          <a:p>
-            <a:r>
-              <a:rPr lang="en-US" altLang="zh-TW" dirty="0"/>
-              <a:t>2019</a:t>
-            </a:r>
-            <a:r>
-              <a:rPr lang="zh-TW" altLang="en-US" dirty="0"/>
-              <a:t>年</a:t>
-            </a:r>
-            <a:r>
-              <a:rPr lang="en-US" altLang="zh-TW" dirty="0"/>
-              <a:t>2</a:t>
-            </a:r>
-            <a:r>
-              <a:rPr lang="zh-TW" altLang="en-US" dirty="0"/>
-              <a:t>月</a:t>
-            </a:r>
-            <a:r>
-              <a:rPr lang="en-US" altLang="zh-TW" dirty="0"/>
-              <a:t>OpenAI</a:t>
-            </a:r>
-            <a:r>
-              <a:rPr lang="zh-TW" altLang="en-US" dirty="0"/>
-              <a:t>公布</a:t>
-            </a:r>
-            <a:r>
-              <a:rPr lang="en-US" altLang="zh-TW" dirty="0"/>
-              <a:t>GPT-2</a:t>
-            </a:r>
-            <a:r>
-              <a:rPr lang="zh-TW" altLang="en-US" dirty="0"/>
-              <a:t>，用</a:t>
-            </a:r>
-            <a:r>
-              <a:rPr lang="en-US" altLang="zh-TW" dirty="0"/>
-              <a:t>15</a:t>
-            </a:r>
-            <a:r>
-              <a:rPr lang="zh-TW" altLang="en-US" dirty="0"/>
-              <a:t>億個參數做訓練</a:t>
-            </a:r>
-            <a:endParaRPr lang="en-US" altLang="zh-TW" dirty="0"/>
-          </a:p>
-          <a:p>
-            <a:r>
-              <a:rPr lang="en-US" altLang="zh-TW" dirty="0"/>
-              <a:t>2019</a:t>
-            </a:r>
-            <a:r>
-              <a:rPr lang="zh-TW" altLang="en-US" dirty="0"/>
-              <a:t>年</a:t>
-            </a:r>
-            <a:r>
-              <a:rPr lang="en-US" altLang="zh-TW" dirty="0"/>
-              <a:t>7</a:t>
-            </a:r>
-            <a:r>
-              <a:rPr lang="zh-TW" altLang="en-US" dirty="0"/>
-              <a:t>月獲得微軟</a:t>
-            </a:r>
-            <a:r>
-              <a:rPr lang="en-US" altLang="zh-TW" dirty="0"/>
-              <a:t>10</a:t>
-            </a:r>
-            <a:r>
-              <a:rPr lang="zh-TW" altLang="en-US" dirty="0"/>
-              <a:t>億元投資，為</a:t>
-            </a:r>
-            <a:r>
-              <a:rPr lang="en-US" altLang="zh-TW" dirty="0"/>
-              <a:t>OpenAI</a:t>
-            </a:r>
-            <a:r>
-              <a:rPr lang="zh-TW" altLang="en-US" dirty="0"/>
-              <a:t>提供獨家雲端運算</a:t>
-            </a:r>
-            <a:endParaRPr lang="en-US" altLang="zh-TW" dirty="0"/>
-          </a:p>
-          <a:p>
-            <a:r>
-              <a:rPr lang="en-US" altLang="zh-TW" dirty="0"/>
-              <a:t>2020</a:t>
-            </a:r>
-            <a:r>
-              <a:rPr lang="zh-TW" altLang="en-US" dirty="0"/>
-              <a:t>年</a:t>
-            </a:r>
-            <a:r>
-              <a:rPr lang="en-US" altLang="zh-TW" dirty="0"/>
-              <a:t>5</a:t>
-            </a:r>
-            <a:r>
-              <a:rPr lang="zh-TW" altLang="en-US" dirty="0"/>
-              <a:t>月</a:t>
-            </a:r>
-            <a:r>
-              <a:rPr lang="en-US" altLang="zh-TW" dirty="0"/>
-              <a:t>GPT-3</a:t>
-            </a:r>
-            <a:r>
-              <a:rPr lang="zh-TW" altLang="en-US" dirty="0"/>
-              <a:t>問世，參數高達</a:t>
-            </a:r>
-            <a:r>
-              <a:rPr lang="en-US" altLang="zh-TW" dirty="0"/>
-              <a:t>1750</a:t>
-            </a:r>
-            <a:r>
-              <a:rPr lang="zh-TW" altLang="en-US" dirty="0"/>
-              <a:t>億</a:t>
-            </a:r>
-            <a:endParaRPr lang="en-US" altLang="zh-TW" dirty="0"/>
-          </a:p>
-          <a:p>
-            <a:r>
-              <a:rPr lang="en-US" altLang="zh-TW" dirty="0"/>
-              <a:t>2022</a:t>
-            </a:r>
-            <a:r>
-              <a:rPr lang="zh-TW" altLang="en-US" dirty="0"/>
-              <a:t>年</a:t>
-            </a:r>
-            <a:r>
-              <a:rPr lang="en-US" altLang="zh-TW" dirty="0"/>
-              <a:t>9</a:t>
-            </a:r>
-            <a:r>
-              <a:rPr lang="zh-TW" altLang="en-US" dirty="0"/>
-              <a:t>月</a:t>
-            </a:r>
-            <a:r>
-              <a:rPr lang="en-US" altLang="zh-TW" dirty="0"/>
-              <a:t>OpenAI</a:t>
-            </a:r>
-            <a:r>
-              <a:rPr lang="zh-TW" altLang="en-US" dirty="0"/>
-              <a:t>發布語音辨識預訓練模型，能夠支援多種語言</a:t>
-            </a:r>
-            <a:endParaRPr lang="en-US" altLang="zh-TW" dirty="0"/>
-          </a:p>
-          <a:p>
-            <a:r>
-              <a:rPr lang="en-US" altLang="zh-TW" dirty="0"/>
-              <a:t>2022</a:t>
-            </a:r>
-            <a:r>
-              <a:rPr lang="zh-TW" altLang="en-US" dirty="0"/>
-              <a:t>年</a:t>
-            </a:r>
-            <a:r>
-              <a:rPr lang="en-US" altLang="zh-TW" dirty="0"/>
-              <a:t>11</a:t>
-            </a:r>
-            <a:r>
-              <a:rPr lang="zh-TW" altLang="en-US" dirty="0"/>
-              <a:t>月</a:t>
-            </a:r>
-            <a:r>
-              <a:rPr lang="en-US" altLang="zh-TW" dirty="0"/>
-              <a:t>OpenAI</a:t>
-            </a:r>
-            <a:r>
-              <a:rPr lang="zh-TW" altLang="en-US" dirty="0"/>
-              <a:t>公布</a:t>
-            </a:r>
-            <a:r>
-              <a:rPr lang="en-US" altLang="zh-TW" dirty="0"/>
-              <a:t>ChatGPT</a:t>
-            </a:r>
-            <a:r>
-              <a:rPr lang="zh-TW" altLang="en-US" dirty="0"/>
-              <a:t>系統，為</a:t>
-            </a:r>
-            <a:r>
-              <a:rPr lang="en-US" altLang="zh-TW" dirty="0"/>
-              <a:t>GPT-3.5</a:t>
-            </a:r>
-          </a:p>
-          <a:p>
-            <a:r>
-              <a:rPr lang="en-US" altLang="zh-TW" dirty="0"/>
-              <a:t>2023</a:t>
-            </a:r>
-            <a:r>
-              <a:rPr lang="zh-TW" altLang="en-US" dirty="0"/>
-              <a:t>年</a:t>
-            </a:r>
-            <a:r>
-              <a:rPr lang="en-US" altLang="zh-TW" dirty="0"/>
-              <a:t>3</a:t>
-            </a:r>
-            <a:r>
-              <a:rPr lang="zh-TW" altLang="en-US" dirty="0"/>
-              <a:t>月推出</a:t>
-            </a:r>
-            <a:r>
-              <a:rPr lang="en-US" altLang="zh-TW" dirty="0"/>
-              <a:t>GPT-4</a:t>
-            </a:r>
-            <a:r>
-              <a:rPr lang="zh-TW" altLang="en-US" dirty="0"/>
-              <a:t>，能夠辨識圖片</a:t>
-            </a:r>
-            <a:endParaRPr lang="en-US" altLang="zh-TW" dirty="0"/>
-          </a:p>
-          <a:p>
-            <a:endParaRPr lang="en-US" altLang="zh-TW" dirty="0"/>
-          </a:p>
-          <a:p>
-            <a:endParaRPr lang="zh-TW" altLang="en-US" dirty="0"/>
-          </a:p>
-        </p:txBody>
-      </p:sp>
-    </p:spTree>
-    <p:extLst>
-      <p:ext uri="{BB962C8B-B14F-4D97-AF65-F5344CB8AC3E}">
-        <p14:creationId xmlns:p14="http://schemas.microsoft.com/office/powerpoint/2010/main" val="2169142094"/>
-      </p:ext>
-    </p:extLst>
-  </p:cSld>
-  <p:clrMapOvr>
-    <a:masterClrMapping/>
-  </p:clrMapOvr>
-</p:sld>
-</file>
-
-<file path=ppt/slides/slide8.xml><?xml version="1.0" encoding="utf-8"?>
-<p:sld xmlns:a="http://schemas.openxmlformats.org/drawingml/2006/main" xmlns:r="http://schemas.openxmlformats.org/officeDocument/2006/relationships" xmlns:p="http://schemas.openxmlformats.org/presentationml/2006/main">
-  <p:cSld>
-    <p:spTree>
-      <p:nvGrpSpPr>
-        <p:cNvPr id="1" name=""/>
-        <p:cNvGrpSpPr/>
-        <p:nvPr/>
-      </p:nvGrpSpPr>
-      <p:grpSpPr>
-        <a:xfrm>
-          <a:off x="0" y="0"/>
-          <a:ext cx="0" cy="0"/>
-          <a:chOff x="0" y="0"/>
-          <a:chExt cx="0" cy="0"/>
-        </a:xfrm>
-      </p:grpSpPr>
-      <p:sp>
-        <p:nvSpPr>
-          <p:cNvPr id="2" name="標題 1">
-            <a:extLst>
-              <a:ext uri="{FF2B5EF4-FFF2-40B4-BE49-F238E27FC236}">
-                <a16:creationId xmlns:a16="http://schemas.microsoft.com/office/drawing/2014/main" id="{66FEB8FF-494B-AD61-5BD6-091289349A84}"/>
-              </a:ext>
-            </a:extLst>
-          </p:cNvPr>
-          <p:cNvSpPr>
-            <a:spLocks noGrp="1"/>
-          </p:cNvSpPr>
-          <p:nvPr>
-            <p:ph type="title"/>
-          </p:nvPr>
-        </p:nvSpPr>
-        <p:spPr/>
-        <p:txBody>
-          <a:bodyPr/>
-          <a:lstStyle/>
-          <a:p>
-            <a:r>
-              <a:rPr lang="zh-TW" altLang="en-US" dirty="0"/>
-              <a:t>人工智慧是敵是友</a:t>
-            </a:r>
-            <a:r>
-              <a:rPr lang="en-US" altLang="zh-TW" dirty="0"/>
-              <a:t>?</a:t>
-            </a:r>
-            <a:endParaRPr lang="zh-TW" altLang="en-US" dirty="0"/>
-          </a:p>
-        </p:txBody>
-      </p:sp>
-      <p:sp>
-        <p:nvSpPr>
-          <p:cNvPr id="3" name="內容版面配置區 2">
-            <a:extLst>
-              <a:ext uri="{FF2B5EF4-FFF2-40B4-BE49-F238E27FC236}">
-                <a16:creationId xmlns:a16="http://schemas.microsoft.com/office/drawing/2014/main" id="{F66B07DD-9DB6-68FA-3773-1731FD99EA78}"/>
-              </a:ext>
-            </a:extLst>
-          </p:cNvPr>
-          <p:cNvSpPr>
-            <a:spLocks noGrp="1"/>
-          </p:cNvSpPr>
-          <p:nvPr>
-            <p:ph idx="1"/>
-          </p:nvPr>
-        </p:nvSpPr>
-        <p:spPr/>
-        <p:txBody>
-          <a:bodyPr/>
-          <a:lstStyle/>
-          <a:p>
-            <a:r>
-              <a:rPr lang="en-US" altLang="zh-TW" dirty="0"/>
-              <a:t>2023</a:t>
-            </a:r>
-            <a:r>
-              <a:rPr lang="zh-TW" altLang="en-US" dirty="0"/>
-              <a:t>年「工作趨勢指數」</a:t>
-            </a:r>
-            <a:r>
-              <a:rPr lang="en-US" altLang="zh-TW" dirty="0"/>
-              <a:t>(Work Trend Index)</a:t>
-            </a:r>
-            <a:r>
-              <a:rPr lang="zh-TW" altLang="en-US" dirty="0"/>
-              <a:t>調查</a:t>
-            </a:r>
-          </a:p>
-        </p:txBody>
-      </p:sp>
-      <p:graphicFrame>
-        <p:nvGraphicFramePr>
-          <p:cNvPr id="6" name="圖表 5">
-            <a:extLst>
-              <a:ext uri="{FF2B5EF4-FFF2-40B4-BE49-F238E27FC236}">
-                <a16:creationId xmlns:a16="http://schemas.microsoft.com/office/drawing/2014/main" id="{7243FEA1-243A-CF5C-784A-13876E64E97B}"/>
-              </a:ext>
-            </a:extLst>
-          </p:cNvPr>
-          <p:cNvGraphicFramePr/>
-          <p:nvPr>
-            <p:extLst>
-              <p:ext uri="{D42A27DB-BD31-4B8C-83A1-F6EECF244321}">
-                <p14:modId xmlns:p14="http://schemas.microsoft.com/office/powerpoint/2010/main" val="2265787730"/>
-              </p:ext>
-            </p:extLst>
-          </p:nvPr>
-        </p:nvGraphicFramePr>
-        <p:xfrm>
-          <a:off x="2032000" y="2471895"/>
-          <a:ext cx="4720492" cy="3666438"/>
-        </p:xfrm>
-        <a:graphic>
-          <a:graphicData uri="http://schemas.openxmlformats.org/drawingml/2006/chart">
-            <c:chart xmlns:c="http://schemas.openxmlformats.org/drawingml/2006/chart" xmlns:r="http://schemas.openxmlformats.org/officeDocument/2006/relationships" r:id="rId3"/>
-          </a:graphicData>
-        </a:graphic>
-      </p:graphicFrame>
-      <p:graphicFrame>
-        <p:nvGraphicFramePr>
-          <p:cNvPr id="7" name="圖表 6">
-            <a:extLst>
-              <a:ext uri="{FF2B5EF4-FFF2-40B4-BE49-F238E27FC236}">
-                <a16:creationId xmlns:a16="http://schemas.microsoft.com/office/drawing/2014/main" id="{B69F1A6A-34AF-F769-700C-C17A201986B5}"/>
-              </a:ext>
-            </a:extLst>
-          </p:cNvPr>
-          <p:cNvGraphicFramePr/>
-          <p:nvPr>
-            <p:extLst>
-              <p:ext uri="{D42A27DB-BD31-4B8C-83A1-F6EECF244321}">
-                <p14:modId xmlns:p14="http://schemas.microsoft.com/office/powerpoint/2010/main" val="2117441753"/>
-              </p:ext>
-            </p:extLst>
-          </p:nvPr>
-        </p:nvGraphicFramePr>
-        <p:xfrm>
-          <a:off x="6096000" y="2471895"/>
-          <a:ext cx="4720492" cy="3666438"/>
-        </p:xfrm>
-        <a:graphic>
-          <a:graphicData uri="http://schemas.openxmlformats.org/drawingml/2006/chart">
-            <c:chart xmlns:c="http://schemas.openxmlformats.org/drawingml/2006/chart" xmlns:r="http://schemas.openxmlformats.org/officeDocument/2006/relationships" r:id="rId4"/>
-          </a:graphicData>
-        </a:graphic>
-      </p:graphicFrame>
-    </p:spTree>
-    <p:extLst>
-      <p:ext uri="{BB962C8B-B14F-4D97-AF65-F5344CB8AC3E}">
-        <p14:creationId xmlns:p14="http://schemas.microsoft.com/office/powerpoint/2010/main" val="3314153208"/>
-      </p:ext>
-    </p:extLst>
-  </p:cSld>
-  <p:clrMapOvr>
-    <a:masterClrMapping/>
-  </p:clrMapOvr>
-</p:sld>
-</file>
-
-<file path=ppt/slides/slide9.xml><?xml version="1.0" encoding="utf-8"?>
-<p:sld xmlns:a="http://schemas.openxmlformats.org/drawingml/2006/main" xmlns:r="http://schemas.openxmlformats.org/officeDocument/2006/relationships" xmlns:p="http://schemas.openxmlformats.org/presentationml/2006/main">
-  <p:cSld>
-    <p:spTree>
-      <p:nvGrpSpPr>
-        <p:cNvPr id="1" name=""/>
-        <p:cNvGrpSpPr/>
-        <p:nvPr/>
-      </p:nvGrpSpPr>
-      <p:grpSpPr>
-        <a:xfrm>
-          <a:off x="0" y="0"/>
-          <a:ext cx="0" cy="0"/>
-          <a:chOff x="0" y="0"/>
-          <a:chExt cx="0" cy="0"/>
-        </a:xfrm>
-      </p:grpSpPr>
-      <p:sp>
-        <p:nvSpPr>
-          <p:cNvPr id="2" name="標題 1">
-            <a:extLst>
-              <a:ext uri="{FF2B5EF4-FFF2-40B4-BE49-F238E27FC236}">
-                <a16:creationId xmlns:a16="http://schemas.microsoft.com/office/drawing/2014/main" id="{D4F0BB34-5407-7E6A-025D-086295305DA3}"/>
-              </a:ext>
-            </a:extLst>
-          </p:cNvPr>
-          <p:cNvSpPr>
-            <a:spLocks noGrp="1"/>
-          </p:cNvSpPr>
-          <p:nvPr>
-            <p:ph type="title"/>
-          </p:nvPr>
-        </p:nvSpPr>
-        <p:spPr/>
-        <p:txBody>
-          <a:bodyPr/>
-          <a:lstStyle/>
-          <a:p>
-            <a:r>
-              <a:rPr lang="zh-TW" altLang="en-US" dirty="0"/>
-              <a:t>如何與人工智慧共存</a:t>
-            </a:r>
-            <a:r>
-              <a:rPr lang="en-US" altLang="zh-TW" dirty="0"/>
-              <a:t>?</a:t>
-            </a:r>
-            <a:endParaRPr lang="zh-TW" altLang="en-US" dirty="0"/>
-          </a:p>
-        </p:txBody>
-      </p:sp>
-      <p:sp>
-        <p:nvSpPr>
-          <p:cNvPr id="3" name="內容版面配置區 2">
-            <a:extLst>
-              <a:ext uri="{FF2B5EF4-FFF2-40B4-BE49-F238E27FC236}">
-                <a16:creationId xmlns:a16="http://schemas.microsoft.com/office/drawing/2014/main" id="{8003042B-6ECA-BE56-881E-9F3C2DFDEC68}"/>
-              </a:ext>
-            </a:extLst>
-          </p:cNvPr>
-          <p:cNvSpPr>
-            <a:spLocks noGrp="1"/>
-          </p:cNvSpPr>
-          <p:nvPr>
-            <p:ph idx="1"/>
-          </p:nvPr>
-        </p:nvSpPr>
-        <p:spPr/>
-        <p:txBody>
-          <a:bodyPr/>
-          <a:lstStyle/>
-          <a:p>
-            <a:r>
-              <a:rPr lang="zh-TW" altLang="en-US" dirty="0"/>
-              <a:t>不要與</a:t>
-            </a:r>
-            <a:r>
-              <a:rPr lang="en-US" altLang="zh-TW" dirty="0"/>
-              <a:t>AI</a:t>
-            </a:r>
-            <a:r>
-              <a:rPr lang="zh-TW" altLang="en-US" dirty="0"/>
-              <a:t>產生競爭心理</a:t>
-            </a:r>
-            <a:endParaRPr lang="en-US" altLang="zh-TW" dirty="0"/>
-          </a:p>
-          <a:p>
-            <a:r>
-              <a:rPr lang="zh-TW" altLang="en-US" dirty="0"/>
-              <a:t>與</a:t>
-            </a:r>
-            <a:r>
-              <a:rPr lang="en-US" altLang="zh-TW" dirty="0"/>
-              <a:t>AI</a:t>
-            </a:r>
-            <a:r>
-              <a:rPr lang="zh-TW" altLang="en-US" dirty="0"/>
-              <a:t>結盟，轉換成「協作者心態」</a:t>
-            </a:r>
-            <a:endParaRPr lang="en-US" altLang="zh-TW" dirty="0"/>
-          </a:p>
-          <a:p>
-            <a:r>
-              <a:rPr lang="zh-TW" altLang="en-US" dirty="0"/>
-              <a:t>適當地與</a:t>
-            </a:r>
-            <a:r>
-              <a:rPr lang="en-US" altLang="zh-TW" dirty="0"/>
-              <a:t>AI</a:t>
-            </a:r>
-            <a:r>
-              <a:rPr lang="zh-TW" altLang="en-US" dirty="0"/>
-              <a:t>分配任務</a:t>
-            </a:r>
-            <a:endParaRPr lang="en-US" altLang="zh-TW" dirty="0"/>
-          </a:p>
-          <a:p>
-            <a:r>
-              <a:rPr lang="zh-TW" altLang="en-US" dirty="0"/>
-              <a:t>「不能它給什麼，你就相信什麼」</a:t>
-            </a:r>
-            <a:endParaRPr lang="en-US" altLang="zh-TW" dirty="0"/>
-          </a:p>
-          <a:p>
-            <a:r>
-              <a:rPr lang="zh-TW" altLang="en-US" dirty="0"/>
-              <a:t>找出</a:t>
-            </a:r>
-            <a:r>
-              <a:rPr lang="en-US" altLang="zh-TW" dirty="0"/>
-              <a:t>AI</a:t>
-            </a:r>
-            <a:r>
-              <a:rPr lang="zh-TW" altLang="en-US" dirty="0"/>
-              <a:t>的極限</a:t>
-            </a:r>
-          </a:p>
-        </p:txBody>
-      </p:sp>
-    </p:spTree>
-    <p:extLst>
-      <p:ext uri="{BB962C8B-B14F-4D97-AF65-F5344CB8AC3E}">
-        <p14:creationId xmlns:p14="http://schemas.microsoft.com/office/powerpoint/2010/main" val="300465418"/>
       </p:ext>
     </p:extLst>
   </p:cSld>
